--- a/output/med-diet-t2d.pptx
+++ b/output/med-diet-t2d.pptx
@@ -7,34 +7,34 @@
   <p:sldIdLst>
     <p:sldId id="256" r:id="rId7"/>
     <p:sldId id="257" r:id="rId8"/>
-    <p:sldId id="258" r:id="rId9"/>
-    <p:sldId id="259" r:id="rId10"/>
-    <p:sldId id="260" r:id="rId11"/>
-    <p:sldId id="261" r:id="rId12"/>
-    <p:sldId id="262" r:id="rId13"/>
-    <p:sldId id="263" r:id="rId14"/>
-    <p:sldId id="264" r:id="rId15"/>
-    <p:sldId id="265" r:id="rId16"/>
-    <p:sldId id="266" r:id="rId17"/>
-    <p:sldId id="267" r:id="rId18"/>
-    <p:sldId id="268" r:id="rId19"/>
-    <p:sldId id="269" r:id="rId20"/>
-    <p:sldId id="270" r:id="rId21"/>
-    <p:sldId id="271" r:id="rId22"/>
-    <p:sldId id="272" r:id="rId23"/>
-    <p:sldId id="273" r:id="rId24"/>
-    <p:sldId id="274" r:id="rId25"/>
-    <p:sldId id="275" r:id="rId26"/>
-    <p:sldId id="276" r:id="rId27"/>
-    <p:sldId id="277" r:id="rId28"/>
-    <p:sldId id="278" r:id="rId29"/>
-    <p:sldId id="279" r:id="rId30"/>
-    <p:sldId id="280" r:id="rId31"/>
-    <p:sldId id="281" r:id="rId32"/>
-    <p:sldId id="282" r:id="rId33"/>
-    <p:sldId id="283" r:id="rId34"/>
-    <p:sldId id="284" r:id="rId35"/>
-    <p:sldId id="285" r:id="rId36"/>
+    <p:sldId id="258" r:id="rId10"/>
+    <p:sldId id="259" r:id="rId11"/>
+    <p:sldId id="260" r:id="rId12"/>
+    <p:sldId id="261" r:id="rId13"/>
+    <p:sldId id="262" r:id="rId14"/>
+    <p:sldId id="263" r:id="rId15"/>
+    <p:sldId id="264" r:id="rId16"/>
+    <p:sldId id="265" r:id="rId17"/>
+    <p:sldId id="266" r:id="rId18"/>
+    <p:sldId id="267" r:id="rId19"/>
+    <p:sldId id="268" r:id="rId20"/>
+    <p:sldId id="269" r:id="rId21"/>
+    <p:sldId id="270" r:id="rId22"/>
+    <p:sldId id="271" r:id="rId23"/>
+    <p:sldId id="272" r:id="rId24"/>
+    <p:sldId id="273" r:id="rId25"/>
+    <p:sldId id="274" r:id="rId26"/>
+    <p:sldId id="275" r:id="rId27"/>
+    <p:sldId id="276" r:id="rId28"/>
+    <p:sldId id="277" r:id="rId29"/>
+    <p:sldId id="278" r:id="rId30"/>
+    <p:sldId id="279" r:id="rId31"/>
+    <p:sldId id="280" r:id="rId32"/>
+    <p:sldId id="281" r:id="rId33"/>
+    <p:sldId id="282" r:id="rId34"/>
+    <p:sldId id="283" r:id="rId35"/>
+    <p:sldId id="284" r:id="rId36"/>
+    <p:sldId id="285" r:id="rId37"/>
   </p:sldIdLst>
   <p:sldSz cx="12188952" cy="6858000" type="screen4x3"/>
   <p:notesSz cx="6858000" cy="9144000"/>
@@ -134,6 +134,496 @@
     </a:lvl9pPr>
   </p:defaultTextStyle>
 </p:presentation>
+</file>
+
+<file path=ppt/notesMasters/notesMaster1.xml><?xml version="1.0" encoding="utf-8"?>
+<p:notesMaster xmlns:a="http://schemas.openxmlformats.org/drawingml/2006/main" xmlns:p="http://schemas.openxmlformats.org/presentationml/2006/main" xmlns:r="http://schemas.openxmlformats.org/officeDocument/2006/relationships">
+  <p:cSld>
+    <p:bg>
+      <p:bgRef idx="1001">
+        <a:schemeClr val="bg1"/>
+      </p:bgRef>
+    </p:bg>
+    <p:spTree>
+      <p:nvGrpSpPr>
+        <p:cNvPr id="1" name=""/>
+        <p:cNvGrpSpPr/>
+        <p:nvPr/>
+      </p:nvGrpSpPr>
+      <p:grpSpPr>
+        <a:xfrm>
+          <a:off x="0" y="0"/>
+          <a:ext cx="0" cy="0"/>
+          <a:chOff x="0" y="0"/>
+          <a:chExt cx="0" cy="0"/>
+        </a:xfrm>
+      </p:grpSpPr>
+      <p:sp>
+        <p:nvSpPr>
+          <p:cNvPr id="2" name="Header Placeholder 1"/>
+          <p:cNvSpPr>
+            <a:spLocks noGrp="1"/>
+          </p:cNvSpPr>
+          <p:nvPr>
+            <p:ph type="hdr" sz="quarter"/>
+          </p:nvPr>
+        </p:nvSpPr>
+        <p:spPr>
+          <a:xfrm>
+            <a:off x="0" y="0"/>
+            <a:ext cx="2971800" cy="457200"/>
+          </a:xfrm>
+          <a:prstGeom prst="rect">
+            <a:avLst/>
+          </a:prstGeom>
+        </p:spPr>
+        <p:txBody>
+          <a:bodyPr vert="horz" lIns="91440" tIns="45720" rIns="91440" bIns="45720" rtlCol="0"/>
+          <a:lstStyle>
+            <a:lvl1pPr algn="l">
+              <a:defRPr sz="1200"/>
+            </a:lvl1pPr>
+          </a:lstStyle>
+          <a:p>
+            <a:endParaRPr lang="en-US"/>
+          </a:p>
+        </p:txBody>
+      </p:sp>
+      <p:sp>
+        <p:nvSpPr>
+          <p:cNvPr id="3" name="Date Placeholder 2"/>
+          <p:cNvSpPr>
+            <a:spLocks noGrp="1"/>
+          </p:cNvSpPr>
+          <p:nvPr>
+            <p:ph type="dt" idx="1"/>
+          </p:nvPr>
+        </p:nvSpPr>
+        <p:spPr>
+          <a:xfrm>
+            <a:off x="3884613" y="0"/>
+            <a:ext cx="2971800" cy="457200"/>
+          </a:xfrm>
+          <a:prstGeom prst="rect">
+            <a:avLst/>
+          </a:prstGeom>
+        </p:spPr>
+        <p:txBody>
+          <a:bodyPr vert="horz" lIns="91440" tIns="45720" rIns="91440" bIns="45720" rtlCol="0"/>
+          <a:lstStyle>
+            <a:lvl1pPr algn="r">
+              <a:defRPr sz="1200"/>
+            </a:lvl1pPr>
+          </a:lstStyle>
+          <a:p>
+            <a:fld id="{0F89C1C7-3DCD-1040-A9CF-14679D8B5DDD}" type="datetimeFigureOut">
+              <a:rPr lang="en-US" smtClean="0"/>
+              <a:t>10/17/16</a:t>
+            </a:fld>
+            <a:endParaRPr lang="en-US"/>
+          </a:p>
+        </p:txBody>
+      </p:sp>
+      <p:sp>
+        <p:nvSpPr>
+          <p:cNvPr id="4" name="Slide Image Placeholder 3"/>
+          <p:cNvSpPr>
+            <a:spLocks noGrp="1" noRot="1" noChangeAspect="1"/>
+          </p:cNvSpPr>
+          <p:nvPr>
+            <p:ph type="sldImg" idx="2"/>
+          </p:nvPr>
+        </p:nvSpPr>
+        <p:spPr>
+          <a:xfrm>
+            <a:off x="1143000" y="685800"/>
+            <a:ext cx="4572000" cy="3429000"/>
+          </a:xfrm>
+          <a:prstGeom prst="rect">
+            <a:avLst/>
+          </a:prstGeom>
+          <a:noFill/>
+          <a:ln w="12700">
+            <a:solidFill>
+              <a:prstClr val="black"/>
+            </a:solidFill>
+          </a:ln>
+        </p:spPr>
+        <p:txBody>
+          <a:bodyPr vert="horz" lIns="91440" tIns="45720" rIns="91440" bIns="45720" rtlCol="0" anchor="ctr"/>
+          <a:lstStyle/>
+          <a:p>
+            <a:endParaRPr lang="en-US"/>
+          </a:p>
+        </p:txBody>
+      </p:sp>
+      <p:sp>
+        <p:nvSpPr>
+          <p:cNvPr id="5" name="Notes Placeholder 4"/>
+          <p:cNvSpPr>
+            <a:spLocks noGrp="1"/>
+          </p:cNvSpPr>
+          <p:nvPr>
+            <p:ph type="body" sz="quarter" idx="3"/>
+          </p:nvPr>
+        </p:nvSpPr>
+        <p:spPr>
+          <a:xfrm>
+            <a:off x="685800" y="4343400"/>
+            <a:ext cx="5486400" cy="4114800"/>
+          </a:xfrm>
+          <a:prstGeom prst="rect">
+            <a:avLst/>
+          </a:prstGeom>
+        </p:spPr>
+        <p:txBody>
+          <a:bodyPr vert="horz" lIns="91440" tIns="45720" rIns="91440" bIns="45720" rtlCol="0"/>
+          <a:lstStyle/>
+          <a:p>
+            <a:pPr lvl="0"/>
+            <a:r>
+              <a:rPr lang="en-US" smtClean="0"/>
+              <a:t>Click to edit Master text styles</a:t>
+            </a:r>
+          </a:p>
+          <a:p>
+            <a:pPr lvl="1"/>
+            <a:r>
+              <a:rPr lang="en-US" smtClean="0"/>
+              <a:t>Second level</a:t>
+            </a:r>
+          </a:p>
+          <a:p>
+            <a:pPr lvl="2"/>
+            <a:r>
+              <a:rPr lang="en-US" smtClean="0"/>
+              <a:t>Third level</a:t>
+            </a:r>
+          </a:p>
+          <a:p>
+            <a:pPr lvl="3"/>
+            <a:r>
+              <a:rPr lang="en-US" smtClean="0"/>
+              <a:t>Fourth level</a:t>
+            </a:r>
+          </a:p>
+          <a:p>
+            <a:pPr lvl="4"/>
+            <a:r>
+              <a:rPr lang="en-US" smtClean="0"/>
+              <a:t>Fifth level</a:t>
+            </a:r>
+            <a:endParaRPr lang="en-US"/>
+          </a:p>
+        </p:txBody>
+      </p:sp>
+      <p:sp>
+        <p:nvSpPr>
+          <p:cNvPr id="6" name="Footer Placeholder 5"/>
+          <p:cNvSpPr>
+            <a:spLocks noGrp="1"/>
+          </p:cNvSpPr>
+          <p:nvPr>
+            <p:ph type="ftr" sz="quarter" idx="4"/>
+          </p:nvPr>
+        </p:nvSpPr>
+        <p:spPr>
+          <a:xfrm>
+            <a:off x="0" y="8685213"/>
+            <a:ext cx="2971800" cy="457200"/>
+          </a:xfrm>
+          <a:prstGeom prst="rect">
+            <a:avLst/>
+          </a:prstGeom>
+        </p:spPr>
+        <p:txBody>
+          <a:bodyPr vert="horz" lIns="91440" tIns="45720" rIns="91440" bIns="45720" rtlCol="0" anchor="b"/>
+          <a:lstStyle>
+            <a:lvl1pPr algn="l">
+              <a:defRPr sz="1200"/>
+            </a:lvl1pPr>
+          </a:lstStyle>
+          <a:p>
+            <a:endParaRPr lang="en-US"/>
+          </a:p>
+        </p:txBody>
+      </p:sp>
+      <p:sp>
+        <p:nvSpPr>
+          <p:cNvPr id="7" name="Slide Number Placeholder 6"/>
+          <p:cNvSpPr>
+            <a:spLocks noGrp="1"/>
+          </p:cNvSpPr>
+          <p:nvPr>
+            <p:ph type="sldNum" sz="quarter" idx="5"/>
+          </p:nvPr>
+        </p:nvSpPr>
+        <p:spPr>
+          <a:xfrm>
+            <a:off x="3884613" y="8685213"/>
+            <a:ext cx="2971800" cy="457200"/>
+          </a:xfrm>
+          <a:prstGeom prst="rect">
+            <a:avLst/>
+          </a:prstGeom>
+        </p:spPr>
+        <p:txBody>
+          <a:bodyPr vert="horz" lIns="91440" tIns="45720" rIns="91440" bIns="45720" rtlCol="0" anchor="b"/>
+          <a:lstStyle>
+            <a:lvl1pPr algn="r">
+              <a:defRPr sz="1200"/>
+            </a:lvl1pPr>
+          </a:lstStyle>
+          <a:p>
+            <a:fld id="{BB5E49A5-4136-284D-997B-48E1D791AD67}" type="slidenum">
+              <a:rPr lang="en-US" smtClean="0"/>
+              <a:t>‹#›</a:t>
+            </a:fld>
+            <a:endParaRPr lang="en-US"/>
+          </a:p>
+        </p:txBody>
+      </p:sp>
+    </p:spTree>
+    <p:extLst>
+      <p:ext uri="{BB962C8B-B14F-4D97-AF65-F5344CB8AC3E}">
+        <p14:creationId xmlns:p14="http://schemas.microsoft.com/office/powerpoint/2010/main" val="2623252185"/>
+      </p:ext>
+    </p:extLst>
+  </p:cSld>
+  <p:clrMap bg1="lt1" tx1="dk1" bg2="lt2" tx2="dk2" accent1="accent1" accent2="accent2" accent3="accent3" accent4="accent4" accent5="accent5" accent6="accent6" hlink="hlink" folHlink="folHlink"/>
+  <p:notesStyle>
+    <a:lvl1pPr marL="0" algn="l" defTabSz="457200" rtl="0" eaLnBrk="1" latinLnBrk="0" hangingPunct="1">
+      <a:defRPr sz="1200" kern="1200">
+        <a:solidFill>
+          <a:schemeClr val="tx1"/>
+        </a:solidFill>
+        <a:latin typeface="+mn-lt"/>
+        <a:ea typeface="+mn-ea"/>
+        <a:cs typeface="+mn-cs"/>
+      </a:defRPr>
+    </a:lvl1pPr>
+    <a:lvl2pPr marL="457200" algn="l" defTabSz="457200" rtl="0" eaLnBrk="1" latinLnBrk="0" hangingPunct="1">
+      <a:defRPr sz="1200" kern="1200">
+        <a:solidFill>
+          <a:schemeClr val="tx1"/>
+        </a:solidFill>
+        <a:latin typeface="+mn-lt"/>
+        <a:ea typeface="+mn-ea"/>
+        <a:cs typeface="+mn-cs"/>
+      </a:defRPr>
+    </a:lvl2pPr>
+    <a:lvl3pPr marL="914400" algn="l" defTabSz="457200" rtl="0" eaLnBrk="1" latinLnBrk="0" hangingPunct="1">
+      <a:defRPr sz="1200" kern="1200">
+        <a:solidFill>
+          <a:schemeClr val="tx1"/>
+        </a:solidFill>
+        <a:latin typeface="+mn-lt"/>
+        <a:ea typeface="+mn-ea"/>
+        <a:cs typeface="+mn-cs"/>
+      </a:defRPr>
+    </a:lvl3pPr>
+    <a:lvl4pPr marL="1371600" algn="l" defTabSz="457200" rtl="0" eaLnBrk="1" latinLnBrk="0" hangingPunct="1">
+      <a:defRPr sz="1200" kern="1200">
+        <a:solidFill>
+          <a:schemeClr val="tx1"/>
+        </a:solidFill>
+        <a:latin typeface="+mn-lt"/>
+        <a:ea typeface="+mn-ea"/>
+        <a:cs typeface="+mn-cs"/>
+      </a:defRPr>
+    </a:lvl4pPr>
+    <a:lvl5pPr marL="1828800" algn="l" defTabSz="457200" rtl="0" eaLnBrk="1" latinLnBrk="0" hangingPunct="1">
+      <a:defRPr sz="1200" kern="1200">
+        <a:solidFill>
+          <a:schemeClr val="tx1"/>
+        </a:solidFill>
+        <a:latin typeface="+mn-lt"/>
+        <a:ea typeface="+mn-ea"/>
+        <a:cs typeface="+mn-cs"/>
+      </a:defRPr>
+    </a:lvl5pPr>
+    <a:lvl6pPr marL="2286000" algn="l" defTabSz="457200" rtl="0" eaLnBrk="1" latinLnBrk="0" hangingPunct="1">
+      <a:defRPr sz="1200" kern="1200">
+        <a:solidFill>
+          <a:schemeClr val="tx1"/>
+        </a:solidFill>
+        <a:latin typeface="+mn-lt"/>
+        <a:ea typeface="+mn-ea"/>
+        <a:cs typeface="+mn-cs"/>
+      </a:defRPr>
+    </a:lvl6pPr>
+    <a:lvl7pPr marL="2743200" algn="l" defTabSz="457200" rtl="0" eaLnBrk="1" latinLnBrk="0" hangingPunct="1">
+      <a:defRPr sz="1200" kern="1200">
+        <a:solidFill>
+          <a:schemeClr val="tx1"/>
+        </a:solidFill>
+        <a:latin typeface="+mn-lt"/>
+        <a:ea typeface="+mn-ea"/>
+        <a:cs typeface="+mn-cs"/>
+      </a:defRPr>
+    </a:lvl7pPr>
+    <a:lvl8pPr marL="3200400" algn="l" defTabSz="457200" rtl="0" eaLnBrk="1" latinLnBrk="0" hangingPunct="1">
+      <a:defRPr sz="1200" kern="1200">
+        <a:solidFill>
+          <a:schemeClr val="tx1"/>
+        </a:solidFill>
+        <a:latin typeface="+mn-lt"/>
+        <a:ea typeface="+mn-ea"/>
+        <a:cs typeface="+mn-cs"/>
+      </a:defRPr>
+    </a:lvl8pPr>
+    <a:lvl9pPr marL="3657600" algn="l" defTabSz="457200" rtl="0" eaLnBrk="1" latinLnBrk="0" hangingPunct="1">
+      <a:defRPr sz="1200" kern="1200">
+        <a:solidFill>
+          <a:schemeClr val="tx1"/>
+        </a:solidFill>
+        <a:latin typeface="+mn-lt"/>
+        <a:ea typeface="+mn-ea"/>
+        <a:cs typeface="+mn-cs"/>
+      </a:defRPr>
+    </a:lvl9pPr>
+  </p:notesStyle>
+</p:notesMaster>
+</file>
+
+<file path=ppt/notesSlides/notesSlide1.xml><?xml version="1.0" encoding="utf-8"?>
+<p:notes xmlns:a="http://schemas.openxmlformats.org/drawingml/2006/main" xmlns:p="http://schemas.openxmlformats.org/presentationml/2006/main" xmlns:r="http://schemas.openxmlformats.org/officeDocument/2006/relationships">
+  <p:cSld>
+    <p:spTree>
+      <p:nvGrpSpPr>
+        <p:cNvPr id="1" name=""/>
+        <p:cNvGrpSpPr/>
+        <p:nvPr/>
+      </p:nvGrpSpPr>
+      <p:grpSpPr>
+        <a:xfrm>
+          <a:off x="0" y="0"/>
+          <a:ext cx="0" cy="0"/>
+          <a:chOff x="0" y="0"/>
+          <a:chExt cx="0" cy="0"/>
+        </a:xfrm>
+      </p:grpSpPr>
+      <p:sp>
+        <p:nvSpPr>
+          <p:cNvPr id="2" name="Slide Image Placeholder 1"/>
+          <p:cNvSpPr>
+            <a:spLocks noGrp="1"/>
+          </p:cNvSpPr>
+          <p:nvPr>
+            <p:ph type="sldImg" idx="2"/>
+          </p:nvPr>
+        </p:nvSpPr>
+        <p:spPr/>
+      </p:sp>
+      <p:sp>
+        <p:nvSpPr>
+          <p:cNvPr id="3" name="Notes Placeholder 2"/>
+          <p:cNvSpPr>
+            <a:spLocks noGrp="1"/>
+          </p:cNvSpPr>
+          <p:nvPr>
+            <p:ph type="body" idx="3" sz="quarter"/>
+          </p:nvPr>
+        </p:nvSpPr>
+        <p:spPr/>
+        <p:txBody>
+          <a:bodyPr/>
+          <a:lstStyle/>
+          <a:p>
+            <a:r>
+              <a:t>T2D = insulin resistance + beta-cell dysfunction</a:t>
+            </a:r>
+          </a:p>
+        </p:txBody>
+      </p:sp>
+      <p:sp>
+        <p:nvSpPr>
+          <p:cNvPr id="4" name="Slide Number Placeholder 3"/>
+          <p:cNvSpPr>
+            <a:spLocks noGrp="1"/>
+          </p:cNvSpPr>
+          <p:nvPr>
+            <p:ph type="sldNum" idx="5" sz="quarter"/>
+          </p:nvPr>
+        </p:nvSpPr>
+        <p:spPr/>
+      </p:sp>
+    </p:spTree>
+  </p:cSld>
+  <p:clrMapOvr>
+    <a:masterClrMapping/>
+  </p:clrMapOvr>
+</p:notes>
+</file>
+
+<file path=ppt/notesSlides/notesSlide2.xml><?xml version="1.0" encoding="utf-8"?>
+<p:notes xmlns:a="http://schemas.openxmlformats.org/drawingml/2006/main" xmlns:p="http://schemas.openxmlformats.org/presentationml/2006/main" xmlns:r="http://schemas.openxmlformats.org/officeDocument/2006/relationships">
+  <p:cSld>
+    <p:spTree>
+      <p:nvGrpSpPr>
+        <p:cNvPr id="1" name=""/>
+        <p:cNvGrpSpPr/>
+        <p:nvPr/>
+      </p:nvGrpSpPr>
+      <p:grpSpPr>
+        <a:xfrm>
+          <a:off x="0" y="0"/>
+          <a:ext cx="0" cy="0"/>
+          <a:chOff x="0" y="0"/>
+          <a:chExt cx="0" cy="0"/>
+        </a:xfrm>
+      </p:grpSpPr>
+      <p:sp>
+        <p:nvSpPr>
+          <p:cNvPr id="2" name="Slide Image Placeholder 1"/>
+          <p:cNvSpPr>
+            <a:spLocks noGrp="1"/>
+          </p:cNvSpPr>
+          <p:nvPr>
+            <p:ph type="sldImg" idx="2"/>
+          </p:nvPr>
+        </p:nvSpPr>
+        <p:spPr/>
+      </p:sp>
+      <p:sp>
+        <p:nvSpPr>
+          <p:cNvPr id="3" name="Notes Placeholder 2"/>
+          <p:cNvSpPr>
+            <a:spLocks noGrp="1"/>
+          </p:cNvSpPr>
+          <p:nvPr>
+            <p:ph type="body" idx="3" sz="quarter"/>
+          </p:nvPr>
+        </p:nvSpPr>
+        <p:spPr/>
+        <p:txBody>
+          <a:bodyPr/>
+          <a:lstStyle/>
+          <a:p>
+            <a:r>
+              <a:t>Concept map across multiple pathways</a:t>
+            </a:r>
+          </a:p>
+        </p:txBody>
+      </p:sp>
+      <p:sp>
+        <p:nvSpPr>
+          <p:cNvPr id="4" name="Slide Number Placeholder 3"/>
+          <p:cNvSpPr>
+            <a:spLocks noGrp="1"/>
+          </p:cNvSpPr>
+          <p:nvPr>
+            <p:ph type="sldNum" idx="5" sz="quarter"/>
+          </p:nvPr>
+        </p:nvSpPr>
+        <p:spPr/>
+      </p:sp>
+    </p:spTree>
+  </p:cSld>
+  <p:clrMapOvr>
+    <a:masterClrMapping/>
+  </p:clrMapOvr>
+</p:notes>
 </file>
 
 <file path=ppt/slideLayouts/slideLayout1.xml><?xml version="1.0" encoding="utf-8"?>
@@ -3119,31 +3609,14 @@
       <p:grpSpPr/>
       <p:sp>
         <p:nvSpPr>
-          <p:cNvPr id="2" name="Title 1"/>
-          <p:cNvSpPr>
-            <a:spLocks noGrp="1"/>
-          </p:cNvSpPr>
-          <p:nvPr>
-            <p:ph type="title"/>
-          </p:nvPr>
-        </p:nvSpPr>
-        <p:spPr/>
-        <p:txBody>
-          <a:bodyPr/>
-          <a:lstStyle/>
-          <a:p/>
-        </p:txBody>
-      </p:sp>
-      <p:sp>
-        <p:nvSpPr>
-          <p:cNvPr id="3" name="Rectangle 2"/>
+          <p:cNvPr id="2" name="Rectangle 1"/>
           <p:cNvSpPr/>
           <p:nvPr/>
         </p:nvSpPr>
         <p:spPr>
           <a:xfrm>
             <a:off x="0" y="0"/>
-            <a:ext cx="12188952" cy="164592"/>
+            <a:ext cx="12188952" cy="137160"/>
           </a:xfrm>
           <a:prstGeom prst="rect">
             <a:avLst/>
@@ -3182,14 +3655,14 @@
       </p:sp>
       <p:sp>
         <p:nvSpPr>
-          <p:cNvPr id="4" name="TextBox 3"/>
+          <p:cNvPr id="3" name="TextBox 2"/>
           <p:cNvSpPr txBox="1"/>
           <p:nvPr/>
         </p:nvSpPr>
         <p:spPr>
           <a:xfrm>
-            <a:off x="640080" y="1280160"/>
-            <a:ext cx="10972800" cy="1828800"/>
+            <a:off x="548640" y="1188720"/>
+            <a:ext cx="11155680" cy="2011680"/>
           </a:xfrm>
           <a:prstGeom prst="rect">
             <a:avLst/>
@@ -3202,22 +3675,26 @@
           </a:bodyPr>
           <a:lstStyle/>
           <a:p>
-            <a:pPr algn="r">
-              <a:defRPr sz="4400" b="1">
+            <a:pPr algn="r"/>
+            <a:r>
+              <a:rPr sz="4400" b="1">
                 <a:solidFill>
                   <a:srgbClr val="1E4C78"/>
                 </a:solidFill>
-              </a:defRPr>
-            </a:pPr>
-            <a:r>
+                <a:latin typeface="Vazirmatn"/>
+              </a:rPr>
               <a:t>تأثیر رژیم غذایی مدیترانه‌ای بر دیابت نوع 2</a:t>
             </a:r>
           </a:p>
           <a:p>
-            <a:pPr algn="r">
-              <a:defRPr sz="2400"/>
-            </a:pPr>
-            <a:r>
+            <a:pPr algn="r"/>
+            <a:r>
+              <a:rPr sz="2400" b="0">
+                <a:solidFill>
+                  <a:srgbClr val="1E4C78"/>
+                </a:solidFill>
+                <a:latin typeface="Vazirmatn"/>
+              </a:rPr>
               <a:t>ارائه برای رشته علوم تغذیه</a:t>
             </a:r>
           </a:p>
@@ -3243,19 +3720,37 @@
       <p:grpSpPr/>
       <p:sp>
         <p:nvSpPr>
-          <p:cNvPr id="2" name="Title 1"/>
-          <p:cNvSpPr>
-            <a:spLocks noGrp="1"/>
-          </p:cNvSpPr>
-          <p:nvPr>
-            <p:ph type="title"/>
-          </p:nvPr>
-        </p:nvSpPr>
-        <p:spPr/>
-        <p:txBody>
-          <a:bodyPr/>
-          <a:lstStyle/>
-          <a:p/>
+          <p:cNvPr id="2" name="TextBox 1"/>
+          <p:cNvSpPr txBox="1"/>
+          <p:nvPr/>
+        </p:nvSpPr>
+        <p:spPr>
+          <a:xfrm>
+            <a:off x="548640" y="457200"/>
+            <a:ext cx="11155680" cy="822960"/>
+          </a:xfrm>
+          <a:prstGeom prst="rect">
+            <a:avLst/>
+          </a:prstGeom>
+          <a:noFill/>
+        </p:spPr>
+        <p:txBody>
+          <a:bodyPr wrap="none">
+            <a:spAutoFit/>
+          </a:bodyPr>
+          <a:lstStyle/>
+          <a:p>
+            <a:pPr algn="r"/>
+            <a:r>
+              <a:rPr sz="3000" b="1">
+                <a:solidFill>
+                  <a:srgbClr val="1E4C78"/>
+                </a:solidFill>
+                <a:latin typeface="Vazirmatn"/>
+              </a:rPr>
+              <a:t>چرا مدیترانه‌ای برای T2D مفید است؟</a:t>
+            </a:r>
+          </a:p>
         </p:txBody>
       </p:sp>
       <p:sp>
@@ -3266,8 +3761,8 @@
         </p:nvSpPr>
         <p:spPr>
           <a:xfrm>
-            <a:off x="640080" y="548640"/>
-            <a:ext cx="10972800" cy="822960"/>
+            <a:off x="548640" y="1371600"/>
+            <a:ext cx="11155680" cy="5120640"/>
           </a:xfrm>
           <a:prstGeom prst="rect">
             <a:avLst/>
@@ -3280,71 +3775,98 @@
           </a:bodyPr>
           <a:lstStyle/>
           <a:p>
-            <a:pPr algn="r">
-              <a:defRPr sz="3000" b="1">
-                <a:solidFill>
-                  <a:srgbClr val="1E4C78"/>
-                </a:solidFill>
-              </a:defRPr>
-            </a:pPr>
-            <a:r>
-              <a:t>چرا مدیترانه‌ای برای T2D مفید است؟</a:t>
-            </a:r>
-          </a:p>
-        </p:txBody>
-      </p:sp>
-      <p:sp>
-        <p:nvSpPr>
-          <p:cNvPr id="4" name="TextBox 3"/>
-          <p:cNvSpPr txBox="1"/>
+            <a:pPr algn="r"/>
+            <a:r>
+              <a:rPr sz="2400" b="0">
+                <a:solidFill>
+                  <a:srgbClr val="464646"/>
+                </a:solidFill>
+                <a:latin typeface="Vazirmatn"/>
+              </a:rPr>
+              <a:t>فیبر بالا → کاهش شاخص گلیسمی و افزایش سیری</a:t>
+            </a:r>
+          </a:p>
+          <a:p>
+            <a:pPr algn="r"/>
+            <a:r>
+              <a:rPr sz="2400" b="0">
+                <a:solidFill>
+                  <a:srgbClr val="464646"/>
+                </a:solidFill>
+                <a:latin typeface="Vazirmatn"/>
+              </a:rPr>
+              <a:t>MUFA/PUFA → بهبود حساسیت به انسولین و پروفایل لیپیدی</a:t>
+            </a:r>
+          </a:p>
+          <a:p>
+            <a:pPr algn="r"/>
+            <a:r>
+              <a:rPr sz="2400" b="0">
+                <a:solidFill>
+                  <a:srgbClr val="464646"/>
+                </a:solidFill>
+                <a:latin typeface="Vazirmatn"/>
+              </a:rPr>
+              <a:t>پلی‌فنول‌ها → ضدالتهاب/آنتی‌اکسیدان؛ بهبود سیگنالینگ انسولین</a:t>
+            </a:r>
+          </a:p>
+          <a:p>
+            <a:pPr algn="r"/>
+            <a:r>
+              <a:rPr sz="2400" b="0">
+                <a:solidFill>
+                  <a:srgbClr val="464646"/>
+                </a:solidFill>
+                <a:latin typeface="Vazirmatn"/>
+              </a:rPr>
+              <a:t>تنوع و انعطاف‌پذیری → پایبندی بهتر و پایدارتر</a:t>
+            </a:r>
+          </a:p>
+        </p:txBody>
+      </p:sp>
+      <p:sp>
+        <p:nvSpPr>
+          <p:cNvPr id="4" name="Rectangle 3"/>
+          <p:cNvSpPr/>
           <p:nvPr/>
         </p:nvSpPr>
         <p:spPr>
           <a:xfrm>
-            <a:off x="640080" y="1463040"/>
-            <a:ext cx="10972800" cy="4937760"/>
-          </a:xfrm>
-          <a:prstGeom prst="rect">
-            <a:avLst/>
-          </a:prstGeom>
-          <a:noFill/>
-        </p:spPr>
-        <p:txBody>
-          <a:bodyPr wrap="none">
-            <a:spAutoFit/>
-          </a:bodyPr>
-          <a:lstStyle/>
-          <a:p>
-            <a:pPr algn="r">
-              <a:defRPr sz="2400"/>
-            </a:pPr>
-            <a:r>
-              <a:t>فیبر بالا → کاهش شاخص گلیسمی و افزایش سیری</a:t>
-            </a:r>
-          </a:p>
-          <a:p>
-            <a:pPr algn="r">
-              <a:defRPr sz="2400"/>
-            </a:pPr>
-            <a:r>
-              <a:t>MUFA/PUFA → بهبود حساسیت به انسولین</a:t>
-            </a:r>
-          </a:p>
-          <a:p>
-            <a:pPr algn="r">
-              <a:defRPr sz="2400"/>
-            </a:pPr>
-            <a:r>
-              <a:t>پلی‌فنول‌ها → ضدالتهاب و آنتی‌اکسیدان</a:t>
-            </a:r>
-          </a:p>
-          <a:p>
-            <a:pPr algn="r">
-              <a:defRPr sz="2400"/>
-            </a:pPr>
-            <a:r>
-              <a:t>تنوع و انعطاف‌پذیری → پایبندی بهتر</a:t>
-            </a:r>
+            <a:off x="0" y="0"/>
+            <a:ext cx="12188952" cy="137160"/>
+          </a:xfrm>
+          <a:prstGeom prst="rect">
+            <a:avLst/>
+          </a:prstGeom>
+          <a:solidFill>
+            <a:srgbClr val="789E49"/>
+          </a:solidFill>
+          <a:ln>
+            <a:solidFill>
+              <a:srgbClr val="789E49"/>
+            </a:solidFill>
+          </a:ln>
+          <a:effectLst/>
+        </p:spPr>
+        <p:style>
+          <a:lnRef idx="1">
+            <a:schemeClr val="accent1"/>
+          </a:lnRef>
+          <a:fillRef idx="3">
+            <a:schemeClr val="accent1"/>
+          </a:fillRef>
+          <a:effectRef idx="2">
+            <a:schemeClr val="accent1"/>
+          </a:effectRef>
+          <a:fontRef idx="minor">
+            <a:schemeClr val="lt1"/>
+          </a:fontRef>
+        </p:style>
+        <p:txBody>
+          <a:bodyPr rtlCol="0" anchor="ctr"/>
+          <a:lstStyle/>
+          <a:p>
+            <a:pPr algn="ctr"/>
           </a:p>
         </p:txBody>
       </p:sp>
@@ -3368,19 +3890,37 @@
       <p:grpSpPr/>
       <p:sp>
         <p:nvSpPr>
-          <p:cNvPr id="2" name="Title 1"/>
-          <p:cNvSpPr>
-            <a:spLocks noGrp="1"/>
-          </p:cNvSpPr>
-          <p:nvPr>
-            <p:ph type="title"/>
-          </p:nvPr>
-        </p:nvSpPr>
-        <p:spPr/>
-        <p:txBody>
-          <a:bodyPr/>
-          <a:lstStyle/>
-          <a:p/>
+          <p:cNvPr id="2" name="TextBox 1"/>
+          <p:cNvSpPr txBox="1"/>
+          <p:nvPr/>
+        </p:nvSpPr>
+        <p:spPr>
+          <a:xfrm>
+            <a:off x="548640" y="457200"/>
+            <a:ext cx="11155680" cy="822960"/>
+          </a:xfrm>
+          <a:prstGeom prst="rect">
+            <a:avLst/>
+          </a:prstGeom>
+          <a:noFill/>
+        </p:spPr>
+        <p:txBody>
+          <a:bodyPr wrap="none">
+            <a:spAutoFit/>
+          </a:bodyPr>
+          <a:lstStyle/>
+          <a:p>
+            <a:pPr algn="r"/>
+            <a:r>
+              <a:rPr sz="3000" b="1">
+                <a:solidFill>
+                  <a:srgbClr val="1E4C78"/>
+                </a:solidFill>
+                <a:latin typeface="Vazirmatn"/>
+              </a:rPr>
+              <a:t>مقدمه مکانیسم‌ها</a:t>
+            </a:r>
+          </a:p>
         </p:txBody>
       </p:sp>
       <p:sp>
@@ -3391,8 +3931,8 @@
         </p:nvSpPr>
         <p:spPr>
           <a:xfrm>
-            <a:off x="640080" y="548640"/>
-            <a:ext cx="10972800" cy="822960"/>
+            <a:off x="548640" y="1371600"/>
+            <a:ext cx="11155680" cy="5120640"/>
           </a:xfrm>
           <a:prstGeom prst="rect">
             <a:avLst/>
@@ -3405,53 +3945,26 @@
           </a:bodyPr>
           <a:lstStyle/>
           <a:p>
-            <a:pPr algn="r">
-              <a:defRPr sz="3000" b="1">
-                <a:solidFill>
-                  <a:srgbClr val="1E4C78"/>
-                </a:solidFill>
-              </a:defRPr>
-            </a:pPr>
-            <a:r>
-              <a:t>مقدمه مکانیسم‌ها</a:t>
-            </a:r>
-          </a:p>
-        </p:txBody>
-      </p:sp>
-      <p:sp>
-        <p:nvSpPr>
-          <p:cNvPr id="4" name="TextBox 3"/>
-          <p:cNvSpPr txBox="1"/>
-          <p:nvPr/>
-        </p:nvSpPr>
-        <p:spPr>
-          <a:xfrm>
-            <a:off x="640080" y="1463040"/>
-            <a:ext cx="10972800" cy="4937760"/>
-          </a:xfrm>
-          <a:prstGeom prst="rect">
-            <a:avLst/>
-          </a:prstGeom>
-          <a:noFill/>
-        </p:spPr>
-        <p:txBody>
-          <a:bodyPr wrap="none">
-            <a:spAutoFit/>
-          </a:bodyPr>
-          <a:lstStyle/>
-          <a:p>
-            <a:pPr algn="r">
-              <a:defRPr sz="2400"/>
-            </a:pPr>
-            <a:r>
+            <a:pPr algn="r"/>
+            <a:r>
+              <a:rPr sz="2400" b="0">
+                <a:solidFill>
+                  <a:srgbClr val="464646"/>
+                </a:solidFill>
+                <a:latin typeface="Vazirmatn"/>
+              </a:rPr>
               <a:t>مسیرها: التهاب، میتوکندری، گلوتامات/تحریک‌سمّیت، ایمنی، میکروبیوم، هورمون‌های روده</a:t>
             </a:r>
           </a:p>
           <a:p>
-            <a:pPr algn="r">
-              <a:defRPr sz="2400"/>
-            </a:pPr>
-            <a:r>
+            <a:pPr algn="r"/>
+            <a:r>
+              <a:rPr sz="2400" b="0">
+                <a:solidFill>
+                  <a:srgbClr val="464646"/>
+                </a:solidFill>
+                <a:latin typeface="Vazirmatn"/>
+              </a:rPr>
               <a:t>از جزء غذایی → تغییرات مولکولی/سیستمی → پیامدهای بالینی</a:t>
             </a:r>
           </a:p>
@@ -3459,14 +3972,14 @@
       </p:sp>
       <p:sp>
         <p:nvSpPr>
-          <p:cNvPr id="5" name="Rectangle 4"/>
+          <p:cNvPr id="4" name="Rectangle 3"/>
           <p:cNvSpPr/>
           <p:nvPr/>
         </p:nvSpPr>
         <p:spPr>
           <a:xfrm>
             <a:off x="0" y="0"/>
-            <a:ext cx="12188952" cy="164592"/>
+            <a:ext cx="12188952" cy="137160"/>
           </a:xfrm>
           <a:prstGeom prst="rect">
             <a:avLst/>
@@ -3523,31 +4036,14 @@
       <p:grpSpPr/>
       <p:sp>
         <p:nvSpPr>
-          <p:cNvPr id="2" name="Title 1"/>
-          <p:cNvSpPr>
-            <a:spLocks noGrp="1"/>
-          </p:cNvSpPr>
-          <p:nvPr>
-            <p:ph type="title"/>
-          </p:nvPr>
-        </p:nvSpPr>
-        <p:spPr/>
-        <p:txBody>
-          <a:bodyPr/>
-          <a:lstStyle/>
-          <a:p/>
-        </p:txBody>
-      </p:sp>
-      <p:sp>
-        <p:nvSpPr>
-          <p:cNvPr id="3" name="TextBox 2"/>
+          <p:cNvPr id="2" name="TextBox 1"/>
           <p:cNvSpPr txBox="1"/>
           <p:nvPr/>
         </p:nvSpPr>
         <p:spPr>
           <a:xfrm>
-            <a:off x="640080" y="548640"/>
-            <a:ext cx="10972800" cy="822960"/>
+            <a:off x="548640" y="457200"/>
+            <a:ext cx="11155680" cy="822960"/>
           </a:xfrm>
           <a:prstGeom prst="rect">
             <a:avLst/>
@@ -3560,14 +4056,14 @@
           </a:bodyPr>
           <a:lstStyle/>
           <a:p>
-            <a:pPr algn="r">
-              <a:defRPr sz="3000" b="1">
+            <a:pPr algn="r"/>
+            <a:r>
+              <a:rPr sz="3000" b="1">
                 <a:solidFill>
                   <a:srgbClr val="1E4C78"/>
                 </a:solidFill>
-              </a:defRPr>
-            </a:pPr>
-            <a:r>
+                <a:latin typeface="Vazirmatn"/>
+              </a:rPr>
               <a:t>1) کاهش التهاب (Neuroinflammation ↓)</a:t>
             </a:r>
           </a:p>
@@ -3575,7 +4071,7 @@
       </p:sp>
       <p:pic>
         <p:nvPicPr>
-          <p:cNvPr id="4" name="Picture 3" descr="nfkb.png"/>
+          <p:cNvPr id="3" name="Picture 2" descr="nfkb.png"/>
           <p:cNvPicPr>
             <a:picLocks noChangeAspect="1"/>
           </p:cNvPicPr>
@@ -3589,14 +4085,60 @@
         </p:blipFill>
         <p:spPr>
           <a:xfrm>
-            <a:off x="2926080" y="1645920"/>
-            <a:ext cx="6400800" cy="3733800"/>
+            <a:off x="2926080" y="1554480"/>
+            <a:ext cx="6400800" cy="3742006"/>
           </a:xfrm>
           <a:prstGeom prst="rect">
             <a:avLst/>
           </a:prstGeom>
         </p:spPr>
       </p:pic>
+      <p:sp>
+        <p:nvSpPr>
+          <p:cNvPr id="4" name="Rectangle 3"/>
+          <p:cNvSpPr/>
+          <p:nvPr/>
+        </p:nvSpPr>
+        <p:spPr>
+          <a:xfrm>
+            <a:off x="0" y="0"/>
+            <a:ext cx="12188952" cy="137160"/>
+          </a:xfrm>
+          <a:prstGeom prst="rect">
+            <a:avLst/>
+          </a:prstGeom>
+          <a:solidFill>
+            <a:srgbClr val="789E49"/>
+          </a:solidFill>
+          <a:ln>
+            <a:solidFill>
+              <a:srgbClr val="789E49"/>
+            </a:solidFill>
+          </a:ln>
+          <a:effectLst/>
+        </p:spPr>
+        <p:style>
+          <a:lnRef idx="1">
+            <a:schemeClr val="accent1"/>
+          </a:lnRef>
+          <a:fillRef idx="3">
+            <a:schemeClr val="accent1"/>
+          </a:fillRef>
+          <a:effectRef idx="2">
+            <a:schemeClr val="accent1"/>
+          </a:effectRef>
+          <a:fontRef idx="minor">
+            <a:schemeClr val="lt1"/>
+          </a:fontRef>
+        </p:style>
+        <p:txBody>
+          <a:bodyPr rtlCol="0" anchor="ctr"/>
+          <a:lstStyle/>
+          <a:p>
+            <a:pPr algn="ctr"/>
+          </a:p>
+        </p:txBody>
+      </p:sp>
     </p:spTree>
   </p:cSld>
   <p:clrMapOvr>
@@ -3617,31 +4159,14 @@
       <p:grpSpPr/>
       <p:sp>
         <p:nvSpPr>
-          <p:cNvPr id="2" name="Title 1"/>
-          <p:cNvSpPr>
-            <a:spLocks noGrp="1"/>
-          </p:cNvSpPr>
-          <p:nvPr>
-            <p:ph type="title"/>
-          </p:nvPr>
-        </p:nvSpPr>
-        <p:spPr/>
-        <p:txBody>
-          <a:bodyPr/>
-          <a:lstStyle/>
-          <a:p/>
-        </p:txBody>
-      </p:sp>
-      <p:sp>
-        <p:nvSpPr>
-          <p:cNvPr id="3" name="TextBox 2"/>
+          <p:cNvPr id="2" name="TextBox 1"/>
           <p:cNvSpPr txBox="1"/>
           <p:nvPr/>
         </p:nvSpPr>
         <p:spPr>
           <a:xfrm>
-            <a:off x="640080" y="548640"/>
-            <a:ext cx="10972800" cy="822960"/>
+            <a:off x="548640" y="457200"/>
+            <a:ext cx="11155680" cy="822960"/>
           </a:xfrm>
           <a:prstGeom prst="rect">
             <a:avLst/>
@@ -3654,14 +4179,14 @@
           </a:bodyPr>
           <a:lstStyle/>
           <a:p>
-            <a:pPr algn="r">
-              <a:defRPr sz="3000" b="1">
+            <a:pPr algn="r"/>
+            <a:r>
+              <a:rPr sz="3000" b="1">
                 <a:solidFill>
                   <a:srgbClr val="1E4C78"/>
                 </a:solidFill>
-              </a:defRPr>
-            </a:pPr>
-            <a:r>
+                <a:latin typeface="Vazirmatn"/>
+              </a:rPr>
               <a:t>نتیجه کاهش التهاب</a:t>
             </a:r>
           </a:p>
@@ -3669,7 +4194,7 @@
       </p:sp>
       <p:pic>
         <p:nvPicPr>
-          <p:cNvPr id="4" name="Picture 3" descr="inflammation.png"/>
+          <p:cNvPr id="3" name="Picture 2" descr="inflammation.png"/>
           <p:cNvPicPr>
             <a:picLocks noChangeAspect="1"/>
           </p:cNvPicPr>
@@ -3683,14 +4208,60 @@
         </p:blipFill>
         <p:spPr>
           <a:xfrm>
-            <a:off x="914400" y="1645920"/>
-            <a:ext cx="9601200" cy="4200525"/>
+            <a:off x="914400" y="1554480"/>
+            <a:ext cx="9601200" cy="4217304"/>
           </a:xfrm>
           <a:prstGeom prst="rect">
             <a:avLst/>
           </a:prstGeom>
         </p:spPr>
       </p:pic>
+      <p:sp>
+        <p:nvSpPr>
+          <p:cNvPr id="4" name="Rectangle 3"/>
+          <p:cNvSpPr/>
+          <p:nvPr/>
+        </p:nvSpPr>
+        <p:spPr>
+          <a:xfrm>
+            <a:off x="0" y="0"/>
+            <a:ext cx="12188952" cy="137160"/>
+          </a:xfrm>
+          <a:prstGeom prst="rect">
+            <a:avLst/>
+          </a:prstGeom>
+          <a:solidFill>
+            <a:srgbClr val="789E49"/>
+          </a:solidFill>
+          <a:ln>
+            <a:solidFill>
+              <a:srgbClr val="789E49"/>
+            </a:solidFill>
+          </a:ln>
+          <a:effectLst/>
+        </p:spPr>
+        <p:style>
+          <a:lnRef idx="1">
+            <a:schemeClr val="accent1"/>
+          </a:lnRef>
+          <a:fillRef idx="3">
+            <a:schemeClr val="accent1"/>
+          </a:fillRef>
+          <a:effectRef idx="2">
+            <a:schemeClr val="accent1"/>
+          </a:effectRef>
+          <a:fontRef idx="minor">
+            <a:schemeClr val="lt1"/>
+          </a:fontRef>
+        </p:style>
+        <p:txBody>
+          <a:bodyPr rtlCol="0" anchor="ctr"/>
+          <a:lstStyle/>
+          <a:p>
+            <a:pPr algn="ctr"/>
+          </a:p>
+        </p:txBody>
+      </p:sp>
     </p:spTree>
   </p:cSld>
   <p:clrMapOvr>
@@ -3711,31 +4282,14 @@
       <p:grpSpPr/>
       <p:sp>
         <p:nvSpPr>
-          <p:cNvPr id="2" name="Title 1"/>
-          <p:cNvSpPr>
-            <a:spLocks noGrp="1"/>
-          </p:cNvSpPr>
-          <p:nvPr>
-            <p:ph type="title"/>
-          </p:nvPr>
-        </p:nvSpPr>
-        <p:spPr/>
-        <p:txBody>
-          <a:bodyPr/>
-          <a:lstStyle/>
-          <a:p/>
-        </p:txBody>
-      </p:sp>
-      <p:sp>
-        <p:nvSpPr>
-          <p:cNvPr id="3" name="TextBox 2"/>
+          <p:cNvPr id="2" name="TextBox 1"/>
           <p:cNvSpPr txBox="1"/>
           <p:nvPr/>
         </p:nvSpPr>
         <p:spPr>
           <a:xfrm>
-            <a:off x="640080" y="548640"/>
-            <a:ext cx="10972800" cy="822960"/>
+            <a:off x="548640" y="457200"/>
+            <a:ext cx="11155680" cy="822960"/>
           </a:xfrm>
           <a:prstGeom prst="rect">
             <a:avLst/>
@@ -3748,14 +4302,14 @@
           </a:bodyPr>
           <a:lstStyle/>
           <a:p>
-            <a:pPr algn="r">
-              <a:defRPr sz="3000" b="1">
+            <a:pPr algn="r"/>
+            <a:r>
+              <a:rPr sz="3000" b="1">
                 <a:solidFill>
                   <a:srgbClr val="1E4C78"/>
                 </a:solidFill>
-              </a:defRPr>
-            </a:pPr>
-            <a:r>
+                <a:latin typeface="Vazirmatn"/>
+              </a:rPr>
               <a:t>2) محافظت میتوکندریایی و بهبود انرژی</a:t>
             </a:r>
           </a:p>
@@ -3763,7 +4317,7 @@
       </p:sp>
       <p:pic>
         <p:nvPicPr>
-          <p:cNvPr id="4" name="Picture 3" descr="mito.png"/>
+          <p:cNvPr id="3" name="Picture 2" descr="mito.png"/>
           <p:cNvPicPr>
             <a:picLocks noChangeAspect="1"/>
           </p:cNvPicPr>
@@ -3777,14 +4331,60 @@
         </p:blipFill>
         <p:spPr>
           <a:xfrm>
-            <a:off x="2743200" y="1645920"/>
-            <a:ext cx="6858000" cy="4000500"/>
+            <a:off x="2743200" y="1554480"/>
+            <a:ext cx="6858000" cy="4009292"/>
           </a:xfrm>
           <a:prstGeom prst="rect">
             <a:avLst/>
           </a:prstGeom>
         </p:spPr>
       </p:pic>
+      <p:sp>
+        <p:nvSpPr>
+          <p:cNvPr id="4" name="Rectangle 3"/>
+          <p:cNvSpPr/>
+          <p:nvPr/>
+        </p:nvSpPr>
+        <p:spPr>
+          <a:xfrm>
+            <a:off x="0" y="0"/>
+            <a:ext cx="12188952" cy="137160"/>
+          </a:xfrm>
+          <a:prstGeom prst="rect">
+            <a:avLst/>
+          </a:prstGeom>
+          <a:solidFill>
+            <a:srgbClr val="789E49"/>
+          </a:solidFill>
+          <a:ln>
+            <a:solidFill>
+              <a:srgbClr val="789E49"/>
+            </a:solidFill>
+          </a:ln>
+          <a:effectLst/>
+        </p:spPr>
+        <p:style>
+          <a:lnRef idx="1">
+            <a:schemeClr val="accent1"/>
+          </a:lnRef>
+          <a:fillRef idx="3">
+            <a:schemeClr val="accent1"/>
+          </a:fillRef>
+          <a:effectRef idx="2">
+            <a:schemeClr val="accent1"/>
+          </a:effectRef>
+          <a:fontRef idx="minor">
+            <a:schemeClr val="lt1"/>
+          </a:fontRef>
+        </p:style>
+        <p:txBody>
+          <a:bodyPr rtlCol="0" anchor="ctr"/>
+          <a:lstStyle/>
+          <a:p>
+            <a:pPr algn="ctr"/>
+          </a:p>
+        </p:txBody>
+      </p:sp>
     </p:spTree>
   </p:cSld>
   <p:clrMapOvr>
@@ -3805,19 +4405,37 @@
       <p:grpSpPr/>
       <p:sp>
         <p:nvSpPr>
-          <p:cNvPr id="2" name="Title 1"/>
-          <p:cNvSpPr>
-            <a:spLocks noGrp="1"/>
-          </p:cNvSpPr>
-          <p:nvPr>
-            <p:ph type="title"/>
-          </p:nvPr>
-        </p:nvSpPr>
-        <p:spPr/>
-        <p:txBody>
-          <a:bodyPr/>
-          <a:lstStyle/>
-          <a:p/>
+          <p:cNvPr id="2" name="TextBox 1"/>
+          <p:cNvSpPr txBox="1"/>
+          <p:nvPr/>
+        </p:nvSpPr>
+        <p:spPr>
+          <a:xfrm>
+            <a:off x="548640" y="457200"/>
+            <a:ext cx="11155680" cy="822960"/>
+          </a:xfrm>
+          <a:prstGeom prst="rect">
+            <a:avLst/>
+          </a:prstGeom>
+          <a:noFill/>
+        </p:spPr>
+        <p:txBody>
+          <a:bodyPr wrap="none">
+            <a:spAutoFit/>
+          </a:bodyPr>
+          <a:lstStyle/>
+          <a:p>
+            <a:pPr algn="r"/>
+            <a:r>
+              <a:rPr sz="3000" b="1">
+                <a:solidFill>
+                  <a:srgbClr val="1E4C78"/>
+                </a:solidFill>
+                <a:latin typeface="Vazirmatn"/>
+              </a:rPr>
+              <a:t>آسیب میتوکندری در T2D</a:t>
+            </a:r>
+          </a:p>
         </p:txBody>
       </p:sp>
       <p:sp>
@@ -3828,8 +4446,8 @@
         </p:nvSpPr>
         <p:spPr>
           <a:xfrm>
-            <a:off x="640080" y="548640"/>
-            <a:ext cx="10972800" cy="822960"/>
+            <a:off x="548640" y="1371600"/>
+            <a:ext cx="11155680" cy="5120640"/>
           </a:xfrm>
           <a:prstGeom prst="rect">
             <a:avLst/>
@@ -3842,63 +4460,86 @@
           </a:bodyPr>
           <a:lstStyle/>
           <a:p>
-            <a:pPr algn="r">
-              <a:defRPr sz="3000" b="1">
-                <a:solidFill>
-                  <a:srgbClr val="1E4C78"/>
-                </a:solidFill>
-              </a:defRPr>
-            </a:pPr>
-            <a:r>
-              <a:t>آسیب میتوکندری در T2D</a:t>
-            </a:r>
-          </a:p>
-        </p:txBody>
-      </p:sp>
-      <p:sp>
-        <p:nvSpPr>
-          <p:cNvPr id="4" name="TextBox 3"/>
-          <p:cNvSpPr txBox="1"/>
+            <a:pPr algn="r"/>
+            <a:r>
+              <a:rPr sz="2400" b="0">
+                <a:solidFill>
+                  <a:srgbClr val="464646"/>
+                </a:solidFill>
+                <a:latin typeface="Vazirmatn"/>
+              </a:rPr>
+              <a:t>افزایش ROS و افت تولید ATP، اختلال عملکرد سلول β</a:t>
+            </a:r>
+          </a:p>
+          <a:p>
+            <a:pPr algn="r"/>
+            <a:r>
+              <a:rPr sz="2400" b="0">
+                <a:solidFill>
+                  <a:srgbClr val="464646"/>
+                </a:solidFill>
+                <a:latin typeface="Vazirmatn"/>
+              </a:rPr>
+              <a:t>لیپوتوکسیسیته و گلوکوتوکسیسیته → مقاومت به انسولین</a:t>
+            </a:r>
+          </a:p>
+          <a:p>
+            <a:pPr algn="r"/>
+            <a:r>
+              <a:rPr sz="2400" b="0">
+                <a:solidFill>
+                  <a:srgbClr val="464646"/>
+                </a:solidFill>
+                <a:latin typeface="Vazirmatn"/>
+              </a:rPr>
+              <a:t>ارتباط با پیشرفت عوارض میکرو/ماکروواسکولار</a:t>
+            </a:r>
+          </a:p>
+        </p:txBody>
+      </p:sp>
+      <p:sp>
+        <p:nvSpPr>
+          <p:cNvPr id="4" name="Rectangle 3"/>
+          <p:cNvSpPr/>
           <p:nvPr/>
         </p:nvSpPr>
         <p:spPr>
           <a:xfrm>
-            <a:off x="640080" y="1463040"/>
-            <a:ext cx="10972800" cy="4937760"/>
-          </a:xfrm>
-          <a:prstGeom prst="rect">
-            <a:avLst/>
-          </a:prstGeom>
-          <a:noFill/>
-        </p:spPr>
-        <p:txBody>
-          <a:bodyPr wrap="none">
-            <a:spAutoFit/>
-          </a:bodyPr>
-          <a:lstStyle/>
-          <a:p>
-            <a:pPr algn="r">
-              <a:defRPr sz="2400"/>
-            </a:pPr>
-            <a:r>
-              <a:t>افزایش ROS و افت تولید ATP</a:t>
-            </a:r>
-          </a:p>
-          <a:p>
-            <a:pPr algn="r">
-              <a:defRPr sz="2400"/>
-            </a:pPr>
-            <a:r>
-              <a:t>اختلال عملکرد سلول β و لیپوتوکسیسیته/گلوکوتوکسیسیته</a:t>
-            </a:r>
-          </a:p>
-          <a:p>
-            <a:pPr algn="r">
-              <a:defRPr sz="2400"/>
-            </a:pPr>
-            <a:r>
-              <a:t>ارتباط با مقاومت به انسولین و پیشرفت عوارض</a:t>
-            </a:r>
+            <a:off x="0" y="0"/>
+            <a:ext cx="12188952" cy="137160"/>
+          </a:xfrm>
+          <a:prstGeom prst="rect">
+            <a:avLst/>
+          </a:prstGeom>
+          <a:solidFill>
+            <a:srgbClr val="789E49"/>
+          </a:solidFill>
+          <a:ln>
+            <a:solidFill>
+              <a:srgbClr val="789E49"/>
+            </a:solidFill>
+          </a:ln>
+          <a:effectLst/>
+        </p:spPr>
+        <p:style>
+          <a:lnRef idx="1">
+            <a:schemeClr val="accent1"/>
+          </a:lnRef>
+          <a:fillRef idx="3">
+            <a:schemeClr val="accent1"/>
+          </a:fillRef>
+          <a:effectRef idx="2">
+            <a:schemeClr val="accent1"/>
+          </a:effectRef>
+          <a:fontRef idx="minor">
+            <a:schemeClr val="lt1"/>
+          </a:fontRef>
+        </p:style>
+        <p:txBody>
+          <a:bodyPr rtlCol="0" anchor="ctr"/>
+          <a:lstStyle/>
+          <a:p>
+            <a:pPr algn="ctr"/>
           </a:p>
         </p:txBody>
       </p:sp>
@@ -3922,19 +4563,37 @@
       <p:grpSpPr/>
       <p:sp>
         <p:nvSpPr>
-          <p:cNvPr id="2" name="Title 1"/>
-          <p:cNvSpPr>
-            <a:spLocks noGrp="1"/>
-          </p:cNvSpPr>
-          <p:nvPr>
-            <p:ph type="title"/>
-          </p:nvPr>
-        </p:nvSpPr>
-        <p:spPr/>
-        <p:txBody>
-          <a:bodyPr/>
-          <a:lstStyle/>
-          <a:p/>
+          <p:cNvPr id="2" name="TextBox 1"/>
+          <p:cNvSpPr txBox="1"/>
+          <p:nvPr/>
+        </p:nvSpPr>
+        <p:spPr>
+          <a:xfrm>
+            <a:off x="548640" y="457200"/>
+            <a:ext cx="11155680" cy="822960"/>
+          </a:xfrm>
+          <a:prstGeom prst="rect">
+            <a:avLst/>
+          </a:prstGeom>
+          <a:noFill/>
+        </p:spPr>
+        <p:txBody>
+          <a:bodyPr wrap="none">
+            <a:spAutoFit/>
+          </a:bodyPr>
+          <a:lstStyle/>
+          <a:p>
+            <a:pPr algn="r"/>
+            <a:r>
+              <a:rPr sz="3000" b="1">
+                <a:solidFill>
+                  <a:srgbClr val="1E4C78"/>
+                </a:solidFill>
+                <a:latin typeface="Vazirmatn"/>
+              </a:rPr>
+              <a:t>متابولیسم در رژیم مدیترانه‌ای</a:t>
+            </a:r>
+          </a:p>
         </p:txBody>
       </p:sp>
       <p:sp>
@@ -3945,8 +4604,8 @@
         </p:nvSpPr>
         <p:spPr>
           <a:xfrm>
-            <a:off x="640080" y="548640"/>
-            <a:ext cx="10972800" cy="822960"/>
+            <a:off x="548640" y="1371600"/>
+            <a:ext cx="11155680" cy="5120640"/>
           </a:xfrm>
           <a:prstGeom prst="rect">
             <a:avLst/>
@@ -3959,63 +4618,86 @@
           </a:bodyPr>
           <a:lstStyle/>
           <a:p>
-            <a:pPr algn="r">
-              <a:defRPr sz="3000" b="1">
-                <a:solidFill>
-                  <a:srgbClr val="1E4C78"/>
-                </a:solidFill>
-              </a:defRPr>
-            </a:pPr>
-            <a:r>
-              <a:t>متابولیسم در رژیم مدیترانه‌ای</a:t>
-            </a:r>
-          </a:p>
-        </p:txBody>
-      </p:sp>
-      <p:sp>
-        <p:nvSpPr>
-          <p:cNvPr id="4" name="TextBox 3"/>
-          <p:cNvSpPr txBox="1"/>
+            <a:pPr algn="r"/>
+            <a:r>
+              <a:rPr sz="2400" b="0">
+                <a:solidFill>
+                  <a:srgbClr val="464646"/>
+                </a:solidFill>
+                <a:latin typeface="Vazirmatn"/>
+              </a:rPr>
+              <a:t>کنترل بار گلیسمی وعده‌ها؛ کاهش واریانس قند پس از غذا</a:t>
+            </a:r>
+          </a:p>
+          <a:p>
+            <a:pPr algn="r"/>
+            <a:r>
+              <a:rPr sz="2400" b="0">
+                <a:solidFill>
+                  <a:srgbClr val="464646"/>
+                </a:solidFill>
+                <a:latin typeface="Vazirmatn"/>
+              </a:rPr>
+              <a:t>بهبود پروفایل لیپیدی و نشانگرهای التهابی</a:t>
+            </a:r>
+          </a:p>
+          <a:p>
+            <a:pPr algn="r"/>
+            <a:r>
+              <a:rPr sz="2400" b="0">
+                <a:solidFill>
+                  <a:srgbClr val="464646"/>
+                </a:solidFill>
+                <a:latin typeface="Vazirmatn"/>
+              </a:rPr>
+              <a:t>کمک به مدیریت وزن و سیری پایدار</a:t>
+            </a:r>
+          </a:p>
+        </p:txBody>
+      </p:sp>
+      <p:sp>
+        <p:nvSpPr>
+          <p:cNvPr id="4" name="Rectangle 3"/>
+          <p:cNvSpPr/>
           <p:nvPr/>
         </p:nvSpPr>
         <p:spPr>
           <a:xfrm>
-            <a:off x="640080" y="1463040"/>
-            <a:ext cx="10972800" cy="4937760"/>
-          </a:xfrm>
-          <a:prstGeom prst="rect">
-            <a:avLst/>
-          </a:prstGeom>
-          <a:noFill/>
-        </p:spPr>
-        <p:txBody>
-          <a:bodyPr wrap="none">
-            <a:spAutoFit/>
-          </a:bodyPr>
-          <a:lstStyle/>
-          <a:p>
-            <a:pPr algn="r">
-              <a:defRPr sz="2400"/>
-            </a:pPr>
-            <a:r>
-              <a:t>کنترل بار گلیسمی وعده‌ها و کاهش واریانس پس‌غذایی</a:t>
-            </a:r>
-          </a:p>
-          <a:p>
-            <a:pPr algn="r">
-              <a:defRPr sz="2400"/>
-            </a:pPr>
-            <a:r>
-              <a:t>بهبود پروفایل لیپیدی و التهاب سیستمیک</a:t>
-            </a:r>
-          </a:p>
-          <a:p>
-            <a:pPr algn="r">
-              <a:defRPr sz="2400"/>
-            </a:pPr>
-            <a:r>
-              <a:t>پایداری انرژی و سیری</a:t>
-            </a:r>
+            <a:off x="0" y="0"/>
+            <a:ext cx="12188952" cy="137160"/>
+          </a:xfrm>
+          <a:prstGeom prst="rect">
+            <a:avLst/>
+          </a:prstGeom>
+          <a:solidFill>
+            <a:srgbClr val="789E49"/>
+          </a:solidFill>
+          <a:ln>
+            <a:solidFill>
+              <a:srgbClr val="789E49"/>
+            </a:solidFill>
+          </a:ln>
+          <a:effectLst/>
+        </p:spPr>
+        <p:style>
+          <a:lnRef idx="1">
+            <a:schemeClr val="accent1"/>
+          </a:lnRef>
+          <a:fillRef idx="3">
+            <a:schemeClr val="accent1"/>
+          </a:fillRef>
+          <a:effectRef idx="2">
+            <a:schemeClr val="accent1"/>
+          </a:effectRef>
+          <a:fontRef idx="minor">
+            <a:schemeClr val="lt1"/>
+          </a:fontRef>
+        </p:style>
+        <p:txBody>
+          <a:bodyPr rtlCol="0" anchor="ctr"/>
+          <a:lstStyle/>
+          <a:p>
+            <a:pPr algn="ctr"/>
           </a:p>
         </p:txBody>
       </p:sp>
@@ -4039,31 +4721,14 @@
       <p:grpSpPr/>
       <p:sp>
         <p:nvSpPr>
-          <p:cNvPr id="2" name="Title 1"/>
-          <p:cNvSpPr>
-            <a:spLocks noGrp="1"/>
-          </p:cNvSpPr>
-          <p:nvPr>
-            <p:ph type="title"/>
-          </p:nvPr>
-        </p:nvSpPr>
-        <p:spPr/>
-        <p:txBody>
-          <a:bodyPr/>
-          <a:lstStyle/>
-          <a:p/>
-        </p:txBody>
-      </p:sp>
-      <p:sp>
-        <p:nvSpPr>
-          <p:cNvPr id="3" name="TextBox 2"/>
+          <p:cNvPr id="2" name="TextBox 1"/>
           <p:cNvSpPr txBox="1"/>
           <p:nvPr/>
         </p:nvSpPr>
         <p:spPr>
           <a:xfrm>
-            <a:off x="640080" y="548640"/>
-            <a:ext cx="10972800" cy="822960"/>
+            <a:off x="548640" y="457200"/>
+            <a:ext cx="11155680" cy="822960"/>
           </a:xfrm>
           <a:prstGeom prst="rect">
             <a:avLst/>
@@ -4076,14 +4741,14 @@
           </a:bodyPr>
           <a:lstStyle/>
           <a:p>
-            <a:pPr algn="r">
-              <a:defRPr sz="3000" b="1">
+            <a:pPr algn="r"/>
+            <a:r>
+              <a:rPr sz="3000" b="1">
                 <a:solidFill>
                   <a:srgbClr val="1E4C78"/>
                 </a:solidFill>
-              </a:defRPr>
-            </a:pPr>
-            <a:r>
+                <a:latin typeface="Vazirmatn"/>
+              </a:rPr>
               <a:t>اثرات محافظتی بر شاخص‌های بالینی</a:t>
             </a:r>
           </a:p>
@@ -4091,7 +4756,7 @@
       </p:sp>
       <p:pic>
         <p:nvPicPr>
-          <p:cNvPr id="4" name="Picture 3" descr="hba1c.png"/>
+          <p:cNvPr id="3" name="Picture 2" descr="hba1c.png"/>
           <p:cNvPicPr>
             <a:picLocks noChangeAspect="1"/>
           </p:cNvPicPr>
@@ -4105,14 +4770,60 @@
         </p:blipFill>
         <p:spPr>
           <a:xfrm>
-            <a:off x="914400" y="1645920"/>
-            <a:ext cx="9601200" cy="4200525"/>
+            <a:off x="914400" y="1554480"/>
+            <a:ext cx="9601200" cy="4217304"/>
           </a:xfrm>
           <a:prstGeom prst="rect">
             <a:avLst/>
           </a:prstGeom>
         </p:spPr>
       </p:pic>
+      <p:sp>
+        <p:nvSpPr>
+          <p:cNvPr id="4" name="Rectangle 3"/>
+          <p:cNvSpPr/>
+          <p:nvPr/>
+        </p:nvSpPr>
+        <p:spPr>
+          <a:xfrm>
+            <a:off x="0" y="0"/>
+            <a:ext cx="12188952" cy="137160"/>
+          </a:xfrm>
+          <a:prstGeom prst="rect">
+            <a:avLst/>
+          </a:prstGeom>
+          <a:solidFill>
+            <a:srgbClr val="789E49"/>
+          </a:solidFill>
+          <a:ln>
+            <a:solidFill>
+              <a:srgbClr val="789E49"/>
+            </a:solidFill>
+          </a:ln>
+          <a:effectLst/>
+        </p:spPr>
+        <p:style>
+          <a:lnRef idx="1">
+            <a:schemeClr val="accent1"/>
+          </a:lnRef>
+          <a:fillRef idx="3">
+            <a:schemeClr val="accent1"/>
+          </a:fillRef>
+          <a:effectRef idx="2">
+            <a:schemeClr val="accent1"/>
+          </a:effectRef>
+          <a:fontRef idx="minor">
+            <a:schemeClr val="lt1"/>
+          </a:fontRef>
+        </p:style>
+        <p:txBody>
+          <a:bodyPr rtlCol="0" anchor="ctr"/>
+          <a:lstStyle/>
+          <a:p>
+            <a:pPr algn="ctr"/>
+          </a:p>
+        </p:txBody>
+      </p:sp>
     </p:spTree>
   </p:cSld>
   <p:clrMapOvr>
@@ -4133,19 +4844,37 @@
       <p:grpSpPr/>
       <p:sp>
         <p:nvSpPr>
-          <p:cNvPr id="2" name="Title 1"/>
-          <p:cNvSpPr>
-            <a:spLocks noGrp="1"/>
-          </p:cNvSpPr>
-          <p:nvPr>
-            <p:ph type="title"/>
-          </p:nvPr>
-        </p:nvSpPr>
-        <p:spPr/>
-        <p:txBody>
-          <a:bodyPr/>
-          <a:lstStyle/>
-          <a:p/>
+          <p:cNvPr id="2" name="TextBox 1"/>
+          <p:cNvSpPr txBox="1"/>
+          <p:nvPr/>
+        </p:nvSpPr>
+        <p:spPr>
+          <a:xfrm>
+            <a:off x="548640" y="457200"/>
+            <a:ext cx="11155680" cy="822960"/>
+          </a:xfrm>
+          <a:prstGeom prst="rect">
+            <a:avLst/>
+          </a:prstGeom>
+          <a:noFill/>
+        </p:spPr>
+        <p:txBody>
+          <a:bodyPr wrap="none">
+            <a:spAutoFit/>
+          </a:bodyPr>
+          <a:lstStyle/>
+          <a:p>
+            <a:pPr algn="r"/>
+            <a:r>
+              <a:rPr sz="3000" b="1">
+                <a:solidFill>
+                  <a:srgbClr val="1E4C78"/>
+                </a:solidFill>
+                <a:latin typeface="Vazirmatn"/>
+              </a:rPr>
+              <a:t>3) تنظیم سیستم گلوتامات و کاهش Excitotoxicity</a:t>
+            </a:r>
+          </a:p>
         </p:txBody>
       </p:sp>
       <p:sp>
@@ -4156,8 +4885,8 @@
         </p:nvSpPr>
         <p:spPr>
           <a:xfrm>
-            <a:off x="640080" y="548640"/>
-            <a:ext cx="10972800" cy="822960"/>
+            <a:off x="548640" y="1371600"/>
+            <a:ext cx="11155680" cy="5120640"/>
           </a:xfrm>
           <a:prstGeom prst="rect">
             <a:avLst/>
@@ -4170,55 +4899,74 @@
           </a:bodyPr>
           <a:lstStyle/>
           <a:p>
-            <a:pPr algn="r">
-              <a:defRPr sz="3000" b="1">
-                <a:solidFill>
-                  <a:srgbClr val="1E4C78"/>
-                </a:solidFill>
-              </a:defRPr>
-            </a:pPr>
-            <a:r>
-              <a:t>3) تنظیم سیستم گلوتامات و کاهش Excitotoxicity</a:t>
-            </a:r>
-          </a:p>
-        </p:txBody>
-      </p:sp>
-      <p:sp>
-        <p:nvSpPr>
-          <p:cNvPr id="4" name="TextBox 3"/>
-          <p:cNvSpPr txBox="1"/>
+            <a:pPr algn="r"/>
+            <a:r>
+              <a:rPr sz="2400" b="0">
+                <a:solidFill>
+                  <a:srgbClr val="464646"/>
+                </a:solidFill>
+                <a:latin typeface="Vazirmatn"/>
+              </a:rPr>
+              <a:t>در عوارض عصبی T2D، اختلال تنظیم گلوتامات/NMDA/AMPA گزارش شده</a:t>
+            </a:r>
+          </a:p>
+          <a:p>
+            <a:pPr algn="r"/>
+            <a:r>
+              <a:rPr sz="2400" b="0">
+                <a:solidFill>
+                  <a:srgbClr val="464646"/>
+                </a:solidFill>
+                <a:latin typeface="Vazirmatn"/>
+              </a:rPr>
+              <a:t>پلی‌فنول‌ها و امگا-3 ممکن است انتقال‌دهنده‌ها/گیرنده‌ها را تعدیل کنند (شواهد پیش‌بالینی)</a:t>
+            </a:r>
+          </a:p>
+        </p:txBody>
+      </p:sp>
+      <p:sp>
+        <p:nvSpPr>
+          <p:cNvPr id="4" name="Rectangle 3"/>
+          <p:cNvSpPr/>
           <p:nvPr/>
         </p:nvSpPr>
         <p:spPr>
           <a:xfrm>
-            <a:off x="640080" y="1463040"/>
-            <a:ext cx="10972800" cy="4937760"/>
-          </a:xfrm>
-          <a:prstGeom prst="rect">
-            <a:avLst/>
-          </a:prstGeom>
-          <a:noFill/>
-        </p:spPr>
-        <p:txBody>
-          <a:bodyPr wrap="none">
-            <a:spAutoFit/>
-          </a:bodyPr>
-          <a:lstStyle/>
-          <a:p>
-            <a:pPr algn="r">
-              <a:defRPr sz="2400"/>
-            </a:pPr>
-            <a:r>
-              <a:t>در عوارض عصبی T2D، گلوتامات و گیرنده‌های NMDA/AMPA ممکن است دچار دیس‌ریگولیشن شوند</a:t>
-            </a:r>
-          </a:p>
-          <a:p>
-            <a:pPr algn="r">
-              <a:defRPr sz="2400"/>
-            </a:pPr>
-            <a:r>
-              <a:t>پلی‌فنول‌ها و امگا-3 می‌توانند مدولاسیون گیرنده‌ها/انتقال‌دهنده‌ها را تسهیل کنند (شواهد بیشتر پیش‌بالینی)</a:t>
-            </a:r>
+            <a:off x="0" y="0"/>
+            <a:ext cx="12188952" cy="137160"/>
+          </a:xfrm>
+          <a:prstGeom prst="rect">
+            <a:avLst/>
+          </a:prstGeom>
+          <a:solidFill>
+            <a:srgbClr val="789E49"/>
+          </a:solidFill>
+          <a:ln>
+            <a:solidFill>
+              <a:srgbClr val="789E49"/>
+            </a:solidFill>
+          </a:ln>
+          <a:effectLst/>
+        </p:spPr>
+        <p:style>
+          <a:lnRef idx="1">
+            <a:schemeClr val="accent1"/>
+          </a:lnRef>
+          <a:fillRef idx="3">
+            <a:schemeClr val="accent1"/>
+          </a:fillRef>
+          <a:effectRef idx="2">
+            <a:schemeClr val="accent1"/>
+          </a:effectRef>
+          <a:fontRef idx="minor">
+            <a:schemeClr val="lt1"/>
+          </a:fontRef>
+        </p:style>
+        <p:txBody>
+          <a:bodyPr rtlCol="0" anchor="ctr"/>
+          <a:lstStyle/>
+          <a:p>
+            <a:pPr algn="ctr"/>
           </a:p>
         </p:txBody>
       </p:sp>
@@ -4242,19 +4990,37 @@
       <p:grpSpPr/>
       <p:sp>
         <p:nvSpPr>
-          <p:cNvPr id="2" name="Title 1"/>
-          <p:cNvSpPr>
-            <a:spLocks noGrp="1"/>
-          </p:cNvSpPr>
-          <p:nvPr>
-            <p:ph type="title"/>
-          </p:nvPr>
-        </p:nvSpPr>
-        <p:spPr/>
-        <p:txBody>
-          <a:bodyPr/>
-          <a:lstStyle/>
-          <a:p/>
+          <p:cNvPr id="2" name="TextBox 1"/>
+          <p:cNvSpPr txBox="1"/>
+          <p:nvPr/>
+        </p:nvSpPr>
+        <p:spPr>
+          <a:xfrm>
+            <a:off x="548640" y="457200"/>
+            <a:ext cx="11155680" cy="822960"/>
+          </a:xfrm>
+          <a:prstGeom prst="rect">
+            <a:avLst/>
+          </a:prstGeom>
+          <a:noFill/>
+        </p:spPr>
+        <p:txBody>
+          <a:bodyPr wrap="none">
+            <a:spAutoFit/>
+          </a:bodyPr>
+          <a:lstStyle/>
+          <a:p>
+            <a:pPr algn="r"/>
+            <a:r>
+              <a:rPr sz="3000" b="1">
+                <a:solidFill>
+                  <a:srgbClr val="1E4C78"/>
+                </a:solidFill>
+                <a:latin typeface="Vazirmatn"/>
+              </a:rPr>
+              <a:t>نتیجه تنظیم گلوتامات</a:t>
+            </a:r>
+          </a:p>
         </p:txBody>
       </p:sp>
       <p:sp>
@@ -4265,8 +5031,8 @@
         </p:nvSpPr>
         <p:spPr>
           <a:xfrm>
-            <a:off x="640080" y="548640"/>
-            <a:ext cx="10972800" cy="822960"/>
+            <a:off x="548640" y="1371600"/>
+            <a:ext cx="11155680" cy="5120640"/>
           </a:xfrm>
           <a:prstGeom prst="rect">
             <a:avLst/>
@@ -4279,55 +5045,74 @@
           </a:bodyPr>
           <a:lstStyle/>
           <a:p>
-            <a:pPr algn="r">
-              <a:defRPr sz="3000" b="1">
-                <a:solidFill>
-                  <a:srgbClr val="1E4C78"/>
-                </a:solidFill>
-              </a:defRPr>
-            </a:pPr>
-            <a:r>
-              <a:t>نتیجه تنظیم گلوتامات</a:t>
-            </a:r>
-          </a:p>
-        </p:txBody>
-      </p:sp>
-      <p:sp>
-        <p:nvSpPr>
-          <p:cNvPr id="4" name="TextBox 3"/>
-          <p:cNvSpPr txBox="1"/>
+            <a:pPr algn="r"/>
+            <a:r>
+              <a:rPr sz="2400" b="0">
+                <a:solidFill>
+                  <a:srgbClr val="464646"/>
+                </a:solidFill>
+                <a:latin typeface="Vazirmatn"/>
+              </a:rPr>
+              <a:t>کاهش بالقوه درد نوروپاتیک/تحریک‌سمّیت</a:t>
+            </a:r>
+          </a:p>
+          <a:p>
+            <a:pPr algn="r"/>
+            <a:r>
+              <a:rPr sz="2400" b="0">
+                <a:solidFill>
+                  <a:srgbClr val="464646"/>
+                </a:solidFill>
+                <a:latin typeface="Vazirmatn"/>
+              </a:rPr>
+              <a:t>بهبود شناخت/خلق در برخی مطالعات غیر T2D؛ شواهد انسانی مستقیم محدود</a:t>
+            </a:r>
+          </a:p>
+        </p:txBody>
+      </p:sp>
+      <p:sp>
+        <p:nvSpPr>
+          <p:cNvPr id="4" name="Rectangle 3"/>
+          <p:cNvSpPr/>
           <p:nvPr/>
         </p:nvSpPr>
         <p:spPr>
           <a:xfrm>
-            <a:off x="640080" y="1463040"/>
-            <a:ext cx="10972800" cy="4937760"/>
-          </a:xfrm>
-          <a:prstGeom prst="rect">
-            <a:avLst/>
-          </a:prstGeom>
-          <a:noFill/>
-        </p:spPr>
-        <p:txBody>
-          <a:bodyPr wrap="none">
-            <a:spAutoFit/>
-          </a:bodyPr>
-          <a:lstStyle/>
-          <a:p>
-            <a:pPr algn="r">
-              <a:defRPr sz="2400"/>
-            </a:pPr>
-            <a:r>
-              <a:t>کاهش بالقوه درد نوروپاتیک/تحریک‌سمّیت</a:t>
-            </a:r>
-          </a:p>
-          <a:p>
-            <a:pPr algn="r">
-              <a:defRPr sz="2400"/>
-            </a:pPr>
-            <a:r>
-              <a:t>بهبود شناخت/خلق در مطالعات غیر T2D نیز گزارش شده (نیازمند شواهد انسانی مستقیم در T2D)</a:t>
-            </a:r>
+            <a:off x="0" y="0"/>
+            <a:ext cx="12188952" cy="137160"/>
+          </a:xfrm>
+          <a:prstGeom prst="rect">
+            <a:avLst/>
+          </a:prstGeom>
+          <a:solidFill>
+            <a:srgbClr val="789E49"/>
+          </a:solidFill>
+          <a:ln>
+            <a:solidFill>
+              <a:srgbClr val="789E49"/>
+            </a:solidFill>
+          </a:ln>
+          <a:effectLst/>
+        </p:spPr>
+        <p:style>
+          <a:lnRef idx="1">
+            <a:schemeClr val="accent1"/>
+          </a:lnRef>
+          <a:fillRef idx="3">
+            <a:schemeClr val="accent1"/>
+          </a:fillRef>
+          <a:effectRef idx="2">
+            <a:schemeClr val="accent1"/>
+          </a:effectRef>
+          <a:fontRef idx="minor">
+            <a:schemeClr val="lt1"/>
+          </a:fontRef>
+        </p:style>
+        <p:txBody>
+          <a:bodyPr rtlCol="0" anchor="ctr"/>
+          <a:lstStyle/>
+          <a:p>
+            <a:pPr algn="ctr"/>
           </a:p>
         </p:txBody>
       </p:sp>
@@ -4351,19 +5136,37 @@
       <p:grpSpPr/>
       <p:sp>
         <p:nvSpPr>
-          <p:cNvPr id="2" name="Title 1"/>
-          <p:cNvSpPr>
-            <a:spLocks noGrp="1"/>
-          </p:cNvSpPr>
-          <p:nvPr>
-            <p:ph type="title"/>
-          </p:nvPr>
-        </p:nvSpPr>
-        <p:spPr/>
-        <p:txBody>
-          <a:bodyPr/>
-          <a:lstStyle/>
-          <a:p/>
+          <p:cNvPr id="2" name="TextBox 1"/>
+          <p:cNvSpPr txBox="1"/>
+          <p:nvPr/>
+        </p:nvSpPr>
+        <p:spPr>
+          <a:xfrm>
+            <a:off x="548640" y="457200"/>
+            <a:ext cx="11155680" cy="822960"/>
+          </a:xfrm>
+          <a:prstGeom prst="rect">
+            <a:avLst/>
+          </a:prstGeom>
+          <a:noFill/>
+        </p:spPr>
+        <p:txBody>
+          <a:bodyPr wrap="none">
+            <a:spAutoFit/>
+          </a:bodyPr>
+          <a:lstStyle/>
+          <a:p>
+            <a:pPr algn="r"/>
+            <a:r>
+              <a:rPr sz="3000" b="1">
+                <a:solidFill>
+                  <a:srgbClr val="1E4C78"/>
+                </a:solidFill>
+                <a:latin typeface="Vazirmatn"/>
+              </a:rPr>
+              <a:t>تعریف و ماهیت دیابت نوع 2</a:t>
+            </a:r>
+          </a:p>
         </p:txBody>
       </p:sp>
       <p:sp>
@@ -4374,8 +5177,8 @@
         </p:nvSpPr>
         <p:spPr>
           <a:xfrm>
-            <a:off x="640080" y="548640"/>
-            <a:ext cx="10972800" cy="822960"/>
+            <a:off x="548640" y="1371600"/>
+            <a:ext cx="11155680" cy="5120640"/>
           </a:xfrm>
           <a:prstGeom prst="rect">
             <a:avLst/>
@@ -4388,63 +5191,86 @@
           </a:bodyPr>
           <a:lstStyle/>
           <a:p>
-            <a:pPr algn="r">
-              <a:defRPr sz="3000" b="1">
-                <a:solidFill>
-                  <a:srgbClr val="1E4C78"/>
-                </a:solidFill>
-              </a:defRPr>
-            </a:pPr>
-            <a:r>
-              <a:t>تعریف و ماهیت دیابت نوع 2</a:t>
-            </a:r>
-          </a:p>
-        </p:txBody>
-      </p:sp>
-      <p:sp>
-        <p:nvSpPr>
-          <p:cNvPr id="4" name="TextBox 3"/>
-          <p:cNvSpPr txBox="1"/>
+            <a:pPr algn="r"/>
+            <a:r>
+              <a:rPr sz="2400" b="0">
+                <a:solidFill>
+                  <a:srgbClr val="464646"/>
+                </a:solidFill>
+                <a:latin typeface="Vazirmatn"/>
+              </a:rPr>
+              <a:t>اختلال مزمن متابولیک با هیپرگلیسمی ناشی از مقاومت به انسولین و نقص ترشح آن</a:t>
+            </a:r>
+          </a:p>
+          <a:p>
+            <a:pPr algn="r"/>
+            <a:r>
+              <a:rPr sz="2400" b="0">
+                <a:solidFill>
+                  <a:srgbClr val="464646"/>
+                </a:solidFill>
+                <a:latin typeface="Vazirmatn"/>
+              </a:rPr>
+              <a:t>درگیری کبد/عضله/بافت چربی؛ التهاب مزمن خفیف؛ استرس اکسیداتیو؛ دیس‌فانکشن میتوکندری</a:t>
+            </a:r>
+          </a:p>
+          <a:p>
+            <a:pPr algn="r"/>
+            <a:r>
+              <a:rPr sz="2400" b="0">
+                <a:solidFill>
+                  <a:srgbClr val="464646"/>
+                </a:solidFill>
+                <a:latin typeface="Vazirmatn"/>
+              </a:rPr>
+              <a:t>عوارض: قلبی–عروقی، نفروپاتی، نوروپاتی، رتینوپاتی، کبد چرب غیرالکلی (NAFLD)</a:t>
+            </a:r>
+          </a:p>
+        </p:txBody>
+      </p:sp>
+      <p:sp>
+        <p:nvSpPr>
+          <p:cNvPr id="4" name="Rectangle 3"/>
+          <p:cNvSpPr/>
           <p:nvPr/>
         </p:nvSpPr>
         <p:spPr>
           <a:xfrm>
-            <a:off x="640080" y="1463040"/>
-            <a:ext cx="10972800" cy="4937760"/>
-          </a:xfrm>
-          <a:prstGeom prst="rect">
-            <a:avLst/>
-          </a:prstGeom>
-          <a:noFill/>
-        </p:spPr>
-        <p:txBody>
-          <a:bodyPr wrap="none">
-            <a:spAutoFit/>
-          </a:bodyPr>
-          <a:lstStyle/>
-          <a:p>
-            <a:pPr algn="r">
-              <a:defRPr sz="2400"/>
-            </a:pPr>
-            <a:r>
-              <a:t>اختلال مزمن متابولیک با هیپرگلیسمی ناشی از مقاومت به انسولین و نقص ترشح آن</a:t>
-            </a:r>
-          </a:p>
-          <a:p>
-            <a:pPr algn="r">
-              <a:defRPr sz="2400"/>
-            </a:pPr>
-            <a:r>
-              <a:t>درگیری کبد، عضله و بافت چربی؛ التهاب مزمن خفیف و استرس اکسیداتیو</a:t>
-            </a:r>
-          </a:p>
-          <a:p>
-            <a:pPr algn="r">
-              <a:defRPr sz="2400"/>
-            </a:pPr>
-            <a:r>
-              <a:t>عوارض: قلبی‌–عروقی، نفروپاتی، نوروپاتی، رتینوپاتی، کبد چرب غیرالکلی</a:t>
-            </a:r>
+            <a:off x="0" y="0"/>
+            <a:ext cx="12188952" cy="137160"/>
+          </a:xfrm>
+          <a:prstGeom prst="rect">
+            <a:avLst/>
+          </a:prstGeom>
+          <a:solidFill>
+            <a:srgbClr val="789E49"/>
+          </a:solidFill>
+          <a:ln>
+            <a:solidFill>
+              <a:srgbClr val="789E49"/>
+            </a:solidFill>
+          </a:ln>
+          <a:effectLst/>
+        </p:spPr>
+        <p:style>
+          <a:lnRef idx="1">
+            <a:schemeClr val="accent1"/>
+          </a:lnRef>
+          <a:fillRef idx="3">
+            <a:schemeClr val="accent1"/>
+          </a:fillRef>
+          <a:effectRef idx="2">
+            <a:schemeClr val="accent1"/>
+          </a:effectRef>
+          <a:fontRef idx="minor">
+            <a:schemeClr val="lt1"/>
+          </a:fontRef>
+        </p:style>
+        <p:txBody>
+          <a:bodyPr rtlCol="0" anchor="ctr"/>
+          <a:lstStyle/>
+          <a:p>
+            <a:pPr algn="ctr"/>
           </a:p>
         </p:txBody>
       </p:sp>
@@ -4468,31 +5294,14 @@
       <p:grpSpPr/>
       <p:sp>
         <p:nvSpPr>
-          <p:cNvPr id="2" name="Title 1"/>
-          <p:cNvSpPr>
-            <a:spLocks noGrp="1"/>
-          </p:cNvSpPr>
-          <p:nvPr>
-            <p:ph type="title"/>
-          </p:nvPr>
-        </p:nvSpPr>
-        <p:spPr/>
-        <p:txBody>
-          <a:bodyPr/>
-          <a:lstStyle/>
-          <a:p/>
-        </p:txBody>
-      </p:sp>
-      <p:sp>
-        <p:nvSpPr>
-          <p:cNvPr id="3" name="TextBox 2"/>
+          <p:cNvPr id="2" name="TextBox 1"/>
           <p:cNvSpPr txBox="1"/>
           <p:nvPr/>
         </p:nvSpPr>
         <p:spPr>
           <a:xfrm>
-            <a:off x="640080" y="548640"/>
-            <a:ext cx="10972800" cy="822960"/>
+            <a:off x="548640" y="457200"/>
+            <a:ext cx="11155680" cy="822960"/>
           </a:xfrm>
           <a:prstGeom prst="rect">
             <a:avLst/>
@@ -4505,14 +5314,14 @@
           </a:bodyPr>
           <a:lstStyle/>
           <a:p>
-            <a:pPr algn="r">
-              <a:defRPr sz="3000" b="1">
+            <a:pPr algn="r"/>
+            <a:r>
+              <a:rPr sz="3000" b="1">
                 <a:solidFill>
                   <a:srgbClr val="1E4C78"/>
                 </a:solidFill>
-              </a:defRPr>
-            </a:pPr>
-            <a:r>
+                <a:latin typeface="Vazirmatn"/>
+              </a:rPr>
               <a:t>مکانیسم مکمل: تعدیل سیستم ایمنی</a:t>
             </a:r>
           </a:p>
@@ -4520,7 +5329,7 @@
       </p:sp>
       <p:pic>
         <p:nvPicPr>
-          <p:cNvPr id="4" name="Picture 3" descr="gut_immune.png"/>
+          <p:cNvPr id="3" name="Picture 2" descr="gut_immune.png"/>
           <p:cNvPicPr>
             <a:picLocks noChangeAspect="1"/>
           </p:cNvPicPr>
@@ -4534,14 +5343,60 @@
         </p:blipFill>
         <p:spPr>
           <a:xfrm>
-            <a:off x="1371600" y="1645920"/>
-            <a:ext cx="8686800" cy="5067300"/>
+            <a:off x="1371600" y="1554480"/>
+            <a:ext cx="8686800" cy="5078437"/>
           </a:xfrm>
           <a:prstGeom prst="rect">
             <a:avLst/>
           </a:prstGeom>
         </p:spPr>
       </p:pic>
+      <p:sp>
+        <p:nvSpPr>
+          <p:cNvPr id="4" name="Rectangle 3"/>
+          <p:cNvSpPr/>
+          <p:nvPr/>
+        </p:nvSpPr>
+        <p:spPr>
+          <a:xfrm>
+            <a:off x="0" y="0"/>
+            <a:ext cx="12188952" cy="137160"/>
+          </a:xfrm>
+          <a:prstGeom prst="rect">
+            <a:avLst/>
+          </a:prstGeom>
+          <a:solidFill>
+            <a:srgbClr val="789E49"/>
+          </a:solidFill>
+          <a:ln>
+            <a:solidFill>
+              <a:srgbClr val="789E49"/>
+            </a:solidFill>
+          </a:ln>
+          <a:effectLst/>
+        </p:spPr>
+        <p:style>
+          <a:lnRef idx="1">
+            <a:schemeClr val="accent1"/>
+          </a:lnRef>
+          <a:fillRef idx="3">
+            <a:schemeClr val="accent1"/>
+          </a:fillRef>
+          <a:effectRef idx="2">
+            <a:schemeClr val="accent1"/>
+          </a:effectRef>
+          <a:fontRef idx="minor">
+            <a:schemeClr val="lt1"/>
+          </a:fontRef>
+        </p:style>
+        <p:txBody>
+          <a:bodyPr rtlCol="0" anchor="ctr"/>
+          <a:lstStyle/>
+          <a:p>
+            <a:pPr algn="ctr"/>
+          </a:p>
+        </p:txBody>
+      </p:sp>
     </p:spTree>
   </p:cSld>
   <p:clrMapOvr>
@@ -4562,19 +5417,37 @@
       <p:grpSpPr/>
       <p:sp>
         <p:nvSpPr>
-          <p:cNvPr id="2" name="Title 1"/>
-          <p:cNvSpPr>
-            <a:spLocks noGrp="1"/>
-          </p:cNvSpPr>
-          <p:nvPr>
-            <p:ph type="title"/>
-          </p:nvPr>
-        </p:nvSpPr>
-        <p:spPr/>
-        <p:txBody>
-          <a:bodyPr/>
-          <a:lstStyle/>
-          <a:p/>
+          <p:cNvPr id="2" name="TextBox 1"/>
+          <p:cNvSpPr txBox="1"/>
+          <p:nvPr/>
+        </p:nvSpPr>
+        <p:spPr>
+          <a:xfrm>
+            <a:off x="548640" y="457200"/>
+            <a:ext cx="11155680" cy="822960"/>
+          </a:xfrm>
+          <a:prstGeom prst="rect">
+            <a:avLst/>
+          </a:prstGeom>
+          <a:noFill/>
+        </p:spPr>
+        <p:txBody>
+          <a:bodyPr wrap="none">
+            <a:spAutoFit/>
+          </a:bodyPr>
+          <a:lstStyle/>
+          <a:p>
+            <a:pPr algn="r"/>
+            <a:r>
+              <a:rPr sz="3000" b="1">
+                <a:solidFill>
+                  <a:srgbClr val="1E4C78"/>
+                </a:solidFill>
+                <a:latin typeface="Vazirmatn"/>
+              </a:rPr>
+              <a:t>4) تعدیل میکروبیوم روده</a:t>
+            </a:r>
+          </a:p>
         </p:txBody>
       </p:sp>
       <p:sp>
@@ -4585,8 +5458,8 @@
         </p:nvSpPr>
         <p:spPr>
           <a:xfrm>
-            <a:off x="640080" y="548640"/>
-            <a:ext cx="10972800" cy="822960"/>
+            <a:off x="548640" y="1371600"/>
+            <a:ext cx="11155680" cy="5120640"/>
           </a:xfrm>
           <a:prstGeom prst="rect">
             <a:avLst/>
@@ -4599,55 +5472,74 @@
           </a:bodyPr>
           <a:lstStyle/>
           <a:p>
-            <a:pPr algn="r">
-              <a:defRPr sz="3000" b="1">
-                <a:solidFill>
-                  <a:srgbClr val="1E4C78"/>
-                </a:solidFill>
-              </a:defRPr>
-            </a:pPr>
-            <a:r>
-              <a:t>4) تعدیل میکروبیوم روده</a:t>
-            </a:r>
-          </a:p>
-        </p:txBody>
-      </p:sp>
-      <p:sp>
-        <p:nvSpPr>
-          <p:cNvPr id="4" name="TextBox 3"/>
-          <p:cNvSpPr txBox="1"/>
+            <a:pPr algn="r"/>
+            <a:r>
+              <a:rPr sz="2400" b="0">
+                <a:solidFill>
+                  <a:srgbClr val="464646"/>
+                </a:solidFill>
+                <a:latin typeface="Vazirmatn"/>
+              </a:rPr>
+              <a:t>افزایش SCFA (بوتیرات) → GLP-1 ↑ و حساسیت به انسولین ↑</a:t>
+            </a:r>
+          </a:p>
+          <a:p>
+            <a:pPr algn="r"/>
+            <a:r>
+              <a:rPr sz="2400" b="0">
+                <a:solidFill>
+                  <a:srgbClr val="464646"/>
+                </a:solidFill>
+                <a:latin typeface="Vazirmatn"/>
+              </a:rPr>
+              <a:t>افزایش گونه‌های مفید مانند Akkermansia و Faecalibacterium</a:t>
+            </a:r>
+          </a:p>
+        </p:txBody>
+      </p:sp>
+      <p:sp>
+        <p:nvSpPr>
+          <p:cNvPr id="4" name="Rectangle 3"/>
+          <p:cNvSpPr/>
           <p:nvPr/>
         </p:nvSpPr>
         <p:spPr>
           <a:xfrm>
-            <a:off x="640080" y="1463040"/>
-            <a:ext cx="10972800" cy="4937760"/>
-          </a:xfrm>
-          <a:prstGeom prst="rect">
-            <a:avLst/>
-          </a:prstGeom>
-          <a:noFill/>
-        </p:spPr>
-        <p:txBody>
-          <a:bodyPr wrap="none">
-            <a:spAutoFit/>
-          </a:bodyPr>
-          <a:lstStyle/>
-          <a:p>
-            <a:pPr algn="r">
-              <a:defRPr sz="2400"/>
-            </a:pPr>
-            <a:r>
-              <a:t>افزایش تولید SCFA (بوتیرات) → GLP-1 ↑ و حساسیت به انسولین ↑</a:t>
-            </a:r>
-          </a:p>
-          <a:p>
-            <a:pPr algn="r">
-              <a:defRPr sz="2400"/>
-            </a:pPr>
-            <a:r>
-              <a:t>افزایش غنا و گونه‌های مفید (Akkermansia, Faecalibacterium)</a:t>
-            </a:r>
+            <a:off x="0" y="0"/>
+            <a:ext cx="12188952" cy="137160"/>
+          </a:xfrm>
+          <a:prstGeom prst="rect">
+            <a:avLst/>
+          </a:prstGeom>
+          <a:solidFill>
+            <a:srgbClr val="789E49"/>
+          </a:solidFill>
+          <a:ln>
+            <a:solidFill>
+              <a:srgbClr val="789E49"/>
+            </a:solidFill>
+          </a:ln>
+          <a:effectLst/>
+        </p:spPr>
+        <p:style>
+          <a:lnRef idx="1">
+            <a:schemeClr val="accent1"/>
+          </a:lnRef>
+          <a:fillRef idx="3">
+            <a:schemeClr val="accent1"/>
+          </a:fillRef>
+          <a:effectRef idx="2">
+            <a:schemeClr val="accent1"/>
+          </a:effectRef>
+          <a:fontRef idx="minor">
+            <a:schemeClr val="lt1"/>
+          </a:fontRef>
+        </p:style>
+        <p:txBody>
+          <a:bodyPr rtlCol="0" anchor="ctr"/>
+          <a:lstStyle/>
+          <a:p>
+            <a:pPr algn="ctr"/>
           </a:p>
         </p:txBody>
       </p:sp>
@@ -4671,19 +5563,37 @@
       <p:grpSpPr/>
       <p:sp>
         <p:nvSpPr>
-          <p:cNvPr id="2" name="Title 1"/>
-          <p:cNvSpPr>
-            <a:spLocks noGrp="1"/>
-          </p:cNvSpPr>
-          <p:nvPr>
-            <p:ph type="title"/>
-          </p:nvPr>
-        </p:nvSpPr>
-        <p:spPr/>
-        <p:txBody>
-          <a:bodyPr/>
-          <a:lstStyle/>
-          <a:p/>
+          <p:cNvPr id="2" name="TextBox 1"/>
+          <p:cNvSpPr txBox="1"/>
+          <p:nvPr/>
+        </p:nvSpPr>
+        <p:spPr>
+          <a:xfrm>
+            <a:off x="548640" y="457200"/>
+            <a:ext cx="11155680" cy="822960"/>
+          </a:xfrm>
+          <a:prstGeom prst="rect">
+            <a:avLst/>
+          </a:prstGeom>
+          <a:noFill/>
+        </p:spPr>
+        <p:txBody>
+          <a:bodyPr wrap="none">
+            <a:spAutoFit/>
+          </a:bodyPr>
+          <a:lstStyle/>
+          <a:p>
+            <a:pPr algn="r"/>
+            <a:r>
+              <a:rPr sz="3000" b="1">
+                <a:solidFill>
+                  <a:srgbClr val="1E4C78"/>
+                </a:solidFill>
+                <a:latin typeface="Vazirmatn"/>
+              </a:rPr>
+              <a:t>تأثیر بر متابولیسم سیستمیک</a:t>
+            </a:r>
+          </a:p>
         </p:txBody>
       </p:sp>
       <p:sp>
@@ -4694,8 +5604,8 @@
         </p:nvSpPr>
         <p:spPr>
           <a:xfrm>
-            <a:off x="640080" y="548640"/>
-            <a:ext cx="10972800" cy="822960"/>
+            <a:off x="548640" y="1371600"/>
+            <a:ext cx="11155680" cy="5120640"/>
           </a:xfrm>
           <a:prstGeom prst="rect">
             <a:avLst/>
@@ -4708,55 +5618,74 @@
           </a:bodyPr>
           <a:lstStyle/>
           <a:p>
-            <a:pPr algn="r">
-              <a:defRPr sz="3000" b="1">
-                <a:solidFill>
-                  <a:srgbClr val="1E4C78"/>
-                </a:solidFill>
-              </a:defRPr>
-            </a:pPr>
-            <a:r>
-              <a:t>تأثیر بر متابولیسم سیستمیک</a:t>
-            </a:r>
-          </a:p>
-        </p:txBody>
-      </p:sp>
-      <p:sp>
-        <p:nvSpPr>
-          <p:cNvPr id="4" name="TextBox 3"/>
-          <p:cNvSpPr txBox="1"/>
+            <a:pPr algn="r"/>
+            <a:r>
+              <a:rPr sz="2400" b="0">
+                <a:solidFill>
+                  <a:srgbClr val="464646"/>
+                </a:solidFill>
+                <a:latin typeface="Vazirmatn"/>
+              </a:rPr>
+              <a:t>GLP-1 و PYY ↑ → کنترل اشتها/گلوکز بهتر</a:t>
+            </a:r>
+          </a:p>
+          <a:p>
+            <a:pPr algn="r"/>
+            <a:r>
+              <a:rPr sz="2400" b="0">
+                <a:solidFill>
+                  <a:srgbClr val="464646"/>
+                </a:solidFill>
+                <a:latin typeface="Vazirmatn"/>
+              </a:rPr>
+              <a:t>سیگنالینگ اسیدهای صفراوی (FXR/TGR5) → بهبود گلوکز/چربی</a:t>
+            </a:r>
+          </a:p>
+        </p:txBody>
+      </p:sp>
+      <p:sp>
+        <p:nvSpPr>
+          <p:cNvPr id="4" name="Rectangle 3"/>
+          <p:cNvSpPr/>
           <p:nvPr/>
         </p:nvSpPr>
         <p:spPr>
           <a:xfrm>
-            <a:off x="640080" y="1463040"/>
-            <a:ext cx="10972800" cy="4937760"/>
-          </a:xfrm>
-          <a:prstGeom prst="rect">
-            <a:avLst/>
-          </a:prstGeom>
-          <a:noFill/>
-        </p:spPr>
-        <p:txBody>
-          <a:bodyPr wrap="none">
-            <a:spAutoFit/>
-          </a:bodyPr>
-          <a:lstStyle/>
-          <a:p>
-            <a:pPr algn="r">
-              <a:defRPr sz="2400"/>
-            </a:pPr>
-            <a:r>
-              <a:t>GLP-1 و PYY افزایش → کنترل اشتها/گلوکز</a:t>
-            </a:r>
-          </a:p>
-          <a:p>
-            <a:pPr algn="r">
-              <a:defRPr sz="2400"/>
-            </a:pPr>
-            <a:r>
-              <a:t>سیگنالینگ اسیدهای صفراوی (FXR/TGR5) → گلوکز/چربی بهبود</a:t>
-            </a:r>
+            <a:off x="0" y="0"/>
+            <a:ext cx="12188952" cy="137160"/>
+          </a:xfrm>
+          <a:prstGeom prst="rect">
+            <a:avLst/>
+          </a:prstGeom>
+          <a:solidFill>
+            <a:srgbClr val="789E49"/>
+          </a:solidFill>
+          <a:ln>
+            <a:solidFill>
+              <a:srgbClr val="789E49"/>
+            </a:solidFill>
+          </a:ln>
+          <a:effectLst/>
+        </p:spPr>
+        <p:style>
+          <a:lnRef idx="1">
+            <a:schemeClr val="accent1"/>
+          </a:lnRef>
+          <a:fillRef idx="3">
+            <a:schemeClr val="accent1"/>
+          </a:fillRef>
+          <a:effectRef idx="2">
+            <a:schemeClr val="accent1"/>
+          </a:effectRef>
+          <a:fontRef idx="minor">
+            <a:schemeClr val="lt1"/>
+          </a:fontRef>
+        </p:style>
+        <p:txBody>
+          <a:bodyPr rtlCol="0" anchor="ctr"/>
+          <a:lstStyle/>
+          <a:p>
+            <a:pPr algn="ctr"/>
           </a:p>
         </p:txBody>
       </p:sp>
@@ -4780,31 +5709,14 @@
       <p:grpSpPr/>
       <p:sp>
         <p:nvSpPr>
-          <p:cNvPr id="2" name="Title 1"/>
-          <p:cNvSpPr>
-            <a:spLocks noGrp="1"/>
-          </p:cNvSpPr>
-          <p:nvPr>
-            <p:ph type="title"/>
-          </p:nvPr>
-        </p:nvSpPr>
-        <p:spPr/>
-        <p:txBody>
-          <a:bodyPr/>
-          <a:lstStyle/>
-          <a:p/>
-        </p:txBody>
-      </p:sp>
-      <p:sp>
-        <p:nvSpPr>
-          <p:cNvPr id="3" name="TextBox 2"/>
+          <p:cNvPr id="2" name="TextBox 1"/>
           <p:cNvSpPr txBox="1"/>
           <p:nvPr/>
         </p:nvSpPr>
         <p:spPr>
           <a:xfrm>
-            <a:off x="640080" y="548640"/>
-            <a:ext cx="10972800" cy="822960"/>
+            <a:off x="548640" y="457200"/>
+            <a:ext cx="11155680" cy="822960"/>
           </a:xfrm>
           <a:prstGeom prst="rect">
             <a:avLst/>
@@ -4817,22 +5729,22 @@
           </a:bodyPr>
           <a:lstStyle/>
           <a:p>
-            <a:pPr algn="r">
-              <a:defRPr sz="3000" b="1">
+            <a:pPr algn="r"/>
+            <a:r>
+              <a:rPr sz="3000" b="1">
                 <a:solidFill>
                   <a:srgbClr val="1E4C78"/>
                 </a:solidFill>
-              </a:defRPr>
-            </a:pPr>
-            <a:r>
-              <a:t>مهار التهاب مزمن</a:t>
+                <a:latin typeface="Vazirmatn"/>
+              </a:rPr>
+              <a:t>مهار التهاب مزمن و اندوتوکسمی متابولیک</a:t>
             </a:r>
           </a:p>
         </p:txBody>
       </p:sp>
       <p:pic>
         <p:nvPicPr>
-          <p:cNvPr id="4" name="Picture 3" descr="inflammation.png"/>
+          <p:cNvPr id="3" name="Picture 2" descr="inflammation.png"/>
           <p:cNvPicPr>
             <a:picLocks noChangeAspect="1"/>
           </p:cNvPicPr>
@@ -4846,14 +5758,60 @@
         </p:blipFill>
         <p:spPr>
           <a:xfrm>
-            <a:off x="914400" y="1645920"/>
-            <a:ext cx="9601200" cy="4200525"/>
+            <a:off x="914400" y="1554480"/>
+            <a:ext cx="9601200" cy="4217304"/>
           </a:xfrm>
           <a:prstGeom prst="rect">
             <a:avLst/>
           </a:prstGeom>
         </p:spPr>
       </p:pic>
+      <p:sp>
+        <p:nvSpPr>
+          <p:cNvPr id="4" name="Rectangle 3"/>
+          <p:cNvSpPr/>
+          <p:nvPr/>
+        </p:nvSpPr>
+        <p:spPr>
+          <a:xfrm>
+            <a:off x="0" y="0"/>
+            <a:ext cx="12188952" cy="137160"/>
+          </a:xfrm>
+          <a:prstGeom prst="rect">
+            <a:avLst/>
+          </a:prstGeom>
+          <a:solidFill>
+            <a:srgbClr val="789E49"/>
+          </a:solidFill>
+          <a:ln>
+            <a:solidFill>
+              <a:srgbClr val="789E49"/>
+            </a:solidFill>
+          </a:ln>
+          <a:effectLst/>
+        </p:spPr>
+        <p:style>
+          <a:lnRef idx="1">
+            <a:schemeClr val="accent1"/>
+          </a:lnRef>
+          <a:fillRef idx="3">
+            <a:schemeClr val="accent1"/>
+          </a:fillRef>
+          <a:effectRef idx="2">
+            <a:schemeClr val="accent1"/>
+          </a:effectRef>
+          <a:fontRef idx="minor">
+            <a:schemeClr val="lt1"/>
+          </a:fontRef>
+        </p:style>
+        <p:txBody>
+          <a:bodyPr rtlCol="0" anchor="ctr"/>
+          <a:lstStyle/>
+          <a:p>
+            <a:pPr algn="ctr"/>
+          </a:p>
+        </p:txBody>
+      </p:sp>
     </p:spTree>
   </p:cSld>
   <p:clrMapOvr>
@@ -4874,19 +5832,37 @@
       <p:grpSpPr/>
       <p:sp>
         <p:nvSpPr>
-          <p:cNvPr id="2" name="Title 1"/>
-          <p:cNvSpPr>
-            <a:spLocks noGrp="1"/>
-          </p:cNvSpPr>
-          <p:nvPr>
-            <p:ph type="title"/>
-          </p:nvPr>
-        </p:nvSpPr>
-        <p:spPr/>
-        <p:txBody>
-          <a:bodyPr/>
-          <a:lstStyle/>
-          <a:p/>
+          <p:cNvPr id="2" name="TextBox 1"/>
+          <p:cNvSpPr txBox="1"/>
+          <p:nvPr/>
+        </p:nvSpPr>
+        <p:spPr>
+          <a:xfrm>
+            <a:off x="548640" y="457200"/>
+            <a:ext cx="11155680" cy="822960"/>
+          </a:xfrm>
+          <a:prstGeom prst="rect">
+            <a:avLst/>
+          </a:prstGeom>
+          <a:noFill/>
+        </p:spPr>
+        <p:txBody>
+          <a:bodyPr wrap="none">
+            <a:spAutoFit/>
+          </a:bodyPr>
+          <a:lstStyle/>
+          <a:p>
+            <a:pPr algn="r"/>
+            <a:r>
+              <a:rPr sz="3000" b="1">
+                <a:solidFill>
+                  <a:srgbClr val="1E4C78"/>
+                </a:solidFill>
+                <a:latin typeface="Vazirmatn"/>
+              </a:rPr>
+              <a:t>5) پتانسیل تسهیل رمیلیناسیون (عوارض عصبی T2D)</a:t>
+            </a:r>
+          </a:p>
         </p:txBody>
       </p:sp>
       <p:sp>
@@ -4897,8 +5873,8 @@
         </p:nvSpPr>
         <p:spPr>
           <a:xfrm>
-            <a:off x="640080" y="548640"/>
-            <a:ext cx="10972800" cy="822960"/>
+            <a:off x="548640" y="1371600"/>
+            <a:ext cx="11155680" cy="5120640"/>
           </a:xfrm>
           <a:prstGeom prst="rect">
             <a:avLst/>
@@ -4911,55 +5887,74 @@
           </a:bodyPr>
           <a:lstStyle/>
           <a:p>
-            <a:pPr algn="r">
-              <a:defRPr sz="3000" b="1">
-                <a:solidFill>
-                  <a:srgbClr val="1E4C78"/>
-                </a:solidFill>
-              </a:defRPr>
-            </a:pPr>
-            <a:r>
-              <a:t>5) پتانسیل تسهیل رمیلیناسیون (برای عوارض عصبی T2D)</a:t>
-            </a:r>
-          </a:p>
-        </p:txBody>
-      </p:sp>
-      <p:sp>
-        <p:nvSpPr>
-          <p:cNvPr id="4" name="TextBox 3"/>
-          <p:cNvSpPr txBox="1"/>
+            <a:pPr algn="r"/>
+            <a:r>
+              <a:rPr sz="2400" b="0">
+                <a:solidFill>
+                  <a:srgbClr val="464646"/>
+                </a:solidFill>
+                <a:latin typeface="Vazirmatn"/>
+              </a:rPr>
+              <a:t>DHA/EPA و برخی پلی‌فنول‌ها: حمایت از میلین‌سازی (شواهد عمدتاً حیوانی/پیش‌بالینی)</a:t>
+            </a:r>
+          </a:p>
+          <a:p>
+            <a:pPr algn="r"/>
+            <a:r>
+              <a:rPr sz="2400" b="0">
+                <a:solidFill>
+                  <a:srgbClr val="464646"/>
+                </a:solidFill>
+                <a:latin typeface="Vazirmatn"/>
+              </a:rPr>
+              <a:t>اهمیت در نوروپاتی دیابتی: حفاظت عصبی و ترمیم</a:t>
+            </a:r>
+          </a:p>
+        </p:txBody>
+      </p:sp>
+      <p:sp>
+        <p:nvSpPr>
+          <p:cNvPr id="4" name="Rectangle 3"/>
+          <p:cNvSpPr/>
           <p:nvPr/>
         </p:nvSpPr>
         <p:spPr>
           <a:xfrm>
-            <a:off x="640080" y="1463040"/>
-            <a:ext cx="10972800" cy="4937760"/>
-          </a:xfrm>
-          <a:prstGeom prst="rect">
-            <a:avLst/>
-          </a:prstGeom>
-          <a:noFill/>
-        </p:spPr>
-        <p:txBody>
-          <a:bodyPr wrap="none">
-            <a:spAutoFit/>
-          </a:bodyPr>
-          <a:lstStyle/>
-          <a:p>
-            <a:pPr algn="r">
-              <a:defRPr sz="2400"/>
-            </a:pPr>
-            <a:r>
-              <a:t>DHA/EPA و برخی پلی‌فنول‌ها می‌توانند میلین‌سازی را حمایت کنند (شواهد عمدتاً حیوانی/پیش‌بالینی)</a:t>
-            </a:r>
-          </a:p>
-          <a:p>
-            <a:pPr algn="r">
-              <a:defRPr sz="2400"/>
-            </a:pPr>
-            <a:r>
-              <a:t>اهمیت در نوروپاتی دیابتی: حفاظت عصبی و ترمیم</a:t>
-            </a:r>
+            <a:off x="0" y="0"/>
+            <a:ext cx="12188952" cy="137160"/>
+          </a:xfrm>
+          <a:prstGeom prst="rect">
+            <a:avLst/>
+          </a:prstGeom>
+          <a:solidFill>
+            <a:srgbClr val="789E49"/>
+          </a:solidFill>
+          <a:ln>
+            <a:solidFill>
+              <a:srgbClr val="789E49"/>
+            </a:solidFill>
+          </a:ln>
+          <a:effectLst/>
+        </p:spPr>
+        <p:style>
+          <a:lnRef idx="1">
+            <a:schemeClr val="accent1"/>
+          </a:lnRef>
+          <a:fillRef idx="3">
+            <a:schemeClr val="accent1"/>
+          </a:fillRef>
+          <a:effectRef idx="2">
+            <a:schemeClr val="accent1"/>
+          </a:effectRef>
+          <a:fontRef idx="minor">
+            <a:schemeClr val="lt1"/>
+          </a:fontRef>
+        </p:style>
+        <p:txBody>
+          <a:bodyPr rtlCol="0" anchor="ctr"/>
+          <a:lstStyle/>
+          <a:p>
+            <a:pPr algn="ctr"/>
           </a:p>
         </p:txBody>
       </p:sp>
@@ -4983,19 +5978,37 @@
       <p:grpSpPr/>
       <p:sp>
         <p:nvSpPr>
-          <p:cNvPr id="2" name="Title 1"/>
-          <p:cNvSpPr>
-            <a:spLocks noGrp="1"/>
-          </p:cNvSpPr>
-          <p:nvPr>
-            <p:ph type="title"/>
-          </p:nvPr>
-        </p:nvSpPr>
-        <p:spPr/>
-        <p:txBody>
-          <a:bodyPr/>
-          <a:lstStyle/>
-          <a:p/>
+          <p:cNvPr id="2" name="TextBox 1"/>
+          <p:cNvSpPr txBox="1"/>
+          <p:nvPr/>
+        </p:nvSpPr>
+        <p:spPr>
+          <a:xfrm>
+            <a:off x="548640" y="457200"/>
+            <a:ext cx="11155680" cy="822960"/>
+          </a:xfrm>
+          <a:prstGeom prst="rect">
+            <a:avLst/>
+          </a:prstGeom>
+          <a:noFill/>
+        </p:spPr>
+        <p:txBody>
+          <a:bodyPr wrap="none">
+            <a:spAutoFit/>
+          </a:bodyPr>
+          <a:lstStyle/>
+          <a:p>
+            <a:pPr algn="r"/>
+            <a:r>
+              <a:rPr sz="3000" b="1">
+                <a:solidFill>
+                  <a:srgbClr val="1E4C78"/>
+                </a:solidFill>
+                <a:latin typeface="Vazirmatn"/>
+              </a:rPr>
+              <a:t>اثر بر خلق و سلامت روانی</a:t>
+            </a:r>
+          </a:p>
         </p:txBody>
       </p:sp>
       <p:sp>
@@ -5006,8 +6019,8 @@
         </p:nvSpPr>
         <p:spPr>
           <a:xfrm>
-            <a:off x="640080" y="548640"/>
-            <a:ext cx="10972800" cy="822960"/>
+            <a:off x="548640" y="1371600"/>
+            <a:ext cx="11155680" cy="5120640"/>
           </a:xfrm>
           <a:prstGeom prst="rect">
             <a:avLst/>
@@ -5020,55 +6033,74 @@
           </a:bodyPr>
           <a:lstStyle/>
           <a:p>
-            <a:pPr algn="r">
-              <a:defRPr sz="3000" b="1">
-                <a:solidFill>
-                  <a:srgbClr val="1E4C78"/>
-                </a:solidFill>
-              </a:defRPr>
-            </a:pPr>
-            <a:r>
-              <a:t>اثر بر خلق و سلامت روانی</a:t>
-            </a:r>
-          </a:p>
-        </p:txBody>
-      </p:sp>
-      <p:sp>
-        <p:nvSpPr>
-          <p:cNvPr id="4" name="TextBox 3"/>
-          <p:cNvSpPr txBox="1"/>
+            <a:pPr algn="r"/>
+            <a:r>
+              <a:rPr sz="2400" b="0">
+                <a:solidFill>
+                  <a:srgbClr val="464646"/>
+                </a:solidFill>
+                <a:latin typeface="Vazirmatn"/>
+              </a:rPr>
+              <a:t>الگوی ضدالتهاب با کاهش افسردگی/بهبود خلق مرتبط است → پایبندی بهتر و کنترل قند بهتر</a:t>
+            </a:r>
+          </a:p>
+          <a:p>
+            <a:pPr algn="r"/>
+            <a:r>
+              <a:rPr sz="2400" b="0">
+                <a:solidFill>
+                  <a:srgbClr val="464646"/>
+                </a:solidFill>
+                <a:latin typeface="Vazirmatn"/>
+              </a:rPr>
+              <a:t>مدیریت استرس/خواب عناصر مکملِ درمان هستند</a:t>
+            </a:r>
+          </a:p>
+        </p:txBody>
+      </p:sp>
+      <p:sp>
+        <p:nvSpPr>
+          <p:cNvPr id="4" name="Rectangle 3"/>
+          <p:cNvSpPr/>
           <p:nvPr/>
         </p:nvSpPr>
         <p:spPr>
           <a:xfrm>
-            <a:off x="640080" y="1463040"/>
-            <a:ext cx="10972800" cy="4937760"/>
-          </a:xfrm>
-          <a:prstGeom prst="rect">
-            <a:avLst/>
-          </a:prstGeom>
-          <a:noFill/>
-        </p:spPr>
-        <p:txBody>
-          <a:bodyPr wrap="none">
-            <a:spAutoFit/>
-          </a:bodyPr>
-          <a:lstStyle/>
-          <a:p>
-            <a:pPr algn="r">
-              <a:defRPr sz="2400"/>
-            </a:pPr>
-            <a:r>
-              <a:t>رژیم‌های ضدالتهاب (مانند مدیترانه‌ای) با بهبود خلق مرتبط‌اند → پایبندی بهتر، کنترل قند بهتر</a:t>
-            </a:r>
-          </a:p>
-          <a:p>
-            <a:pPr algn="r">
-              <a:defRPr sz="2400"/>
-            </a:pPr>
-            <a:r>
-              <a:t>مدیریت استرس/خواب به‌عنوان عناصر سبک زندگی مکمل</a:t>
-            </a:r>
+            <a:off x="0" y="0"/>
+            <a:ext cx="12188952" cy="137160"/>
+          </a:xfrm>
+          <a:prstGeom prst="rect">
+            <a:avLst/>
+          </a:prstGeom>
+          <a:solidFill>
+            <a:srgbClr val="789E49"/>
+          </a:solidFill>
+          <a:ln>
+            <a:solidFill>
+              <a:srgbClr val="789E49"/>
+            </a:solidFill>
+          </a:ln>
+          <a:effectLst/>
+        </p:spPr>
+        <p:style>
+          <a:lnRef idx="1">
+            <a:schemeClr val="accent1"/>
+          </a:lnRef>
+          <a:fillRef idx="3">
+            <a:schemeClr val="accent1"/>
+          </a:fillRef>
+          <a:effectRef idx="2">
+            <a:schemeClr val="accent1"/>
+          </a:effectRef>
+          <a:fontRef idx="minor">
+            <a:schemeClr val="lt1"/>
+          </a:fontRef>
+        </p:style>
+        <p:txBody>
+          <a:bodyPr rtlCol="0" anchor="ctr"/>
+          <a:lstStyle/>
+          <a:p>
+            <a:pPr algn="ctr"/>
           </a:p>
         </p:txBody>
       </p:sp>
@@ -5092,31 +6124,14 @@
       <p:grpSpPr/>
       <p:sp>
         <p:nvSpPr>
-          <p:cNvPr id="2" name="Title 1"/>
-          <p:cNvSpPr>
-            <a:spLocks noGrp="1"/>
-          </p:cNvSpPr>
-          <p:nvPr>
-            <p:ph type="title"/>
-          </p:nvPr>
-        </p:nvSpPr>
-        <p:spPr/>
-        <p:txBody>
-          <a:bodyPr/>
-          <a:lstStyle/>
-          <a:p/>
-        </p:txBody>
-      </p:sp>
-      <p:sp>
-        <p:nvSpPr>
-          <p:cNvPr id="3" name="TextBox 2"/>
+          <p:cNvPr id="2" name="TextBox 1"/>
           <p:cNvSpPr txBox="1"/>
           <p:nvPr/>
         </p:nvSpPr>
         <p:spPr>
           <a:xfrm>
-            <a:off x="640080" y="548640"/>
-            <a:ext cx="10972800" cy="822960"/>
+            <a:off x="548640" y="457200"/>
+            <a:ext cx="11155680" cy="822960"/>
           </a:xfrm>
           <a:prstGeom prst="rect">
             <a:avLst/>
@@ -5129,14 +6144,14 @@
           </a:bodyPr>
           <a:lstStyle/>
           <a:p>
-            <a:pPr algn="r">
-              <a:defRPr sz="3000" b="1">
+            <a:pPr algn="r"/>
+            <a:r>
+              <a:rPr sz="3000" b="1">
                 <a:solidFill>
                   <a:srgbClr val="1E4C78"/>
                 </a:solidFill>
-              </a:defRPr>
-            </a:pPr>
-            <a:r>
+                <a:latin typeface="Vazirmatn"/>
+              </a:rPr>
               <a:t>جدول مقالات - بخش 1</a:t>
             </a:r>
           </a:p>
@@ -5144,15 +6159,15 @@
       </p:sp>
       <p:graphicFrame>
         <p:nvGraphicFramePr>
-          <p:cNvPr id="4" name="Table 3"/>
+          <p:cNvPr id="3" name="Table 2"/>
           <p:cNvGraphicFramePr>
             <a:graphicFrameLocks noGrp="1"/>
           </p:cNvGraphicFramePr>
           <p:nvPr/>
         </p:nvGraphicFramePr>
         <p:xfrm>
-          <a:off x="365760" y="1280160"/>
-          <a:ext cx="11430000" cy="5212080"/>
+          <a:off x="274320" y="1188720"/>
+          <a:ext cx="11612880" cy="5303520"/>
         </p:xfrm>
         <a:graphic>
           <a:graphicData uri="http://schemas.openxmlformats.org/drawingml/2006/table">
@@ -5161,25 +6176,29 @@
                 <a:tableStyleId>{5C22544A-7EE6-4342-B048-85BDC9FD1C3A}</a:tableStyleId>
               </a:tblPr>
               <a:tblGrid>
-                <a:gridCol w="1428750"/>
-                <a:gridCol w="1428750"/>
-                <a:gridCol w="1428750"/>
-                <a:gridCol w="1428750"/>
-                <a:gridCol w="1428750"/>
-                <a:gridCol w="1428750"/>
-                <a:gridCol w="1428750"/>
-                <a:gridCol w="1428750"/>
+                <a:gridCol w="1451610"/>
+                <a:gridCol w="1451610"/>
+                <a:gridCol w="1451610"/>
+                <a:gridCol w="1451610"/>
+                <a:gridCol w="1451610"/>
+                <a:gridCol w="1451610"/>
+                <a:gridCol w="1451610"/>
+                <a:gridCol w="1451610"/>
               </a:tblGrid>
-              <a:tr h="1737360">
+              <a:tr h="1767840">
                 <a:tc>
                   <a:txBody>
                     <a:bodyPr/>
                     <a:lstStyle/>
                     <a:p>
-                      <a:pPr algn="r">
-                        <a:defRPr b="1" sz="1800"/>
-                      </a:pPr>
+                      <a:pPr algn="r"/>
                       <a:r>
+                        <a:rPr sz="1800" b="1">
+                          <a:solidFill>
+                            <a:srgbClr val="FFFFFF"/>
+                          </a:solidFill>
+                          <a:latin typeface="Vazirmatn"/>
+                        </a:rPr>
                         <a:t>عنوان مقاله</a:t>
                       </a:r>
                     </a:p>
@@ -5195,10 +6214,14 @@
                     <a:bodyPr/>
                     <a:lstStyle/>
                     <a:p>
-                      <a:pPr algn="r">
-                        <a:defRPr b="1" sz="1800"/>
-                      </a:pPr>
+                      <a:pPr algn="r"/>
                       <a:r>
+                        <a:rPr sz="1800" b="1">
+                          <a:solidFill>
+                            <a:srgbClr val="FFFFFF"/>
+                          </a:solidFill>
+                          <a:latin typeface="Vazirmatn"/>
+                        </a:rPr>
                         <a:t>نوع مطالعه/مدل</a:t>
                       </a:r>
                     </a:p>
@@ -5214,10 +6237,14 @@
                     <a:bodyPr/>
                     <a:lstStyle/>
                     <a:p>
-                      <a:pPr algn="r">
-                        <a:defRPr b="1" sz="1800"/>
-                      </a:pPr>
+                      <a:pPr algn="r"/>
                       <a:r>
+                        <a:rPr sz="1800" b="1">
+                          <a:solidFill>
+                            <a:srgbClr val="FFFFFF"/>
+                          </a:solidFill>
+                          <a:latin typeface="Vazirmatn"/>
+                        </a:rPr>
                         <a:t>جمعیت/نمونه</a:t>
                       </a:r>
                     </a:p>
@@ -5233,10 +6260,14 @@
                     <a:bodyPr/>
                     <a:lstStyle/>
                     <a:p>
-                      <a:pPr algn="r">
-                        <a:defRPr b="1" sz="1800"/>
-                      </a:pPr>
+                      <a:pPr algn="r"/>
                       <a:r>
+                        <a:rPr sz="1800" b="1">
+                          <a:solidFill>
+                            <a:srgbClr val="FFFFFF"/>
+                          </a:solidFill>
+                          <a:latin typeface="Vazirmatn"/>
+                        </a:rPr>
                         <a:t>هدف مطالعه</a:t>
                       </a:r>
                     </a:p>
@@ -5252,10 +6283,14 @@
                     <a:bodyPr/>
                     <a:lstStyle/>
                     <a:p>
-                      <a:pPr algn="r">
-                        <a:defRPr b="1" sz="1800"/>
-                      </a:pPr>
+                      <a:pPr algn="r"/>
                       <a:r>
+                        <a:rPr sz="1800" b="1">
+                          <a:solidFill>
+                            <a:srgbClr val="FFFFFF"/>
+                          </a:solidFill>
+                          <a:latin typeface="Vazirmatn"/>
+                        </a:rPr>
                         <a:t>روش‌ها/طراحی</a:t>
                       </a:r>
                     </a:p>
@@ -5271,10 +6306,14 @@
                     <a:bodyPr/>
                     <a:lstStyle/>
                     <a:p>
-                      <a:pPr algn="r">
-                        <a:defRPr b="1" sz="1800"/>
-                      </a:pPr>
+                      <a:pPr algn="r"/>
                       <a:r>
+                        <a:rPr sz="1800" b="1">
+                          <a:solidFill>
+                            <a:srgbClr val="FFFFFF"/>
+                          </a:solidFill>
+                          <a:latin typeface="Vazirmatn"/>
+                        </a:rPr>
                         <a:t>نتایج کلیدی</a:t>
                       </a:r>
                     </a:p>
@@ -5290,10 +6329,14 @@
                     <a:bodyPr/>
                     <a:lstStyle/>
                     <a:p>
-                      <a:pPr algn="r">
-                        <a:defRPr b="1" sz="1800"/>
-                      </a:pPr>
+                      <a:pPr algn="r"/>
                       <a:r>
+                        <a:rPr sz="1800" b="1">
+                          <a:solidFill>
+                            <a:srgbClr val="FFFFFF"/>
+                          </a:solidFill>
+                          <a:latin typeface="Vazirmatn"/>
+                        </a:rPr>
                         <a:t>نتیجه‌گیری مرتبط با T2D</a:t>
                       </a:r>
                     </a:p>
@@ -5309,10 +6352,14 @@
                     <a:bodyPr/>
                     <a:lstStyle/>
                     <a:p>
-                      <a:pPr algn="r">
-                        <a:defRPr b="1" sz="1800"/>
-                      </a:pPr>
+                      <a:pPr algn="r"/>
                       <a:r>
+                        <a:rPr sz="1800" b="1">
+                          <a:solidFill>
+                            <a:srgbClr val="FFFFFF"/>
+                          </a:solidFill>
+                          <a:latin typeface="Vazirmatn"/>
+                        </a:rPr>
                         <a:t>محدودیت‌ها/نکات مهم</a:t>
                       </a:r>
                     </a:p>
@@ -5324,16 +6371,20 @@
                   </a:tcPr>
                 </a:tc>
               </a:tr>
-              <a:tr h="1737360">
+              <a:tr h="1767840">
                 <a:tc>
                   <a:txBody>
                     <a:bodyPr/>
                     <a:lstStyle/>
                     <a:p>
-                      <a:pPr algn="r">
-                        <a:defRPr sz="1600"/>
-                      </a:pPr>
+                      <a:pPr algn="r"/>
                       <a:r>
+                        <a:rPr sz="1600" b="0">
+                          <a:solidFill>
+                            <a:srgbClr val="464646"/>
+                          </a:solidFill>
+                          <a:latin typeface="Vazirmatn"/>
+                        </a:rPr>
                         <a:t>Esposito et al., 2009, Ann Intern Med</a:t>
                       </a:r>
                     </a:p>
@@ -5345,10 +6396,14 @@
                     <a:bodyPr/>
                     <a:lstStyle/>
                     <a:p>
-                      <a:pPr algn="r">
-                        <a:defRPr sz="1600"/>
-                      </a:pPr>
+                      <a:pPr algn="r"/>
                       <a:r>
+                        <a:rPr sz="1600" b="0">
+                          <a:solidFill>
+                            <a:srgbClr val="464646"/>
+                          </a:solidFill>
+                          <a:latin typeface="Vazirmatn"/>
+                        </a:rPr>
                         <a:t>RCT</a:t>
                       </a:r>
                     </a:p>
@@ -5360,10 +6415,14 @@
                     <a:bodyPr/>
                     <a:lstStyle/>
                     <a:p>
-                      <a:pPr algn="r">
-                        <a:defRPr sz="1600"/>
-                      </a:pPr>
+                      <a:pPr algn="r"/>
                       <a:r>
+                        <a:rPr sz="1600" b="0">
+                          <a:solidFill>
+                            <a:srgbClr val="464646"/>
+                          </a:solidFill>
+                          <a:latin typeface="Vazirmatn"/>
+                        </a:rPr>
                         <a:t>بیماران تازه‌تشخیص T2D؛ n≈215</a:t>
                       </a:r>
                     </a:p>
@@ -5375,10 +6434,14 @@
                     <a:bodyPr/>
                     <a:lstStyle/>
                     <a:p>
-                      <a:pPr algn="r">
-                        <a:defRPr sz="1600"/>
-                      </a:pPr>
+                      <a:pPr algn="r"/>
                       <a:r>
+                        <a:rPr sz="1600" b="0">
+                          <a:solidFill>
+                            <a:srgbClr val="464646"/>
+                          </a:solidFill>
+                          <a:latin typeface="Vazirmatn"/>
+                        </a:rPr>
                         <a:t>اثر رژیم مدیترانه‌ای بر کنترل قند و نیاز به دارو</a:t>
                       </a:r>
                     </a:p>
@@ -5390,10 +6453,14 @@
                     <a:bodyPr/>
                     <a:lstStyle/>
                     <a:p>
-                      <a:pPr algn="r">
-                        <a:defRPr sz="1600"/>
-                      </a:pPr>
+                      <a:pPr algn="r"/>
                       <a:r>
+                        <a:rPr sz="1600" b="0">
+                          <a:solidFill>
+                            <a:srgbClr val="464646"/>
+                          </a:solidFill>
+                          <a:latin typeface="Vazirmatn"/>
+                        </a:rPr>
                         <a:t>RCT دوگروهی؛ پیگیری تا 4 سال</a:t>
                       </a:r>
                     </a:p>
@@ -5405,10 +6472,14 @@
                     <a:bodyPr/>
                     <a:lstStyle/>
                     <a:p>
-                      <a:pPr algn="r">
-                        <a:defRPr sz="1600"/>
-                      </a:pPr>
+                      <a:pPr algn="r"/>
                       <a:r>
+                        <a:rPr sz="1600" b="0">
+                          <a:solidFill>
+                            <a:srgbClr val="464646"/>
+                          </a:solidFill>
+                          <a:latin typeface="Vazirmatn"/>
+                        </a:rPr>
                         <a:t>HbA1c کاهش بیشتر؛ تأخیر معنی‌دار در شروع دارو؛ کاهش وزن</a:t>
                       </a:r>
                     </a:p>
@@ -5420,10 +6491,14 @@
                     <a:bodyPr/>
                     <a:lstStyle/>
                     <a:p>
-                      <a:pPr algn="r">
-                        <a:defRPr sz="1600"/>
-                      </a:pPr>
+                      <a:pPr algn="r"/>
                       <a:r>
+                        <a:rPr sz="1600" b="0">
+                          <a:solidFill>
+                            <a:srgbClr val="464646"/>
+                          </a:solidFill>
+                          <a:latin typeface="Vazirmatn"/>
+                        </a:rPr>
                         <a:t>بهبود کنترل گلیسمی و کاهش نیاز دارو در T2D</a:t>
                       </a:r>
                     </a:p>
@@ -5435,10 +6510,14 @@
                     <a:bodyPr/>
                     <a:lstStyle/>
                     <a:p>
-                      <a:pPr algn="r">
-                        <a:defRPr sz="1600"/>
-                      </a:pPr>
+                      <a:pPr algn="r"/>
                       <a:r>
+                        <a:rPr sz="1600" b="0">
+                          <a:solidFill>
+                            <a:srgbClr val="464646"/>
+                          </a:solidFill>
+                          <a:latin typeface="Vazirmatn"/>
+                        </a:rPr>
                         <a:t>تک‌مرکزی؛ پایبندی خودگزارشی</a:t>
                       </a:r>
                     </a:p>
@@ -5446,16 +6525,20 @@
                   <a:tcPr/>
                 </a:tc>
               </a:tr>
-              <a:tr h="1737360">
+              <a:tr h="1767840">
                 <a:tc>
                   <a:txBody>
                     <a:bodyPr/>
                     <a:lstStyle/>
                     <a:p>
-                      <a:pPr algn="r">
-                        <a:defRPr sz="1600"/>
-                      </a:pPr>
+                      <a:pPr algn="r"/>
                       <a:r>
+                        <a:rPr sz="1600" b="0">
+                          <a:solidFill>
+                            <a:srgbClr val="464646"/>
+                          </a:solidFill>
+                          <a:latin typeface="Vazirmatn"/>
+                        </a:rPr>
                         <a:t>Shai et al., 2008, NEJM (DIRECT)</a:t>
                       </a:r>
                     </a:p>
@@ -5467,10 +6550,14 @@
                     <a:bodyPr/>
                     <a:lstStyle/>
                     <a:p>
-                      <a:pPr algn="r">
-                        <a:defRPr sz="1600"/>
-                      </a:pPr>
+                      <a:pPr algn="r"/>
                       <a:r>
+                        <a:rPr sz="1600" b="0">
+                          <a:solidFill>
+                            <a:srgbClr val="464646"/>
+                          </a:solidFill>
+                          <a:latin typeface="Vazirmatn"/>
+                        </a:rPr>
                         <a:t>RCT سه‌گروهی</a:t>
                       </a:r>
                     </a:p>
@@ -5482,10 +6569,14 @@
                     <a:bodyPr/>
                     <a:lstStyle/>
                     <a:p>
-                      <a:pPr algn="r">
-                        <a:defRPr sz="1600"/>
-                      </a:pPr>
+                      <a:pPr algn="r"/>
                       <a:r>
+                        <a:rPr sz="1600" b="0">
+                          <a:solidFill>
+                            <a:srgbClr val="464646"/>
+                          </a:solidFill>
+                          <a:latin typeface="Vazirmatn"/>
+                        </a:rPr>
                         <a:t>افراد دارای اضافه‌وزن؛ زیرگروه مبتلایان T2D</a:t>
                       </a:r>
                     </a:p>
@@ -5497,11 +6588,15 @@
                     <a:bodyPr/>
                     <a:lstStyle/>
                     <a:p>
-                      <a:pPr algn="r">
-                        <a:defRPr sz="1600"/>
-                      </a:pPr>
+                      <a:pPr algn="r"/>
                       <a:r>
-                        <a:t>مقایسه رژیم‌های کم‌چرب/مدیترانه‌ای/کم‌کربوهیدرات</a:t>
+                        <a:rPr sz="1600" b="0">
+                          <a:solidFill>
+                            <a:srgbClr val="464646"/>
+                          </a:solidFill>
+                          <a:latin typeface="Vazirmatn"/>
+                        </a:rPr>
+                        <a:t>مقایسه کم‌چرب/مدیترانه‌ای/کم‌کربوهیدرات</a:t>
                       </a:r>
                     </a:p>
                   </a:txBody>
@@ -5512,11 +6607,15 @@
                     <a:bodyPr/>
                     <a:lstStyle/>
                     <a:p>
-                      <a:pPr algn="r">
-                        <a:defRPr sz="1600"/>
-                      </a:pPr>
+                      <a:pPr algn="r"/>
                       <a:r>
-                        <a:t>24 ماه؛ مداخله ساختاریافته محیط کاری</a:t>
+                        <a:rPr sz="1600" b="0">
+                          <a:solidFill>
+                            <a:srgbClr val="464646"/>
+                          </a:solidFill>
+                          <a:latin typeface="Vazirmatn"/>
+                        </a:rPr>
+                        <a:t>24 ماه؛ محیط کاری</a:t>
                       </a:r>
                     </a:p>
                   </a:txBody>
@@ -5527,10 +6626,14 @@
                     <a:bodyPr/>
                     <a:lstStyle/>
                     <a:p>
-                      <a:pPr algn="r">
-                        <a:defRPr sz="1600"/>
-                      </a:pPr>
+                      <a:pPr algn="r"/>
                       <a:r>
+                        <a:rPr sz="1600" b="0">
+                          <a:solidFill>
+                            <a:srgbClr val="464646"/>
+                          </a:solidFill>
+                          <a:latin typeface="Vazirmatn"/>
+                        </a:rPr>
                         <a:t>در زیرگروه T2D، HbA1c و لیپیدها در مدیترانه‌ای بهتر از کم‌چرب</a:t>
                       </a:r>
                     </a:p>
@@ -5542,10 +6645,14 @@
                     <a:bodyPr/>
                     <a:lstStyle/>
                     <a:p>
-                      <a:pPr algn="r">
-                        <a:defRPr sz="1600"/>
-                      </a:pPr>
+                      <a:pPr algn="r"/>
                       <a:r>
+                        <a:rPr sz="1600" b="0">
+                          <a:solidFill>
+                            <a:srgbClr val="464646"/>
+                          </a:solidFill>
+                          <a:latin typeface="Vazirmatn"/>
+                        </a:rPr>
                         <a:t>مزیت مدیترانه‌ای در کنترل قند و پروفایل لیپیدی</a:t>
                       </a:r>
                     </a:p>
@@ -5557,10 +6664,14 @@
                     <a:bodyPr/>
                     <a:lstStyle/>
                     <a:p>
-                      <a:pPr algn="r">
-                        <a:defRPr sz="1600"/>
-                      </a:pPr>
+                      <a:pPr algn="r"/>
                       <a:r>
+                        <a:rPr sz="1600" b="0">
+                          <a:solidFill>
+                            <a:srgbClr val="464646"/>
+                          </a:solidFill>
+                          <a:latin typeface="Vazirmatn"/>
+                        </a:rPr>
                         <a:t>تحلیل زیرگروه؛ تعمیم‌پذیری محدود</a:t>
                       </a:r>
                     </a:p>
@@ -5572,6 +6683,52 @@
           </a:graphicData>
         </a:graphic>
       </p:graphicFrame>
+      <p:sp>
+        <p:nvSpPr>
+          <p:cNvPr id="4" name="Rectangle 3"/>
+          <p:cNvSpPr/>
+          <p:nvPr/>
+        </p:nvSpPr>
+        <p:spPr>
+          <a:xfrm>
+            <a:off x="0" y="0"/>
+            <a:ext cx="12188952" cy="137160"/>
+          </a:xfrm>
+          <a:prstGeom prst="rect">
+            <a:avLst/>
+          </a:prstGeom>
+          <a:solidFill>
+            <a:srgbClr val="789E49"/>
+          </a:solidFill>
+          <a:ln>
+            <a:solidFill>
+              <a:srgbClr val="789E49"/>
+            </a:solidFill>
+          </a:ln>
+          <a:effectLst/>
+        </p:spPr>
+        <p:style>
+          <a:lnRef idx="1">
+            <a:schemeClr val="accent1"/>
+          </a:lnRef>
+          <a:fillRef idx="3">
+            <a:schemeClr val="accent1"/>
+          </a:fillRef>
+          <a:effectRef idx="2">
+            <a:schemeClr val="accent1"/>
+          </a:effectRef>
+          <a:fontRef idx="minor">
+            <a:schemeClr val="lt1"/>
+          </a:fontRef>
+        </p:style>
+        <p:txBody>
+          <a:bodyPr rtlCol="0" anchor="ctr"/>
+          <a:lstStyle/>
+          <a:p>
+            <a:pPr algn="ctr"/>
+          </a:p>
+        </p:txBody>
+      </p:sp>
     </p:spTree>
   </p:cSld>
   <p:clrMapOvr>
@@ -5592,31 +6749,14 @@
       <p:grpSpPr/>
       <p:sp>
         <p:nvSpPr>
-          <p:cNvPr id="2" name="Title 1"/>
-          <p:cNvSpPr>
-            <a:spLocks noGrp="1"/>
-          </p:cNvSpPr>
-          <p:nvPr>
-            <p:ph type="title"/>
-          </p:nvPr>
-        </p:nvSpPr>
-        <p:spPr/>
-        <p:txBody>
-          <a:bodyPr/>
-          <a:lstStyle/>
-          <a:p/>
-        </p:txBody>
-      </p:sp>
-      <p:sp>
-        <p:nvSpPr>
-          <p:cNvPr id="3" name="TextBox 2"/>
+          <p:cNvPr id="2" name="TextBox 1"/>
           <p:cNvSpPr txBox="1"/>
           <p:nvPr/>
         </p:nvSpPr>
         <p:spPr>
           <a:xfrm>
-            <a:off x="640080" y="548640"/>
-            <a:ext cx="10972800" cy="822960"/>
+            <a:off x="548640" y="457200"/>
+            <a:ext cx="11155680" cy="822960"/>
           </a:xfrm>
           <a:prstGeom prst="rect">
             <a:avLst/>
@@ -5629,14 +6769,14 @@
           </a:bodyPr>
           <a:lstStyle/>
           <a:p>
-            <a:pPr algn="r">
-              <a:defRPr sz="3000" b="1">
+            <a:pPr algn="r"/>
+            <a:r>
+              <a:rPr sz="3000" b="1">
                 <a:solidFill>
                   <a:srgbClr val="1E4C78"/>
                 </a:solidFill>
-              </a:defRPr>
-            </a:pPr>
-            <a:r>
+                <a:latin typeface="Vazirmatn"/>
+              </a:rPr>
               <a:t>جدول مقالات - بخش 2</a:t>
             </a:r>
           </a:p>
@@ -5644,15 +6784,15 @@
       </p:sp>
       <p:graphicFrame>
         <p:nvGraphicFramePr>
-          <p:cNvPr id="4" name="Table 3"/>
+          <p:cNvPr id="3" name="Table 2"/>
           <p:cNvGraphicFramePr>
             <a:graphicFrameLocks noGrp="1"/>
           </p:cNvGraphicFramePr>
           <p:nvPr/>
         </p:nvGraphicFramePr>
         <p:xfrm>
-          <a:off x="365760" y="1280160"/>
-          <a:ext cx="11430000" cy="5212080"/>
+          <a:off x="274320" y="1188720"/>
+          <a:ext cx="11612880" cy="5303520"/>
         </p:xfrm>
         <a:graphic>
           <a:graphicData uri="http://schemas.openxmlformats.org/drawingml/2006/table">
@@ -5661,25 +6801,29 @@
                 <a:tableStyleId>{5C22544A-7EE6-4342-B048-85BDC9FD1C3A}</a:tableStyleId>
               </a:tblPr>
               <a:tblGrid>
-                <a:gridCol w="1428750"/>
-                <a:gridCol w="1428750"/>
-                <a:gridCol w="1428750"/>
-                <a:gridCol w="1428750"/>
-                <a:gridCol w="1428750"/>
-                <a:gridCol w="1428750"/>
-                <a:gridCol w="1428750"/>
-                <a:gridCol w="1428750"/>
+                <a:gridCol w="1451610"/>
+                <a:gridCol w="1451610"/>
+                <a:gridCol w="1451610"/>
+                <a:gridCol w="1451610"/>
+                <a:gridCol w="1451610"/>
+                <a:gridCol w="1451610"/>
+                <a:gridCol w="1451610"/>
+                <a:gridCol w="1451610"/>
               </a:tblGrid>
-              <a:tr h="1737360">
+              <a:tr h="1767840">
                 <a:tc>
                   <a:txBody>
                     <a:bodyPr/>
                     <a:lstStyle/>
                     <a:p>
-                      <a:pPr algn="r">
-                        <a:defRPr b="1" sz="1800"/>
-                      </a:pPr>
+                      <a:pPr algn="r"/>
                       <a:r>
+                        <a:rPr sz="1800" b="1">
+                          <a:solidFill>
+                            <a:srgbClr val="FFFFFF"/>
+                          </a:solidFill>
+                          <a:latin typeface="Vazirmatn"/>
+                        </a:rPr>
                         <a:t>عنوان مقاله</a:t>
                       </a:r>
                     </a:p>
@@ -5695,10 +6839,14 @@
                     <a:bodyPr/>
                     <a:lstStyle/>
                     <a:p>
-                      <a:pPr algn="r">
-                        <a:defRPr b="1" sz="1800"/>
-                      </a:pPr>
+                      <a:pPr algn="r"/>
                       <a:r>
+                        <a:rPr sz="1800" b="1">
+                          <a:solidFill>
+                            <a:srgbClr val="FFFFFF"/>
+                          </a:solidFill>
+                          <a:latin typeface="Vazirmatn"/>
+                        </a:rPr>
                         <a:t>نوع مطالعه/مدل</a:t>
                       </a:r>
                     </a:p>
@@ -5714,10 +6862,14 @@
                     <a:bodyPr/>
                     <a:lstStyle/>
                     <a:p>
-                      <a:pPr algn="r">
-                        <a:defRPr b="1" sz="1800"/>
-                      </a:pPr>
+                      <a:pPr algn="r"/>
                       <a:r>
+                        <a:rPr sz="1800" b="1">
+                          <a:solidFill>
+                            <a:srgbClr val="FFFFFF"/>
+                          </a:solidFill>
+                          <a:latin typeface="Vazirmatn"/>
+                        </a:rPr>
                         <a:t>جمعیت/نمونه</a:t>
                       </a:r>
                     </a:p>
@@ -5733,10 +6885,14 @@
                     <a:bodyPr/>
                     <a:lstStyle/>
                     <a:p>
-                      <a:pPr algn="r">
-                        <a:defRPr b="1" sz="1800"/>
-                      </a:pPr>
+                      <a:pPr algn="r"/>
                       <a:r>
+                        <a:rPr sz="1800" b="1">
+                          <a:solidFill>
+                            <a:srgbClr val="FFFFFF"/>
+                          </a:solidFill>
+                          <a:latin typeface="Vazirmatn"/>
+                        </a:rPr>
                         <a:t>هدف مطالعه</a:t>
                       </a:r>
                     </a:p>
@@ -5752,10 +6908,14 @@
                     <a:bodyPr/>
                     <a:lstStyle/>
                     <a:p>
-                      <a:pPr algn="r">
-                        <a:defRPr b="1" sz="1800"/>
-                      </a:pPr>
+                      <a:pPr algn="r"/>
                       <a:r>
+                        <a:rPr sz="1800" b="1">
+                          <a:solidFill>
+                            <a:srgbClr val="FFFFFF"/>
+                          </a:solidFill>
+                          <a:latin typeface="Vazirmatn"/>
+                        </a:rPr>
                         <a:t>روش‌ها/طراحی</a:t>
                       </a:r>
                     </a:p>
@@ -5771,10 +6931,14 @@
                     <a:bodyPr/>
                     <a:lstStyle/>
                     <a:p>
-                      <a:pPr algn="r">
-                        <a:defRPr b="1" sz="1800"/>
-                      </a:pPr>
+                      <a:pPr algn="r"/>
                       <a:r>
+                        <a:rPr sz="1800" b="1">
+                          <a:solidFill>
+                            <a:srgbClr val="FFFFFF"/>
+                          </a:solidFill>
+                          <a:latin typeface="Vazirmatn"/>
+                        </a:rPr>
                         <a:t>نتایج کلیدی</a:t>
                       </a:r>
                     </a:p>
@@ -5790,10 +6954,14 @@
                     <a:bodyPr/>
                     <a:lstStyle/>
                     <a:p>
-                      <a:pPr algn="r">
-                        <a:defRPr b="1" sz="1800"/>
-                      </a:pPr>
+                      <a:pPr algn="r"/>
                       <a:r>
+                        <a:rPr sz="1800" b="1">
+                          <a:solidFill>
+                            <a:srgbClr val="FFFFFF"/>
+                          </a:solidFill>
+                          <a:latin typeface="Vazirmatn"/>
+                        </a:rPr>
                         <a:t>نتیجه‌گیری مرتبط با T2D</a:t>
                       </a:r>
                     </a:p>
@@ -5809,10 +6977,14 @@
                     <a:bodyPr/>
                     <a:lstStyle/>
                     <a:p>
-                      <a:pPr algn="r">
-                        <a:defRPr b="1" sz="1800"/>
-                      </a:pPr>
+                      <a:pPr algn="r"/>
                       <a:r>
+                        <a:rPr sz="1800" b="1">
+                          <a:solidFill>
+                            <a:srgbClr val="FFFFFF"/>
+                          </a:solidFill>
+                          <a:latin typeface="Vazirmatn"/>
+                        </a:rPr>
                         <a:t>محدودیت‌ها/نکات مهم</a:t>
                       </a:r>
                     </a:p>
@@ -5824,16 +6996,20 @@
                   </a:tcPr>
                 </a:tc>
               </a:tr>
-              <a:tr h="1737360">
+              <a:tr h="1767840">
                 <a:tc>
                   <a:txBody>
                     <a:bodyPr/>
                     <a:lstStyle/>
                     <a:p>
-                      <a:pPr algn="r">
-                        <a:defRPr sz="1600"/>
-                      </a:pPr>
+                      <a:pPr algn="r"/>
                       <a:r>
+                        <a:rPr sz="1600" b="0">
+                          <a:solidFill>
+                            <a:srgbClr val="464646"/>
+                          </a:solidFill>
+                          <a:latin typeface="Vazirmatn"/>
+                        </a:rPr>
                         <a:t>Salas-Salvadó et al., 2011, Diabetes Care (PREDIMED-Reus)</a:t>
                       </a:r>
                     </a:p>
@@ -5845,10 +7021,14 @@
                     <a:bodyPr/>
                     <a:lstStyle/>
                     <a:p>
-                      <a:pPr algn="r">
-                        <a:defRPr sz="1600"/>
-                      </a:pPr>
+                      <a:pPr algn="r"/>
                       <a:r>
+                        <a:rPr sz="1600" b="0">
+                          <a:solidFill>
+                            <a:srgbClr val="464646"/>
+                          </a:solidFill>
+                          <a:latin typeface="Vazirmatn"/>
+                        </a:rPr>
                         <a:t>RCT پیشگیری</a:t>
                       </a:r>
                     </a:p>
@@ -5860,10 +7040,14 @@
                     <a:bodyPr/>
                     <a:lstStyle/>
                     <a:p>
-                      <a:pPr algn="r">
-                        <a:defRPr sz="1600"/>
-                      </a:pPr>
+                      <a:pPr algn="r"/>
                       <a:r>
+                        <a:rPr sz="1600" b="0">
+                          <a:solidFill>
+                            <a:srgbClr val="464646"/>
+                          </a:solidFill>
+                          <a:latin typeface="Vazirmatn"/>
+                        </a:rPr>
                         <a:t>افراد پرخطر غیر دیابتی؛ n≈418</a:t>
                       </a:r>
                     </a:p>
@@ -5875,10 +7059,14 @@
                     <a:bodyPr/>
                     <a:lstStyle/>
                     <a:p>
-                      <a:pPr algn="r">
-                        <a:defRPr sz="1600"/>
-                      </a:pPr>
+                      <a:pPr algn="r"/>
                       <a:r>
+                        <a:rPr sz="1600" b="0">
+                          <a:solidFill>
+                            <a:srgbClr val="464646"/>
+                          </a:solidFill>
+                          <a:latin typeface="Vazirmatn"/>
+                        </a:rPr>
                         <a:t>اثر رژیم مدیترانه‌ای بر بروز T2D</a:t>
                       </a:r>
                     </a:p>
@@ -5890,11 +7078,15 @@
                     <a:bodyPr/>
                     <a:lstStyle/>
                     <a:p>
-                      <a:pPr algn="r">
-                        <a:defRPr sz="1600"/>
-                      </a:pPr>
+                      <a:pPr algn="r"/>
                       <a:r>
-                        <a:t>گروه‌های با روغن زیتون/مغزدانه؛ پیگیری ≈4 سال</a:t>
+                        <a:rPr sz="1600" b="0">
+                          <a:solidFill>
+                            <a:srgbClr val="464646"/>
+                          </a:solidFill>
+                          <a:latin typeface="Vazirmatn"/>
+                        </a:rPr>
+                        <a:t>گروه‌های با روغن زیتون/مغزدانه؛ ≈4 سال</a:t>
                       </a:r>
                     </a:p>
                   </a:txBody>
@@ -5905,10 +7097,14 @@
                     <a:bodyPr/>
                     <a:lstStyle/>
                     <a:p>
-                      <a:pPr algn="r">
-                        <a:defRPr sz="1600"/>
-                      </a:pPr>
+                      <a:pPr algn="r"/>
                       <a:r>
+                        <a:rPr sz="1600" b="0">
+                          <a:solidFill>
+                            <a:srgbClr val="464646"/>
+                          </a:solidFill>
+                          <a:latin typeface="Vazirmatn"/>
+                        </a:rPr>
                         <a:t>کاهش ≈52% در بروز T2D نسبت به کنترل</a:t>
                       </a:r>
                     </a:p>
@@ -5920,10 +7116,14 @@
                     <a:bodyPr/>
                     <a:lstStyle/>
                     <a:p>
-                      <a:pPr algn="r">
-                        <a:defRPr sz="1600"/>
-                      </a:pPr>
+                      <a:pPr algn="r"/>
                       <a:r>
+                        <a:rPr sz="1600" b="0">
+                          <a:solidFill>
+                            <a:srgbClr val="464646"/>
+                          </a:solidFill>
+                          <a:latin typeface="Vazirmatn"/>
+                        </a:rPr>
                         <a:t>کاهش معنی‌دار ریسک بروز T2D</a:t>
                       </a:r>
                     </a:p>
@@ -5935,10 +7135,14 @@
                     <a:bodyPr/>
                     <a:lstStyle/>
                     <a:p>
-                      <a:pPr algn="r">
-                        <a:defRPr sz="1600"/>
-                      </a:pPr>
+                      <a:pPr algn="r"/>
                       <a:r>
+                        <a:rPr sz="1600" b="0">
+                          <a:solidFill>
+                            <a:srgbClr val="464646"/>
+                          </a:solidFill>
+                          <a:latin typeface="Vazirmatn"/>
+                        </a:rPr>
                         <a:t>زیرمطالعه؛ عوامل سبک زندگی</a:t>
                       </a:r>
                     </a:p>
@@ -5946,16 +7150,20 @@
                   <a:tcPr/>
                 </a:tc>
               </a:tr>
-              <a:tr h="1737360">
+              <a:tr h="1767840">
                 <a:tc>
                   <a:txBody>
                     <a:bodyPr/>
                     <a:lstStyle/>
                     <a:p>
-                      <a:pPr algn="r">
-                        <a:defRPr sz="1600"/>
-                      </a:pPr>
+                      <a:pPr algn="r"/>
                       <a:r>
+                        <a:rPr sz="1600" b="0">
+                          <a:solidFill>
+                            <a:srgbClr val="464646"/>
+                          </a:solidFill>
+                          <a:latin typeface="Vazirmatn"/>
+                        </a:rPr>
                         <a:t>Ajala et al., 2013, Am J Clin Nutr (Meta-analysis)</a:t>
                       </a:r>
                     </a:p>
@@ -5967,10 +7175,14 @@
                     <a:bodyPr/>
                     <a:lstStyle/>
                     <a:p>
-                      <a:pPr algn="r">
-                        <a:defRPr sz="1600"/>
-                      </a:pPr>
+                      <a:pPr algn="r"/>
                       <a:r>
+                        <a:rPr sz="1600" b="0">
+                          <a:solidFill>
+                            <a:srgbClr val="464646"/>
+                          </a:solidFill>
+                          <a:latin typeface="Vazirmatn"/>
+                        </a:rPr>
                         <a:t>مرور نظام‌مند و متاآنالیز</a:t>
                       </a:r>
                     </a:p>
@@ -5982,10 +7194,14 @@
                     <a:bodyPr/>
                     <a:lstStyle/>
                     <a:p>
-                      <a:pPr algn="r">
-                        <a:defRPr sz="1600"/>
-                      </a:pPr>
+                      <a:pPr algn="r"/>
                       <a:r>
+                        <a:rPr sz="1600" b="0">
+                          <a:solidFill>
+                            <a:srgbClr val="464646"/>
+                          </a:solidFill>
+                          <a:latin typeface="Vazirmatn"/>
+                        </a:rPr>
                         <a:t>بزرگسالان مبتلا به T2D در RCTها</a:t>
                       </a:r>
                     </a:p>
@@ -5997,11 +7213,15 @@
                     <a:bodyPr/>
                     <a:lstStyle/>
                     <a:p>
-                      <a:pPr algn="r">
-                        <a:defRPr sz="1600"/>
-                      </a:pPr>
+                      <a:pPr algn="r"/>
                       <a:r>
-                        <a:t>مقایسه رویکردهای رژیمی بر HbA1c/وزن/لیپید</a:t>
+                        <a:rPr sz="1600" b="0">
+                          <a:solidFill>
+                            <a:srgbClr val="464646"/>
+                          </a:solidFill>
+                          <a:latin typeface="Vazirmatn"/>
+                        </a:rPr>
+                        <a:t>مقایسه رژیم‌ها بر HbA1c/وزن/لیپید</a:t>
                       </a:r>
                     </a:p>
                   </a:txBody>
@@ -6012,10 +7232,14 @@
                     <a:bodyPr/>
                     <a:lstStyle/>
                     <a:p>
-                      <a:pPr algn="r">
-                        <a:defRPr sz="1600"/>
-                      </a:pPr>
+                      <a:pPr algn="r"/>
                       <a:r>
+                        <a:rPr sz="1600" b="0">
+                          <a:solidFill>
+                            <a:srgbClr val="464646"/>
+                          </a:solidFill>
+                          <a:latin typeface="Vazirmatn"/>
+                        </a:rPr>
                         <a:t>ترکیب نتایج چند مطالعه</a:t>
                       </a:r>
                     </a:p>
@@ -6027,10 +7251,14 @@
                     <a:bodyPr/>
                     <a:lstStyle/>
                     <a:p>
-                      <a:pPr algn="r">
-                        <a:defRPr sz="1600"/>
-                      </a:pPr>
+                      <a:pPr algn="r"/>
                       <a:r>
+                        <a:rPr sz="1600" b="0">
+                          <a:solidFill>
+                            <a:srgbClr val="464646"/>
+                          </a:solidFill>
+                          <a:latin typeface="Vazirmatn"/>
+                        </a:rPr>
                         <a:t>بیشترین کاهش HbA1c و بهبود وزن در مدیترانه‌ای</a:t>
                       </a:r>
                     </a:p>
@@ -6042,11 +7270,15 @@
                     <a:bodyPr/>
                     <a:lstStyle/>
                     <a:p>
-                      <a:pPr algn="r">
-                        <a:defRPr sz="1600"/>
-                      </a:pPr>
+                      <a:pPr algn="r"/>
                       <a:r>
-                        <a:t>برتری کلی مدیترانه‌ای در مدیریت T2D</a:t>
+                        <a:rPr sz="1600" b="0">
+                          <a:solidFill>
+                            <a:srgbClr val="464646"/>
+                          </a:solidFill>
+                          <a:latin typeface="Vazirmatn"/>
+                        </a:rPr>
+                        <a:t>برتری کلی در مدیریت T2D</a:t>
                       </a:r>
                     </a:p>
                   </a:txBody>
@@ -6057,11 +7289,15 @@
                     <a:bodyPr/>
                     <a:lstStyle/>
                     <a:p>
-                      <a:pPr algn="r">
-                        <a:defRPr sz="1600"/>
-                      </a:pPr>
+                      <a:pPr algn="r"/>
                       <a:r>
-                        <a:t>ناهمگنی مطالعات و تفاوت مداخلات</a:t>
+                        <a:rPr sz="1600" b="0">
+                          <a:solidFill>
+                            <a:srgbClr val="464646"/>
+                          </a:solidFill>
+                          <a:latin typeface="Vazirmatn"/>
+                        </a:rPr>
+                        <a:t>ناهمگنی و تفاوت مداخلات</a:t>
                       </a:r>
                     </a:p>
                   </a:txBody>
@@ -6072,6 +7308,52 @@
           </a:graphicData>
         </a:graphic>
       </p:graphicFrame>
+      <p:sp>
+        <p:nvSpPr>
+          <p:cNvPr id="4" name="Rectangle 3"/>
+          <p:cNvSpPr/>
+          <p:nvPr/>
+        </p:nvSpPr>
+        <p:spPr>
+          <a:xfrm>
+            <a:off x="0" y="0"/>
+            <a:ext cx="12188952" cy="137160"/>
+          </a:xfrm>
+          <a:prstGeom prst="rect">
+            <a:avLst/>
+          </a:prstGeom>
+          <a:solidFill>
+            <a:srgbClr val="789E49"/>
+          </a:solidFill>
+          <a:ln>
+            <a:solidFill>
+              <a:srgbClr val="789E49"/>
+            </a:solidFill>
+          </a:ln>
+          <a:effectLst/>
+        </p:spPr>
+        <p:style>
+          <a:lnRef idx="1">
+            <a:schemeClr val="accent1"/>
+          </a:lnRef>
+          <a:fillRef idx="3">
+            <a:schemeClr val="accent1"/>
+          </a:fillRef>
+          <a:effectRef idx="2">
+            <a:schemeClr val="accent1"/>
+          </a:effectRef>
+          <a:fontRef idx="minor">
+            <a:schemeClr val="lt1"/>
+          </a:fontRef>
+        </p:style>
+        <p:txBody>
+          <a:bodyPr rtlCol="0" anchor="ctr"/>
+          <a:lstStyle/>
+          <a:p>
+            <a:pPr algn="ctr"/>
+          </a:p>
+        </p:txBody>
+      </p:sp>
     </p:spTree>
   </p:cSld>
   <p:clrMapOvr>
@@ -6092,19 +7374,37 @@
       <p:grpSpPr/>
       <p:sp>
         <p:nvSpPr>
-          <p:cNvPr id="2" name="Title 1"/>
-          <p:cNvSpPr>
-            <a:spLocks noGrp="1"/>
-          </p:cNvSpPr>
-          <p:nvPr>
-            <p:ph type="title"/>
-          </p:nvPr>
-        </p:nvSpPr>
-        <p:spPr/>
-        <p:txBody>
-          <a:bodyPr/>
-          <a:lstStyle/>
-          <a:p/>
+          <p:cNvPr id="2" name="TextBox 1"/>
+          <p:cNvSpPr txBox="1"/>
+          <p:nvPr/>
+        </p:nvSpPr>
+        <p:spPr>
+          <a:xfrm>
+            <a:off x="548640" y="457200"/>
+            <a:ext cx="11155680" cy="822960"/>
+          </a:xfrm>
+          <a:prstGeom prst="rect">
+            <a:avLst/>
+          </a:prstGeom>
+          <a:noFill/>
+        </p:spPr>
+        <p:txBody>
+          <a:bodyPr wrap="none">
+            <a:spAutoFit/>
+          </a:bodyPr>
+          <a:lstStyle/>
+          <a:p>
+            <a:pPr algn="r"/>
+            <a:r>
+              <a:rPr sz="3000" b="1">
+                <a:solidFill>
+                  <a:srgbClr val="1E4C78"/>
+                </a:solidFill>
+                <a:latin typeface="Vazirmatn"/>
+              </a:rPr>
+              <a:t>نتیجه‌گیری کلی از مطالعات</a:t>
+            </a:r>
+          </a:p>
         </p:txBody>
       </p:sp>
       <p:sp>
@@ -6115,8 +7415,8 @@
         </p:nvSpPr>
         <p:spPr>
           <a:xfrm>
-            <a:off x="640080" y="548640"/>
-            <a:ext cx="10972800" cy="822960"/>
+            <a:off x="548640" y="1371600"/>
+            <a:ext cx="11155680" cy="5120640"/>
           </a:xfrm>
           <a:prstGeom prst="rect">
             <a:avLst/>
@@ -6129,71 +7429,98 @@
           </a:bodyPr>
           <a:lstStyle/>
           <a:p>
-            <a:pPr algn="r">
-              <a:defRPr sz="3000" b="1">
-                <a:solidFill>
-                  <a:srgbClr val="1E4C78"/>
-                </a:solidFill>
-              </a:defRPr>
-            </a:pPr>
-            <a:r>
-              <a:t>نتیجه‌گیری کلی از مطالعات</a:t>
-            </a:r>
-          </a:p>
-        </p:txBody>
-      </p:sp>
-      <p:sp>
-        <p:nvSpPr>
-          <p:cNvPr id="4" name="TextBox 3"/>
-          <p:cNvSpPr txBox="1"/>
+            <a:pPr algn="r"/>
+            <a:r>
+              <a:rPr sz="2400" b="0">
+                <a:solidFill>
+                  <a:srgbClr val="464646"/>
+                </a:solidFill>
+                <a:latin typeface="Vazirmatn"/>
+              </a:rPr>
+              <a:t>در مبتلایان: HbA1c ↓، حساسیت انسولین ↑، نیاز به دارو ↓، ریسک CVD ↓</a:t>
+            </a:r>
+          </a:p>
+          <a:p>
+            <a:pPr algn="r"/>
+            <a:r>
+              <a:rPr sz="2400" b="0">
+                <a:solidFill>
+                  <a:srgbClr val="464646"/>
+                </a:solidFill>
+                <a:latin typeface="Vazirmatn"/>
+              </a:rPr>
+              <a:t>در پیشگیری: کاهش معنی‌دار خطر بروز T2D در جمعیت‌های پرخطر</a:t>
+            </a:r>
+          </a:p>
+          <a:p>
+            <a:pPr algn="r"/>
+            <a:r>
+              <a:rPr sz="2400" b="0">
+                <a:solidFill>
+                  <a:srgbClr val="464646"/>
+                </a:solidFill>
+                <a:latin typeface="Vazirmatn"/>
+              </a:rPr>
+              <a:t>هم‌سویی مکانیسم‌های زیستی (التهاب، میکروبیوم، میتوکندری) با نتایج بالینی</a:t>
+            </a:r>
+          </a:p>
+          <a:p>
+            <a:pPr algn="r"/>
+            <a:r>
+              <a:rPr sz="2400" b="0">
+                <a:solidFill>
+                  <a:srgbClr val="464646"/>
+                </a:solidFill>
+                <a:latin typeface="Vazirmatn"/>
+              </a:rPr>
+              <a:t>قابلیت اجرا و پذیرش مناسب در دنیای واقعی</a:t>
+            </a:r>
+          </a:p>
+        </p:txBody>
+      </p:sp>
+      <p:sp>
+        <p:nvSpPr>
+          <p:cNvPr id="4" name="Rectangle 3"/>
+          <p:cNvSpPr/>
           <p:nvPr/>
         </p:nvSpPr>
         <p:spPr>
           <a:xfrm>
-            <a:off x="640080" y="1463040"/>
-            <a:ext cx="10972800" cy="4937760"/>
-          </a:xfrm>
-          <a:prstGeom prst="rect">
-            <a:avLst/>
-          </a:prstGeom>
-          <a:noFill/>
-        </p:spPr>
-        <p:txBody>
-          <a:bodyPr wrap="none">
-            <a:spAutoFit/>
-          </a:bodyPr>
-          <a:lstStyle/>
-          <a:p>
-            <a:pPr algn="r">
-              <a:defRPr sz="2400"/>
-            </a:pPr>
-            <a:r>
-              <a:t>در مبتلایان: HbA1c ↓، حساسیت انسولین ↑، نیاز به دارو ↓، ریسک CVD ↓</a:t>
-            </a:r>
-          </a:p>
-          <a:p>
-            <a:pPr algn="r">
-              <a:defRPr sz="2400"/>
-            </a:pPr>
-            <a:r>
-              <a:t>در پیشگیری: کاهش معنی‌دار خطر بروز T2D در جمعیت‌های پرخطر</a:t>
-            </a:r>
-          </a:p>
-          <a:p>
-            <a:pPr algn="r">
-              <a:defRPr sz="2400"/>
-            </a:pPr>
-            <a:r>
-              <a:t>هم‌سویی مکانیسم‌های زیستی با نتایج بالینی</a:t>
-            </a:r>
-          </a:p>
-          <a:p>
-            <a:pPr algn="r">
-              <a:defRPr sz="2400"/>
-            </a:pPr>
-            <a:r>
-              <a:t>قابلیت اجرا و پذیرش مناسب</a:t>
-            </a:r>
+            <a:off x="0" y="0"/>
+            <a:ext cx="12188952" cy="137160"/>
+          </a:xfrm>
+          <a:prstGeom prst="rect">
+            <a:avLst/>
+          </a:prstGeom>
+          <a:solidFill>
+            <a:srgbClr val="789E49"/>
+          </a:solidFill>
+          <a:ln>
+            <a:solidFill>
+              <a:srgbClr val="789E49"/>
+            </a:solidFill>
+          </a:ln>
+          <a:effectLst/>
+        </p:spPr>
+        <p:style>
+          <a:lnRef idx="1">
+            <a:schemeClr val="accent1"/>
+          </a:lnRef>
+          <a:fillRef idx="3">
+            <a:schemeClr val="accent1"/>
+          </a:fillRef>
+          <a:effectRef idx="2">
+            <a:schemeClr val="accent1"/>
+          </a:effectRef>
+          <a:fontRef idx="minor">
+            <a:schemeClr val="lt1"/>
+          </a:fontRef>
+        </p:style>
+        <p:txBody>
+          <a:bodyPr rtlCol="0" anchor="ctr"/>
+          <a:lstStyle/>
+          <a:p>
+            <a:pPr algn="ctr"/>
           </a:p>
         </p:txBody>
       </p:sp>
@@ -6217,19 +7544,37 @@
       <p:grpSpPr/>
       <p:sp>
         <p:nvSpPr>
-          <p:cNvPr id="2" name="Title 1"/>
-          <p:cNvSpPr>
-            <a:spLocks noGrp="1"/>
-          </p:cNvSpPr>
-          <p:nvPr>
-            <p:ph type="title"/>
-          </p:nvPr>
-        </p:nvSpPr>
-        <p:spPr/>
-        <p:txBody>
-          <a:bodyPr/>
-          <a:lstStyle/>
-          <a:p/>
+          <p:cNvPr id="2" name="TextBox 1"/>
+          <p:cNvSpPr txBox="1"/>
+          <p:nvPr/>
+        </p:nvSpPr>
+        <p:spPr>
+          <a:xfrm>
+            <a:off x="548640" y="457200"/>
+            <a:ext cx="11155680" cy="822960"/>
+          </a:xfrm>
+          <a:prstGeom prst="rect">
+            <a:avLst/>
+          </a:prstGeom>
+          <a:noFill/>
+        </p:spPr>
+        <p:txBody>
+          <a:bodyPr wrap="none">
+            <a:spAutoFit/>
+          </a:bodyPr>
+          <a:lstStyle/>
+          <a:p>
+            <a:pPr algn="r"/>
+            <a:r>
+              <a:rPr sz="3000" b="1">
+                <a:solidFill>
+                  <a:srgbClr val="1E4C78"/>
+                </a:solidFill>
+                <a:latin typeface="Vazirmatn"/>
+              </a:rPr>
+              <a:t>پیشنهادات برای تحقیقات آینده</a:t>
+            </a:r>
+          </a:p>
         </p:txBody>
       </p:sp>
       <p:sp>
@@ -6240,8 +7585,8 @@
         </p:nvSpPr>
         <p:spPr>
           <a:xfrm>
-            <a:off x="640080" y="548640"/>
-            <a:ext cx="10972800" cy="822960"/>
+            <a:off x="548640" y="1371600"/>
+            <a:ext cx="11155680" cy="5120640"/>
           </a:xfrm>
           <a:prstGeom prst="rect">
             <a:avLst/>
@@ -6254,71 +7599,98 @@
           </a:bodyPr>
           <a:lstStyle/>
           <a:p>
-            <a:pPr algn="r">
-              <a:defRPr sz="3000" b="1">
-                <a:solidFill>
-                  <a:srgbClr val="1E4C78"/>
-                </a:solidFill>
-              </a:defRPr>
-            </a:pPr>
-            <a:r>
-              <a:t>پیشنهادات برای تحقیقات آینده</a:t>
-            </a:r>
-          </a:p>
-        </p:txBody>
-      </p:sp>
-      <p:sp>
-        <p:nvSpPr>
-          <p:cNvPr id="4" name="TextBox 3"/>
-          <p:cNvSpPr txBox="1"/>
+            <a:pPr algn="r"/>
+            <a:r>
+              <a:rPr sz="2400" b="0">
+                <a:solidFill>
+                  <a:srgbClr val="464646"/>
+                </a:solidFill>
+                <a:latin typeface="Vazirmatn"/>
+              </a:rPr>
+              <a:t>RCTهای سر به سر با GLP-1 RA/SGLT2i + مدیترانه‌ای</a:t>
+            </a:r>
+          </a:p>
+          <a:p>
+            <a:pPr algn="r"/>
+            <a:r>
+              <a:rPr sz="2400" b="0">
+                <a:solidFill>
+                  <a:srgbClr val="464646"/>
+                </a:solidFill>
+                <a:latin typeface="Vazirmatn"/>
+              </a:rPr>
+              <a:t>بیومارکرها: میکروبیوم، متابولومیکس، سیگنالینگ صفراوی</a:t>
+            </a:r>
+          </a:p>
+          <a:p>
+            <a:pPr algn="r"/>
+            <a:r>
+              <a:rPr sz="2400" b="0">
+                <a:solidFill>
+                  <a:srgbClr val="464646"/>
+                </a:solidFill>
+                <a:latin typeface="Vazirmatn"/>
+              </a:rPr>
+              <a:t>پیامدهای عصبی/شناختی در T2D</a:t>
+            </a:r>
+          </a:p>
+          <a:p>
+            <a:pPr algn="r"/>
+            <a:r>
+              <a:rPr sz="2400" b="0">
+                <a:solidFill>
+                  <a:srgbClr val="464646"/>
+                </a:solidFill>
+                <a:latin typeface="Vazirmatn"/>
+              </a:rPr>
+              <a:t>راهبردهای ارتقای پایبندی و بومی‌سازی</a:t>
+            </a:r>
+          </a:p>
+        </p:txBody>
+      </p:sp>
+      <p:sp>
+        <p:nvSpPr>
+          <p:cNvPr id="4" name="Rectangle 3"/>
+          <p:cNvSpPr/>
           <p:nvPr/>
         </p:nvSpPr>
         <p:spPr>
           <a:xfrm>
-            <a:off x="640080" y="1463040"/>
-            <a:ext cx="10972800" cy="4937760"/>
-          </a:xfrm>
-          <a:prstGeom prst="rect">
-            <a:avLst/>
-          </a:prstGeom>
-          <a:noFill/>
-        </p:spPr>
-        <p:txBody>
-          <a:bodyPr wrap="none">
-            <a:spAutoFit/>
-          </a:bodyPr>
-          <a:lstStyle/>
-          <a:p>
-            <a:pPr algn="r">
-              <a:defRPr sz="2400"/>
-            </a:pPr>
-            <a:r>
-              <a:t>RCTهای سر به سر با GLP-1 RA/SGLT2i + مدیترانه‌ای</a:t>
-            </a:r>
-          </a:p>
-          <a:p>
-            <a:pPr algn="r">
-              <a:defRPr sz="2400"/>
-            </a:pPr>
-            <a:r>
-              <a:t>بیومارکرهای مکانیسمی: میکروبیوم، متابولومیکس، سیگنالینگ صفراوی</a:t>
-            </a:r>
-          </a:p>
-          <a:p>
-            <a:pPr algn="r">
-              <a:defRPr sz="2400"/>
-            </a:pPr>
-            <a:r>
-              <a:t>پیامدهای عصبی/شناختی در T2D</a:t>
-            </a:r>
-          </a:p>
-          <a:p>
-            <a:pPr algn="r">
-              <a:defRPr sz="2400"/>
-            </a:pPr>
-            <a:r>
-              <a:t>راهبردهای ارتقای پایبندی و بومی‌سازی</a:t>
-            </a:r>
+            <a:off x="0" y="0"/>
+            <a:ext cx="12188952" cy="137160"/>
+          </a:xfrm>
+          <a:prstGeom prst="rect">
+            <a:avLst/>
+          </a:prstGeom>
+          <a:solidFill>
+            <a:srgbClr val="789E49"/>
+          </a:solidFill>
+          <a:ln>
+            <a:solidFill>
+              <a:srgbClr val="789E49"/>
+            </a:solidFill>
+          </a:ln>
+          <a:effectLst/>
+        </p:spPr>
+        <p:style>
+          <a:lnRef idx="1">
+            <a:schemeClr val="accent1"/>
+          </a:lnRef>
+          <a:fillRef idx="3">
+            <a:schemeClr val="accent1"/>
+          </a:fillRef>
+          <a:effectRef idx="2">
+            <a:schemeClr val="accent1"/>
+          </a:effectRef>
+          <a:fontRef idx="minor">
+            <a:schemeClr val="lt1"/>
+          </a:fontRef>
+        </p:style>
+        <p:txBody>
+          <a:bodyPr rtlCol="0" anchor="ctr"/>
+          <a:lstStyle/>
+          <a:p>
+            <a:pPr algn="ctr"/>
           </a:p>
         </p:txBody>
       </p:sp>
@@ -6342,31 +7714,14 @@
       <p:grpSpPr/>
       <p:sp>
         <p:nvSpPr>
-          <p:cNvPr id="2" name="Title 1"/>
-          <p:cNvSpPr>
-            <a:spLocks noGrp="1"/>
-          </p:cNvSpPr>
-          <p:nvPr>
-            <p:ph type="title"/>
-          </p:nvPr>
-        </p:nvSpPr>
-        <p:spPr/>
-        <p:txBody>
-          <a:bodyPr/>
-          <a:lstStyle/>
-          <a:p/>
-        </p:txBody>
-      </p:sp>
-      <p:sp>
-        <p:nvSpPr>
-          <p:cNvPr id="3" name="TextBox 2"/>
+          <p:cNvPr id="2" name="TextBox 1"/>
           <p:cNvSpPr txBox="1"/>
           <p:nvPr/>
         </p:nvSpPr>
         <p:spPr>
           <a:xfrm>
-            <a:off x="640080" y="548640"/>
-            <a:ext cx="10972800" cy="822960"/>
+            <a:off x="548640" y="457200"/>
+            <a:ext cx="11155680" cy="822960"/>
           </a:xfrm>
           <a:prstGeom prst="rect">
             <a:avLst/>
@@ -6379,22 +7734,22 @@
           </a:bodyPr>
           <a:lstStyle/>
           <a:p>
-            <a:pPr algn="r">
-              <a:defRPr sz="3000" b="1">
+            <a:pPr algn="r"/>
+            <a:r>
+              <a:rPr sz="3000" b="1">
                 <a:solidFill>
                   <a:srgbClr val="1E4C78"/>
                 </a:solidFill>
-              </a:defRPr>
-            </a:pPr>
-            <a:r>
-              <a:t>اپیدمیولوژی و شیوع</a:t>
+                <a:latin typeface="Vazirmatn"/>
+              </a:rPr>
+              <a:t>اپیدمیولوژی و روند شیوع</a:t>
             </a:r>
           </a:p>
         </p:txBody>
       </p:sp>
       <p:pic>
         <p:nvPicPr>
-          <p:cNvPr id="4" name="Picture 3" descr="prevalence.png"/>
+          <p:cNvPr id="3" name="Picture 2" descr="prevalence.png"/>
           <p:cNvPicPr>
             <a:picLocks noChangeAspect="1"/>
           </p:cNvPicPr>
@@ -6408,14 +7763,60 @@
         </p:blipFill>
         <p:spPr>
           <a:xfrm>
-            <a:off x="822960" y="1645920"/>
-            <a:ext cx="9875520" cy="4320540"/>
+            <a:off x="822960" y="1554480"/>
+            <a:ext cx="9875520" cy="4337798"/>
           </a:xfrm>
           <a:prstGeom prst="rect">
             <a:avLst/>
           </a:prstGeom>
         </p:spPr>
       </p:pic>
+      <p:sp>
+        <p:nvSpPr>
+          <p:cNvPr id="4" name="Rectangle 3"/>
+          <p:cNvSpPr/>
+          <p:nvPr/>
+        </p:nvSpPr>
+        <p:spPr>
+          <a:xfrm>
+            <a:off x="0" y="0"/>
+            <a:ext cx="12188952" cy="137160"/>
+          </a:xfrm>
+          <a:prstGeom prst="rect">
+            <a:avLst/>
+          </a:prstGeom>
+          <a:solidFill>
+            <a:srgbClr val="789E49"/>
+          </a:solidFill>
+          <a:ln>
+            <a:solidFill>
+              <a:srgbClr val="789E49"/>
+            </a:solidFill>
+          </a:ln>
+          <a:effectLst/>
+        </p:spPr>
+        <p:style>
+          <a:lnRef idx="1">
+            <a:schemeClr val="accent1"/>
+          </a:lnRef>
+          <a:fillRef idx="3">
+            <a:schemeClr val="accent1"/>
+          </a:fillRef>
+          <a:effectRef idx="2">
+            <a:schemeClr val="accent1"/>
+          </a:effectRef>
+          <a:fontRef idx="minor">
+            <a:schemeClr val="lt1"/>
+          </a:fontRef>
+        </p:style>
+        <p:txBody>
+          <a:bodyPr rtlCol="0" anchor="ctr"/>
+          <a:lstStyle/>
+          <a:p>
+            <a:pPr algn="ctr"/>
+          </a:p>
+        </p:txBody>
+      </p:sp>
     </p:spTree>
   </p:cSld>
   <p:clrMapOvr>
@@ -6436,19 +7837,37 @@
       <p:grpSpPr/>
       <p:sp>
         <p:nvSpPr>
-          <p:cNvPr id="2" name="Title 1"/>
-          <p:cNvSpPr>
-            <a:spLocks noGrp="1"/>
-          </p:cNvSpPr>
-          <p:nvPr>
-            <p:ph type="title"/>
-          </p:nvPr>
-        </p:nvSpPr>
-        <p:spPr/>
-        <p:txBody>
-          <a:bodyPr/>
-          <a:lstStyle/>
-          <a:p/>
+          <p:cNvPr id="2" name="TextBox 1"/>
+          <p:cNvSpPr txBox="1"/>
+          <p:nvPr/>
+        </p:nvSpPr>
+        <p:spPr>
+          <a:xfrm>
+            <a:off x="548640" y="457200"/>
+            <a:ext cx="11155680" cy="822960"/>
+          </a:xfrm>
+          <a:prstGeom prst="rect">
+            <a:avLst/>
+          </a:prstGeom>
+          <a:noFill/>
+        </p:spPr>
+        <p:txBody>
+          <a:bodyPr wrap="none">
+            <a:spAutoFit/>
+          </a:bodyPr>
+          <a:lstStyle/>
+          <a:p>
+            <a:pPr algn="r"/>
+            <a:r>
+              <a:rPr sz="3000" b="1">
+                <a:solidFill>
+                  <a:srgbClr val="1E4C78"/>
+                </a:solidFill>
+                <a:latin typeface="Vazirmatn"/>
+              </a:rPr>
+              <a:t>منابع و تشکر</a:t>
+            </a:r>
+          </a:p>
         </p:txBody>
       </p:sp>
       <p:sp>
@@ -6459,8 +7878,8 @@
         </p:nvSpPr>
         <p:spPr>
           <a:xfrm>
-            <a:off x="640080" y="548640"/>
-            <a:ext cx="10972800" cy="822960"/>
+            <a:off x="548640" y="1371600"/>
+            <a:ext cx="11155680" cy="5029200"/>
           </a:xfrm>
           <a:prstGeom prst="rect">
             <a:avLst/>
@@ -6473,85 +7892,74 @@
           </a:bodyPr>
           <a:lstStyle/>
           <a:p>
-            <a:pPr algn="r">
-              <a:defRPr sz="3000" b="1">
+            <a:pPr algn="r"/>
+            <a:r>
+              <a:rPr sz="1600" b="0">
+                <a:solidFill>
+                  <a:srgbClr val="464646"/>
+                </a:solidFill>
+                <a:latin typeface="Vazirmatn"/>
+              </a:rPr>
+              <a:t>Esposito K, et al. Ann Intern Med. 2009;151(5):306–314. doi:10.7326/0003-4819-151-5-200909010-00004</a:t>
+            </a:r>
+          </a:p>
+          <a:p>
+            <a:pPr algn="r"/>
+            <a:r>
+              <a:rPr sz="1600" b="0">
+                <a:solidFill>
+                  <a:srgbClr val="464646"/>
+                </a:solidFill>
+                <a:latin typeface="Vazirmatn"/>
+              </a:rPr>
+              <a:t>Shai I, et al. N Engl J Med. 2008;359:229–241. doi:10.1056/NEJMoa0708681</a:t>
+            </a:r>
+          </a:p>
+          <a:p>
+            <a:pPr algn="r"/>
+            <a:r>
+              <a:rPr sz="1600" b="0">
+                <a:solidFill>
+                  <a:srgbClr val="464646"/>
+                </a:solidFill>
+                <a:latin typeface="Vazirmatn"/>
+              </a:rPr>
+              <a:t>Salas-Salvadó J, et al. Diabetes Care. 2011;34(1):14–19. doi:10.2337/dc10-1288</a:t>
+            </a:r>
+          </a:p>
+          <a:p>
+            <a:pPr algn="r"/>
+            <a:r>
+              <a:rPr sz="1600" b="0">
+                <a:solidFill>
+                  <a:srgbClr val="464646"/>
+                </a:solidFill>
+                <a:latin typeface="Vazirmatn"/>
+              </a:rPr>
+              <a:t>Ajala O, et al. Am J Clin Nutr. 2013;97(3):505–516. doi:10.3945/ajcn.112.042457</a:t>
+            </a:r>
+          </a:p>
+          <a:p>
+            <a:pPr algn="r"/>
+            <a:r>
+              <a:rPr sz="1600" b="0">
+                <a:solidFill>
+                  <a:srgbClr val="464646"/>
+                </a:solidFill>
+                <a:latin typeface="Vazirmatn"/>
+              </a:rPr>
+              <a:t>نمودار شیوع: الهام از IDF Diabetes Atlas (کار آموزشی)</a:t>
+            </a:r>
+          </a:p>
+          <a:p>
+            <a:pPr algn="r"/>
+            <a:r>
+              <a:rPr sz="1800" b="1">
                 <a:solidFill>
                   <a:srgbClr val="1E4C78"/>
                 </a:solidFill>
-              </a:defRPr>
-            </a:pPr>
-            <a:r>
-              <a:t>منابع و تشکر</a:t>
-            </a:r>
-          </a:p>
-        </p:txBody>
-      </p:sp>
-      <p:sp>
-        <p:nvSpPr>
-          <p:cNvPr id="4" name="TextBox 3"/>
-          <p:cNvSpPr txBox="1"/>
-          <p:nvPr/>
-        </p:nvSpPr>
-        <p:spPr>
-          <a:xfrm>
-            <a:off x="640080" y="1463040"/>
-            <a:ext cx="10972800" cy="4937760"/>
-          </a:xfrm>
-          <a:prstGeom prst="rect">
-            <a:avLst/>
-          </a:prstGeom>
-          <a:noFill/>
-        </p:spPr>
-        <p:txBody>
-          <a:bodyPr wrap="none">
-            <a:spAutoFit/>
-          </a:bodyPr>
-          <a:lstStyle/>
-          <a:p>
-            <a:pPr algn="r">
-              <a:defRPr sz="1600"/>
-            </a:pPr>
-            <a:r>
-              <a:t>Esposito K, et al. Ann Intern Med. 2009;151(5):306–314. doi:10.7326/0003-4819-151-5-200909010-00004</a:t>
-            </a:r>
-          </a:p>
-          <a:p>
-            <a:pPr algn="r">
-              <a:defRPr sz="1600"/>
-            </a:pPr>
-            <a:r>
-              <a:t>Shai I, et al. N Engl J Med. 2008;359:229–241. doi:10.1056/NEJMoa0708681</a:t>
-            </a:r>
-          </a:p>
-          <a:p>
-            <a:pPr algn="r">
-              <a:defRPr sz="1600"/>
-            </a:pPr>
-            <a:r>
-              <a:t>Salas-Salvadó J, et al. Diabetes Care. 2011;34(1):14–19. doi:10.2337/dc10-1288</a:t>
-            </a:r>
-          </a:p>
-          <a:p>
-            <a:pPr algn="r">
-              <a:defRPr sz="1600"/>
-            </a:pPr>
-            <a:r>
-              <a:t>Ajala O, et al. Am J Clin Nutr. 2013;97(3):505–516. doi:10.3945/ajcn.112.042457</a:t>
-            </a:r>
-          </a:p>
-          <a:p>
-            <a:pPr algn="r">
-              <a:defRPr sz="1600"/>
-            </a:pPr>
-            <a:r>
-              <a:t>نمودار شیوع: الهام از IDF Diabetes Atlas (کار آموزشی)</a:t>
-            </a:r>
-          </a:p>
-          <a:p>
-            <a:pPr algn="r">
-              <a:defRPr sz="1800"/>
-            </a:pPr>
-            <a:r>
+                <a:latin typeface="Vazirmatn"/>
+              </a:rPr>
               <a:t>با تشکر از توجه شما</a:t>
             </a:r>
           </a:p>
@@ -6577,19 +7985,37 @@
       <p:grpSpPr/>
       <p:sp>
         <p:nvSpPr>
-          <p:cNvPr id="2" name="Title 1"/>
-          <p:cNvSpPr>
-            <a:spLocks noGrp="1"/>
-          </p:cNvSpPr>
-          <p:nvPr>
-            <p:ph type="title"/>
-          </p:nvPr>
-        </p:nvSpPr>
-        <p:spPr/>
-        <p:txBody>
-          <a:bodyPr/>
-          <a:lstStyle/>
-          <a:p/>
+          <p:cNvPr id="2" name="TextBox 1"/>
+          <p:cNvSpPr txBox="1"/>
+          <p:nvPr/>
+        </p:nvSpPr>
+        <p:spPr>
+          <a:xfrm>
+            <a:off x="548640" y="457200"/>
+            <a:ext cx="11155680" cy="822960"/>
+          </a:xfrm>
+          <a:prstGeom prst="rect">
+            <a:avLst/>
+          </a:prstGeom>
+          <a:noFill/>
+        </p:spPr>
+        <p:txBody>
+          <a:bodyPr wrap="none">
+            <a:spAutoFit/>
+          </a:bodyPr>
+          <a:lstStyle/>
+          <a:p>
+            <a:pPr algn="r"/>
+            <a:r>
+              <a:rPr sz="3000" b="1">
+                <a:solidFill>
+                  <a:srgbClr val="1E4C78"/>
+                </a:solidFill>
+                <a:latin typeface="Vazirmatn"/>
+              </a:rPr>
+              <a:t>عوامل خطر و تفاوت‌های جمعیتی</a:t>
+            </a:r>
+          </a:p>
         </p:txBody>
       </p:sp>
       <p:sp>
@@ -6600,8 +8026,8 @@
         </p:nvSpPr>
         <p:spPr>
           <a:xfrm>
-            <a:off x="640080" y="548640"/>
-            <a:ext cx="10972800" cy="822960"/>
+            <a:off x="548640" y="1371600"/>
+            <a:ext cx="11155680" cy="5120640"/>
           </a:xfrm>
           <a:prstGeom prst="rect">
             <a:avLst/>
@@ -6614,63 +8040,86 @@
           </a:bodyPr>
           <a:lstStyle/>
           <a:p>
-            <a:pPr algn="r">
-              <a:defRPr sz="3000" b="1">
-                <a:solidFill>
-                  <a:srgbClr val="1E4C78"/>
-                </a:solidFill>
-              </a:defRPr>
-            </a:pPr>
-            <a:r>
-              <a:t>عوامل خطر و تفاوت‌های جمعیتی</a:t>
-            </a:r>
-          </a:p>
-        </p:txBody>
-      </p:sp>
-      <p:sp>
-        <p:nvSpPr>
-          <p:cNvPr id="4" name="TextBox 3"/>
-          <p:cNvSpPr txBox="1"/>
+            <a:pPr algn="r"/>
+            <a:r>
+              <a:rPr sz="2400" b="0">
+                <a:solidFill>
+                  <a:srgbClr val="464646"/>
+                </a:solidFill>
+                <a:latin typeface="Vazirmatn"/>
+              </a:rPr>
+              <a:t>سن، سابقه خانوادگی، چاقی مرکزی، کم‌تحرکی</a:t>
+            </a:r>
+          </a:p>
+          <a:p>
+            <a:pPr algn="r"/>
+            <a:r>
+              <a:rPr sz="2400" b="0">
+                <a:solidFill>
+                  <a:srgbClr val="464646"/>
+                </a:solidFill>
+                <a:latin typeface="Vazirmatn"/>
+              </a:rPr>
+              <a:t>الگوی غذایی پرکالری/فراوری‌شده؛ وضعیت اجتماعی–اقتصادی</a:t>
+            </a:r>
+          </a:p>
+          <a:p>
+            <a:pPr algn="r"/>
+            <a:r>
+              <a:rPr sz="2400" b="0">
+                <a:solidFill>
+                  <a:srgbClr val="464646"/>
+                </a:solidFill>
+                <a:latin typeface="Vazirmatn"/>
+              </a:rPr>
+              <a:t>تفاوت‌های منطقه‌ای/جغرافیایی در شیوع و سن شروع</a:t>
+            </a:r>
+          </a:p>
+        </p:txBody>
+      </p:sp>
+      <p:sp>
+        <p:nvSpPr>
+          <p:cNvPr id="4" name="Rectangle 3"/>
+          <p:cNvSpPr/>
           <p:nvPr/>
         </p:nvSpPr>
         <p:spPr>
           <a:xfrm>
-            <a:off x="640080" y="1463040"/>
-            <a:ext cx="10972800" cy="4937760"/>
-          </a:xfrm>
-          <a:prstGeom prst="rect">
-            <a:avLst/>
-          </a:prstGeom>
-          <a:noFill/>
-        </p:spPr>
-        <p:txBody>
-          <a:bodyPr wrap="none">
-            <a:spAutoFit/>
-          </a:bodyPr>
-          <a:lstStyle/>
-          <a:p>
-            <a:pPr algn="r">
-              <a:defRPr sz="2400"/>
-            </a:pPr>
-            <a:r>
-              <a:t>سن، سابقه خانوادگی، چاقی مرکزی، کم‌تحرکی</a:t>
-            </a:r>
-          </a:p>
-          <a:p>
-            <a:pPr algn="r">
-              <a:defRPr sz="2400"/>
-            </a:pPr>
-            <a:r>
-              <a:t>الگوی غذایی پرکالری/فراوری‌شده، وضعیت اجتماعی–اقتصادی</a:t>
-            </a:r>
-          </a:p>
-          <a:p>
-            <a:pPr algn="r">
-              <a:defRPr sz="2400"/>
-            </a:pPr>
-            <a:r>
-              <a:t>تفاوت‌های منطقه‌ای و جمعیتی در شیوع</a:t>
-            </a:r>
+            <a:off x="0" y="0"/>
+            <a:ext cx="12188952" cy="137160"/>
+          </a:xfrm>
+          <a:prstGeom prst="rect">
+            <a:avLst/>
+          </a:prstGeom>
+          <a:solidFill>
+            <a:srgbClr val="789E49"/>
+          </a:solidFill>
+          <a:ln>
+            <a:solidFill>
+              <a:srgbClr val="789E49"/>
+            </a:solidFill>
+          </a:ln>
+          <a:effectLst/>
+        </p:spPr>
+        <p:style>
+          <a:lnRef idx="1">
+            <a:schemeClr val="accent1"/>
+          </a:lnRef>
+          <a:fillRef idx="3">
+            <a:schemeClr val="accent1"/>
+          </a:fillRef>
+          <a:effectRef idx="2">
+            <a:schemeClr val="accent1"/>
+          </a:effectRef>
+          <a:fontRef idx="minor">
+            <a:schemeClr val="lt1"/>
+          </a:fontRef>
+        </p:style>
+        <p:txBody>
+          <a:bodyPr rtlCol="0" anchor="ctr"/>
+          <a:lstStyle/>
+          <a:p>
+            <a:pPr algn="ctr"/>
           </a:p>
         </p:txBody>
       </p:sp>
@@ -6694,31 +8143,14 @@
       <p:grpSpPr/>
       <p:sp>
         <p:nvSpPr>
-          <p:cNvPr id="2" name="Title 1"/>
-          <p:cNvSpPr>
-            <a:spLocks noGrp="1"/>
-          </p:cNvSpPr>
-          <p:nvPr>
-            <p:ph type="title"/>
-          </p:nvPr>
-        </p:nvSpPr>
-        <p:spPr/>
-        <p:txBody>
-          <a:bodyPr/>
-          <a:lstStyle/>
-          <a:p/>
-        </p:txBody>
-      </p:sp>
-      <p:sp>
-        <p:nvSpPr>
-          <p:cNvPr id="3" name="TextBox 2"/>
+          <p:cNvPr id="2" name="TextBox 1"/>
           <p:cNvSpPr txBox="1"/>
           <p:nvPr/>
         </p:nvSpPr>
         <p:spPr>
           <a:xfrm>
-            <a:off x="640080" y="548640"/>
-            <a:ext cx="10972800" cy="822960"/>
+            <a:off x="548640" y="457200"/>
+            <a:ext cx="11155680" cy="822960"/>
           </a:xfrm>
           <a:prstGeom prst="rect">
             <a:avLst/>
@@ -6731,14 +8163,14 @@
           </a:bodyPr>
           <a:lstStyle/>
           <a:p>
-            <a:pPr algn="r">
-              <a:defRPr sz="3000" b="1">
+            <a:pPr algn="r"/>
+            <a:r>
+              <a:rPr sz="3000" b="1">
                 <a:solidFill>
                   <a:srgbClr val="1E4C78"/>
                 </a:solidFill>
-              </a:defRPr>
-            </a:pPr>
-            <a:r>
+                <a:latin typeface="Vazirmatn"/>
+              </a:rPr>
               <a:t>روند شیوع در سال‌های اخیر</a:t>
             </a:r>
           </a:p>
@@ -6746,7 +8178,7 @@
       </p:sp>
       <p:pic>
         <p:nvPicPr>
-          <p:cNvPr id="4" name="Picture 3" descr="prevalence.png"/>
+          <p:cNvPr id="3" name="Picture 2" descr="prevalence.png"/>
           <p:cNvPicPr>
             <a:picLocks noChangeAspect="1"/>
           </p:cNvPicPr>
@@ -6760,14 +8192,60 @@
         </p:blipFill>
         <p:spPr>
           <a:xfrm>
-            <a:off x="822960" y="1645920"/>
-            <a:ext cx="9875520" cy="4320540"/>
+            <a:off x="822960" y="1554480"/>
+            <a:ext cx="9875520" cy="4337798"/>
           </a:xfrm>
           <a:prstGeom prst="rect">
             <a:avLst/>
           </a:prstGeom>
         </p:spPr>
       </p:pic>
+      <p:sp>
+        <p:nvSpPr>
+          <p:cNvPr id="4" name="Rectangle 3"/>
+          <p:cNvSpPr/>
+          <p:nvPr/>
+        </p:nvSpPr>
+        <p:spPr>
+          <a:xfrm>
+            <a:off x="0" y="0"/>
+            <a:ext cx="12188952" cy="137160"/>
+          </a:xfrm>
+          <a:prstGeom prst="rect">
+            <a:avLst/>
+          </a:prstGeom>
+          <a:solidFill>
+            <a:srgbClr val="789E49"/>
+          </a:solidFill>
+          <a:ln>
+            <a:solidFill>
+              <a:srgbClr val="789E49"/>
+            </a:solidFill>
+          </a:ln>
+          <a:effectLst/>
+        </p:spPr>
+        <p:style>
+          <a:lnRef idx="1">
+            <a:schemeClr val="accent1"/>
+          </a:lnRef>
+          <a:fillRef idx="3">
+            <a:schemeClr val="accent1"/>
+          </a:fillRef>
+          <a:effectRef idx="2">
+            <a:schemeClr val="accent1"/>
+          </a:effectRef>
+          <a:fontRef idx="minor">
+            <a:schemeClr val="lt1"/>
+          </a:fontRef>
+        </p:style>
+        <p:txBody>
+          <a:bodyPr rtlCol="0" anchor="ctr"/>
+          <a:lstStyle/>
+          <a:p>
+            <a:pPr algn="ctr"/>
+          </a:p>
+        </p:txBody>
+      </p:sp>
     </p:spTree>
   </p:cSld>
   <p:clrMapOvr>
@@ -6788,19 +8266,37 @@
       <p:grpSpPr/>
       <p:sp>
         <p:nvSpPr>
-          <p:cNvPr id="2" name="Title 1"/>
-          <p:cNvSpPr>
-            <a:spLocks noGrp="1"/>
-          </p:cNvSpPr>
-          <p:nvPr>
-            <p:ph type="title"/>
-          </p:nvPr>
-        </p:nvSpPr>
-        <p:spPr/>
-        <p:txBody>
-          <a:bodyPr/>
-          <a:lstStyle/>
-          <a:p/>
+          <p:cNvPr id="2" name="TextBox 1"/>
+          <p:cNvSpPr txBox="1"/>
+          <p:nvPr/>
+        </p:nvSpPr>
+        <p:spPr>
+          <a:xfrm>
+            <a:off x="548640" y="457200"/>
+            <a:ext cx="11155680" cy="822960"/>
+          </a:xfrm>
+          <a:prstGeom prst="rect">
+            <a:avLst/>
+          </a:prstGeom>
+          <a:noFill/>
+        </p:spPr>
+        <p:txBody>
+          <a:bodyPr wrap="none">
+            <a:spAutoFit/>
+          </a:bodyPr>
+          <a:lstStyle/>
+          <a:p>
+            <a:pPr algn="r"/>
+            <a:r>
+              <a:rPr sz="3000" b="1">
+                <a:solidFill>
+                  <a:srgbClr val="1E4C78"/>
+                </a:solidFill>
+                <a:latin typeface="Vazirmatn"/>
+              </a:rPr>
+              <a:t>درمان‌های موجود برای T2D</a:t>
+            </a:r>
+          </a:p>
         </p:txBody>
       </p:sp>
       <p:sp>
@@ -6811,8 +8307,8 @@
         </p:nvSpPr>
         <p:spPr>
           <a:xfrm>
-            <a:off x="640080" y="548640"/>
-            <a:ext cx="10972800" cy="822960"/>
+            <a:off x="548640" y="1371600"/>
+            <a:ext cx="11155680" cy="5120640"/>
           </a:xfrm>
           <a:prstGeom prst="rect">
             <a:avLst/>
@@ -6825,63 +8321,86 @@
           </a:bodyPr>
           <a:lstStyle/>
           <a:p>
-            <a:pPr algn="r">
-              <a:defRPr sz="3000" b="1">
-                <a:solidFill>
-                  <a:srgbClr val="1E4C78"/>
-                </a:solidFill>
-              </a:defRPr>
-            </a:pPr>
-            <a:r>
-              <a:t>درمان‌های موجود برای T2D</a:t>
-            </a:r>
-          </a:p>
-        </p:txBody>
-      </p:sp>
-      <p:sp>
-        <p:nvSpPr>
-          <p:cNvPr id="4" name="TextBox 3"/>
-          <p:cNvSpPr txBox="1"/>
+            <a:pPr algn="r"/>
+            <a:r>
+              <a:rPr sz="2400" b="0">
+                <a:solidFill>
+                  <a:srgbClr val="464646"/>
+                </a:solidFill>
+                <a:latin typeface="Vazirmatn"/>
+              </a:rPr>
+              <a:t>اصلاح سبک زندگی (تغذیه، فعالیت بدنی، خواب، مدیریت استرس)</a:t>
+            </a:r>
+          </a:p>
+          <a:p>
+            <a:pPr algn="r"/>
+            <a:r>
+              <a:rPr sz="2400" b="0">
+                <a:solidFill>
+                  <a:srgbClr val="464646"/>
+                </a:solidFill>
+                <a:latin typeface="Vazirmatn"/>
+              </a:rPr>
+              <a:t>داروها: متفورمین، SGLT2i، GLP-1 RA، انسولین (در صورت نیاز)</a:t>
+            </a:r>
+          </a:p>
+          <a:p>
+            <a:pPr algn="r"/>
+            <a:r>
+              <a:rPr sz="2400" b="0">
+                <a:solidFill>
+                  <a:srgbClr val="464646"/>
+                </a:solidFill>
+                <a:latin typeface="Vazirmatn"/>
+              </a:rPr>
+              <a:t>محدودیت‌ها: عوارض، هزینه، پایبندی — تغذیه پایه درمان است</a:t>
+            </a:r>
+          </a:p>
+        </p:txBody>
+      </p:sp>
+      <p:sp>
+        <p:nvSpPr>
+          <p:cNvPr id="4" name="Rectangle 3"/>
+          <p:cNvSpPr/>
           <p:nvPr/>
         </p:nvSpPr>
         <p:spPr>
           <a:xfrm>
-            <a:off x="640080" y="1463040"/>
-            <a:ext cx="10972800" cy="4937760"/>
-          </a:xfrm>
-          <a:prstGeom prst="rect">
-            <a:avLst/>
-          </a:prstGeom>
-          <a:noFill/>
-        </p:spPr>
-        <p:txBody>
-          <a:bodyPr wrap="none">
-            <a:spAutoFit/>
-          </a:bodyPr>
-          <a:lstStyle/>
-          <a:p>
-            <a:pPr algn="r">
-              <a:defRPr sz="2400"/>
-            </a:pPr>
-            <a:r>
-              <a:t>اصلاح سبک زندگی: تغذیه، فعالیت بدنی، خواب</a:t>
-            </a:r>
-          </a:p>
-          <a:p>
-            <a:pPr algn="r">
-              <a:defRPr sz="2400"/>
-            </a:pPr>
-            <a:r>
-              <a:t>داروها: متفورمین، SGLT2i، GLP-1 RA، انسولین</a:t>
-            </a:r>
-          </a:p>
-          <a:p>
-            <a:pPr algn="r">
-              <a:defRPr sz="2400"/>
-            </a:pPr>
-            <a:r>
-              <a:t>محدودیت‌ها: عوارض، هزینه، پایبندی — نقش کلیدی تغذیه</a:t>
-            </a:r>
+            <a:off x="0" y="0"/>
+            <a:ext cx="12188952" cy="137160"/>
+          </a:xfrm>
+          <a:prstGeom prst="rect">
+            <a:avLst/>
+          </a:prstGeom>
+          <a:solidFill>
+            <a:srgbClr val="789E49"/>
+          </a:solidFill>
+          <a:ln>
+            <a:solidFill>
+              <a:srgbClr val="789E49"/>
+            </a:solidFill>
+          </a:ln>
+          <a:effectLst/>
+        </p:spPr>
+        <p:style>
+          <a:lnRef idx="1">
+            <a:schemeClr val="accent1"/>
+          </a:lnRef>
+          <a:fillRef idx="3">
+            <a:schemeClr val="accent1"/>
+          </a:fillRef>
+          <a:effectRef idx="2">
+            <a:schemeClr val="accent1"/>
+          </a:effectRef>
+          <a:fontRef idx="minor">
+            <a:schemeClr val="lt1"/>
+          </a:fontRef>
+        </p:style>
+        <p:txBody>
+          <a:bodyPr rtlCol="0" anchor="ctr"/>
+          <a:lstStyle/>
+          <a:p>
+            <a:pPr algn="ctr"/>
           </a:p>
         </p:txBody>
       </p:sp>
@@ -6905,19 +8424,37 @@
       <p:grpSpPr/>
       <p:sp>
         <p:nvSpPr>
-          <p:cNvPr id="2" name="Title 1"/>
-          <p:cNvSpPr>
-            <a:spLocks noGrp="1"/>
-          </p:cNvSpPr>
-          <p:nvPr>
-            <p:ph type="title"/>
-          </p:nvPr>
-        </p:nvSpPr>
-        <p:spPr/>
-        <p:txBody>
-          <a:bodyPr/>
-          <a:lstStyle/>
-          <a:p/>
+          <p:cNvPr id="2" name="TextBox 1"/>
+          <p:cNvSpPr txBox="1"/>
+          <p:nvPr/>
+        </p:nvSpPr>
+        <p:spPr>
+          <a:xfrm>
+            <a:off x="548640" y="457200"/>
+            <a:ext cx="11155680" cy="822960"/>
+          </a:xfrm>
+          <a:prstGeom prst="rect">
+            <a:avLst/>
+          </a:prstGeom>
+          <a:noFill/>
+        </p:spPr>
+        <p:txBody>
+          <a:bodyPr wrap="none">
+            <a:spAutoFit/>
+          </a:bodyPr>
+          <a:lstStyle/>
+          <a:p>
+            <a:pPr algn="r"/>
+            <a:r>
+              <a:rPr sz="3000" b="1">
+                <a:solidFill>
+                  <a:srgbClr val="1E4C78"/>
+                </a:solidFill>
+                <a:latin typeface="Vazirmatn"/>
+              </a:rPr>
+              <a:t>درمان‌های مکمل</a:t>
+            </a:r>
+          </a:p>
         </p:txBody>
       </p:sp>
       <p:sp>
@@ -6928,8 +8465,8 @@
         </p:nvSpPr>
         <p:spPr>
           <a:xfrm>
-            <a:off x="640080" y="548640"/>
-            <a:ext cx="10972800" cy="822960"/>
+            <a:off x="548640" y="1371600"/>
+            <a:ext cx="11155680" cy="5120640"/>
           </a:xfrm>
           <a:prstGeom prst="rect">
             <a:avLst/>
@@ -6942,63 +8479,86 @@
           </a:bodyPr>
           <a:lstStyle/>
           <a:p>
-            <a:pPr algn="r">
-              <a:defRPr sz="3000" b="1">
-                <a:solidFill>
-                  <a:srgbClr val="1E4C78"/>
-                </a:solidFill>
-              </a:defRPr>
-            </a:pPr>
-            <a:r>
-              <a:t>درمان‌های مکمل</a:t>
-            </a:r>
-          </a:p>
-        </p:txBody>
-      </p:sp>
-      <p:sp>
-        <p:nvSpPr>
-          <p:cNvPr id="4" name="TextBox 3"/>
-          <p:cNvSpPr txBox="1"/>
+            <a:pPr algn="r"/>
+            <a:r>
+              <a:rPr sz="2400" b="0">
+                <a:solidFill>
+                  <a:srgbClr val="464646"/>
+                </a:solidFill>
+                <a:latin typeface="Vazirmatn"/>
+              </a:rPr>
+              <a:t>مشاوره تغذیه‌ای/رفتاری، آموزش خودمدیریتی، کاهش استرس</a:t>
+            </a:r>
+          </a:p>
+          <a:p>
+            <a:pPr algn="r"/>
+            <a:r>
+              <a:rPr sz="2400" b="0">
+                <a:solidFill>
+                  <a:srgbClr val="464646"/>
+                </a:solidFill>
+                <a:latin typeface="Vazirmatn"/>
+              </a:rPr>
+              <a:t>مکمل‌ها فقط با شواهد و احتیاط؛ تداخلات دارویی بررسی شود</a:t>
+            </a:r>
+          </a:p>
+          <a:p>
+            <a:pPr algn="r"/>
+            <a:r>
+              <a:rPr sz="2400" b="0">
+                <a:solidFill>
+                  <a:srgbClr val="464646"/>
+                </a:solidFill>
+                <a:latin typeface="Vazirmatn"/>
+              </a:rPr>
+              <a:t>الگوها: Mediterranean, DASH, Low-carb (انتخاب شخصی‌سازی‌شده)</a:t>
+            </a:r>
+          </a:p>
+        </p:txBody>
+      </p:sp>
+      <p:sp>
+        <p:nvSpPr>
+          <p:cNvPr id="4" name="Rectangle 3"/>
+          <p:cNvSpPr/>
           <p:nvPr/>
         </p:nvSpPr>
         <p:spPr>
           <a:xfrm>
-            <a:off x="640080" y="1463040"/>
-            <a:ext cx="10972800" cy="4937760"/>
-          </a:xfrm>
-          <a:prstGeom prst="rect">
-            <a:avLst/>
-          </a:prstGeom>
-          <a:noFill/>
-        </p:spPr>
-        <p:txBody>
-          <a:bodyPr wrap="none">
-            <a:spAutoFit/>
-          </a:bodyPr>
-          <a:lstStyle/>
-          <a:p>
-            <a:pPr algn="r">
-              <a:defRPr sz="2400"/>
-            </a:pPr>
-            <a:r>
-              <a:t>مشاوره و آموزش تغذیه‌ای، رفتاردرمانی، مدیریت استرس</a:t>
-            </a:r>
-          </a:p>
-          <a:p>
-            <a:pPr algn="r">
-              <a:defRPr sz="2400"/>
-            </a:pPr>
-            <a:r>
-              <a:t>بررسی مکمل‌ها با احتیاط و شواهد</a:t>
-            </a:r>
-          </a:p>
-          <a:p>
-            <a:pPr algn="r">
-              <a:defRPr sz="2400"/>
-            </a:pPr>
-            <a:r>
-              <a:t>الگوهای اثربخش: مدیترانه‌ای، DASH، کم‌کربوهیدرات (انتخاب فردمحور)</a:t>
-            </a:r>
+            <a:off x="0" y="0"/>
+            <a:ext cx="12188952" cy="137160"/>
+          </a:xfrm>
+          <a:prstGeom prst="rect">
+            <a:avLst/>
+          </a:prstGeom>
+          <a:solidFill>
+            <a:srgbClr val="789E49"/>
+          </a:solidFill>
+          <a:ln>
+            <a:solidFill>
+              <a:srgbClr val="789E49"/>
+            </a:solidFill>
+          </a:ln>
+          <a:effectLst/>
+        </p:spPr>
+        <p:style>
+          <a:lnRef idx="1">
+            <a:schemeClr val="accent1"/>
+          </a:lnRef>
+          <a:fillRef idx="3">
+            <a:schemeClr val="accent1"/>
+          </a:fillRef>
+          <a:effectRef idx="2">
+            <a:schemeClr val="accent1"/>
+          </a:effectRef>
+          <a:fontRef idx="minor">
+            <a:schemeClr val="lt1"/>
+          </a:fontRef>
+        </p:style>
+        <p:txBody>
+          <a:bodyPr rtlCol="0" anchor="ctr"/>
+          <a:lstStyle/>
+          <a:p>
+            <a:pPr algn="ctr"/>
           </a:p>
         </p:txBody>
       </p:sp>
@@ -7022,31 +8582,14 @@
       <p:grpSpPr/>
       <p:sp>
         <p:nvSpPr>
-          <p:cNvPr id="2" name="Title 1"/>
-          <p:cNvSpPr>
-            <a:spLocks noGrp="1"/>
-          </p:cNvSpPr>
-          <p:nvPr>
-            <p:ph type="title"/>
-          </p:nvPr>
-        </p:nvSpPr>
-        <p:spPr/>
-        <p:txBody>
-          <a:bodyPr/>
-          <a:lstStyle/>
-          <a:p/>
-        </p:txBody>
-      </p:sp>
-      <p:sp>
-        <p:nvSpPr>
-          <p:cNvPr id="3" name="TextBox 2"/>
+          <p:cNvPr id="2" name="TextBox 1"/>
           <p:cNvSpPr txBox="1"/>
           <p:nvPr/>
         </p:nvSpPr>
         <p:spPr>
           <a:xfrm>
-            <a:off x="640080" y="548640"/>
-            <a:ext cx="10972800" cy="822960"/>
+            <a:off x="548640" y="457200"/>
+            <a:ext cx="11155680" cy="822960"/>
           </a:xfrm>
           <a:prstGeom prst="rect">
             <a:avLst/>
@@ -7059,14 +8602,14 @@
           </a:bodyPr>
           <a:lstStyle/>
           <a:p>
-            <a:pPr algn="r">
-              <a:defRPr sz="3000" b="1">
+            <a:pPr algn="r"/>
+            <a:r>
+              <a:rPr sz="3000" b="1">
                 <a:solidFill>
                   <a:srgbClr val="1E4C78"/>
                 </a:solidFill>
-              </a:defRPr>
-            </a:pPr>
-            <a:r>
+                <a:latin typeface="Vazirmatn"/>
+              </a:rPr>
               <a:t>رژیم مدیترانه‌ای: سوخت متفاوت برای بدن</a:t>
             </a:r>
           </a:p>
@@ -7074,7 +8617,7 @@
       </p:sp>
       <p:pic>
         <p:nvPicPr>
-          <p:cNvPr id="4" name="Picture 3" descr="med_pyramid.png"/>
+          <p:cNvPr id="3" name="Picture 2" descr="med_pyramid.png"/>
           <p:cNvPicPr>
             <a:picLocks noChangeAspect="1"/>
           </p:cNvPicPr>
@@ -7088,14 +8631,60 @@
         </p:blipFill>
         <p:spPr>
           <a:xfrm>
-            <a:off x="2743200" y="1645920"/>
-            <a:ext cx="6858000" cy="4572000"/>
+            <a:off x="2743200" y="1554480"/>
+            <a:ext cx="6858000" cy="4431323"/>
           </a:xfrm>
           <a:prstGeom prst="rect">
             <a:avLst/>
           </a:prstGeom>
         </p:spPr>
       </p:pic>
+      <p:sp>
+        <p:nvSpPr>
+          <p:cNvPr id="4" name="Rectangle 3"/>
+          <p:cNvSpPr/>
+          <p:nvPr/>
+        </p:nvSpPr>
+        <p:spPr>
+          <a:xfrm>
+            <a:off x="0" y="0"/>
+            <a:ext cx="12188952" cy="137160"/>
+          </a:xfrm>
+          <a:prstGeom prst="rect">
+            <a:avLst/>
+          </a:prstGeom>
+          <a:solidFill>
+            <a:srgbClr val="789E49"/>
+          </a:solidFill>
+          <a:ln>
+            <a:solidFill>
+              <a:srgbClr val="789E49"/>
+            </a:solidFill>
+          </a:ln>
+          <a:effectLst/>
+        </p:spPr>
+        <p:style>
+          <a:lnRef idx="1">
+            <a:schemeClr val="accent1"/>
+          </a:lnRef>
+          <a:fillRef idx="3">
+            <a:schemeClr val="accent1"/>
+          </a:fillRef>
+          <a:effectRef idx="2">
+            <a:schemeClr val="accent1"/>
+          </a:effectRef>
+          <a:fontRef idx="minor">
+            <a:schemeClr val="lt1"/>
+          </a:fontRef>
+        </p:style>
+        <p:txBody>
+          <a:bodyPr rtlCol="0" anchor="ctr"/>
+          <a:lstStyle/>
+          <a:p>
+            <a:pPr algn="ctr"/>
+          </a:p>
+        </p:txBody>
+      </p:sp>
     </p:spTree>
   </p:cSld>
   <p:clrMapOvr>
@@ -7116,19 +8705,37 @@
       <p:grpSpPr/>
       <p:sp>
         <p:nvSpPr>
-          <p:cNvPr id="2" name="Title 1"/>
-          <p:cNvSpPr>
-            <a:spLocks noGrp="1"/>
-          </p:cNvSpPr>
-          <p:nvPr>
-            <p:ph type="title"/>
-          </p:nvPr>
-        </p:nvSpPr>
-        <p:spPr/>
-        <p:txBody>
-          <a:bodyPr/>
-          <a:lstStyle/>
-          <a:p/>
+          <p:cNvPr id="2" name="TextBox 1"/>
+          <p:cNvSpPr txBox="1"/>
+          <p:nvPr/>
+        </p:nvSpPr>
+        <p:spPr>
+          <a:xfrm>
+            <a:off x="548640" y="457200"/>
+            <a:ext cx="11155680" cy="822960"/>
+          </a:xfrm>
+          <a:prstGeom prst="rect">
+            <a:avLst/>
+          </a:prstGeom>
+          <a:noFill/>
+        </p:spPr>
+        <p:txBody>
+          <a:bodyPr wrap="none">
+            <a:spAutoFit/>
+          </a:bodyPr>
+          <a:lstStyle/>
+          <a:p>
+            <a:pPr algn="r"/>
+            <a:r>
+              <a:rPr sz="3000" b="1">
+                <a:solidFill>
+                  <a:srgbClr val="1E4C78"/>
+                </a:solidFill>
+                <a:latin typeface="Vazirmatn"/>
+              </a:rPr>
+              <a:t>کاربردهای شناخته‌شده رژیم مدیترانه‌ای</a:t>
+            </a:r>
+          </a:p>
         </p:txBody>
       </p:sp>
       <p:sp>
@@ -7139,8 +8746,8 @@
         </p:nvSpPr>
         <p:spPr>
           <a:xfrm>
-            <a:off x="640080" y="548640"/>
-            <a:ext cx="10972800" cy="822960"/>
+            <a:off x="548640" y="1371600"/>
+            <a:ext cx="11155680" cy="5120640"/>
           </a:xfrm>
           <a:prstGeom prst="rect">
             <a:avLst/>
@@ -7153,63 +8760,86 @@
           </a:bodyPr>
           <a:lstStyle/>
           <a:p>
-            <a:pPr algn="r">
-              <a:defRPr sz="3000" b="1">
-                <a:solidFill>
-                  <a:srgbClr val="1E4C78"/>
-                </a:solidFill>
-              </a:defRPr>
-            </a:pPr>
-            <a:r>
-              <a:t>کاربردهای شناخته‌شده رژیم مدیترانه‌ای</a:t>
-            </a:r>
-          </a:p>
-        </p:txBody>
-      </p:sp>
-      <p:sp>
-        <p:nvSpPr>
-          <p:cNvPr id="4" name="TextBox 3"/>
-          <p:cNvSpPr txBox="1"/>
+            <a:pPr algn="r"/>
+            <a:r>
+              <a:rPr sz="2400" b="0">
+                <a:solidFill>
+                  <a:srgbClr val="464646"/>
+                </a:solidFill>
+                <a:latin typeface="Vazirmatn"/>
+              </a:rPr>
+              <a:t>کاهش ریسک CVD، بهبود فشارخون و لیپیدها</a:t>
+            </a:r>
+          </a:p>
+          <a:p>
+            <a:pPr algn="r"/>
+            <a:r>
+              <a:rPr sz="2400" b="0">
+                <a:solidFill>
+                  <a:srgbClr val="464646"/>
+                </a:solidFill>
+                <a:latin typeface="Vazirmatn"/>
+              </a:rPr>
+              <a:t>بهبود NAFLD، برخی سرطان‌ها، سلامت شناخت و خلق</a:t>
+            </a:r>
+          </a:p>
+          <a:p>
+            <a:pPr algn="r"/>
+            <a:r>
+              <a:rPr sz="2400" b="0">
+                <a:solidFill>
+                  <a:srgbClr val="464646"/>
+                </a:solidFill>
+                <a:latin typeface="Vazirmatn"/>
+              </a:rPr>
+              <a:t>کاهش خطر دیابت و بهبود کنترل قند در مبتلایان</a:t>
+            </a:r>
+          </a:p>
+        </p:txBody>
+      </p:sp>
+      <p:sp>
+        <p:nvSpPr>
+          <p:cNvPr id="4" name="Rectangle 3"/>
+          <p:cNvSpPr/>
           <p:nvPr/>
         </p:nvSpPr>
         <p:spPr>
           <a:xfrm>
-            <a:off x="640080" y="1463040"/>
-            <a:ext cx="10972800" cy="4937760"/>
-          </a:xfrm>
-          <a:prstGeom prst="rect">
-            <a:avLst/>
-          </a:prstGeom>
-          <a:noFill/>
-        </p:spPr>
-        <p:txBody>
-          <a:bodyPr wrap="none">
-            <a:spAutoFit/>
-          </a:bodyPr>
-          <a:lstStyle/>
-          <a:p>
-            <a:pPr algn="r">
-              <a:defRPr sz="2400"/>
-            </a:pPr>
-            <a:r>
-              <a:t>کاهش ریسک CVD، بهبود فشارخون و لیپیدها</a:t>
-            </a:r>
-          </a:p>
-          <a:p>
-            <a:pPr algn="r">
-              <a:defRPr sz="2400"/>
-            </a:pPr>
-            <a:r>
-              <a:t>بهبود NAFLD، برخی سرطان‌ها، سلامت شناخت و خلق</a:t>
-            </a:r>
-          </a:p>
-          <a:p>
-            <a:pPr algn="r">
-              <a:defRPr sz="2400"/>
-            </a:pPr>
-            <a:r>
-              <a:t>کاهش خطر دیابت و بهبود کنترل قند در مبتلایان</a:t>
-            </a:r>
+            <a:off x="0" y="0"/>
+            <a:ext cx="12188952" cy="137160"/>
+          </a:xfrm>
+          <a:prstGeom prst="rect">
+            <a:avLst/>
+          </a:prstGeom>
+          <a:solidFill>
+            <a:srgbClr val="789E49"/>
+          </a:solidFill>
+          <a:ln>
+            <a:solidFill>
+              <a:srgbClr val="789E49"/>
+            </a:solidFill>
+          </a:ln>
+          <a:effectLst/>
+        </p:spPr>
+        <p:style>
+          <a:lnRef idx="1">
+            <a:schemeClr val="accent1"/>
+          </a:lnRef>
+          <a:fillRef idx="3">
+            <a:schemeClr val="accent1"/>
+          </a:fillRef>
+          <a:effectRef idx="2">
+            <a:schemeClr val="accent1"/>
+          </a:effectRef>
+          <a:fontRef idx="minor">
+            <a:schemeClr val="lt1"/>
+          </a:fontRef>
+        </p:style>
+        <p:txBody>
+          <a:bodyPr rtlCol="0" anchor="ctr"/>
+          <a:lstStyle/>
+          <a:p>
+            <a:pPr algn="ctr"/>
           </a:p>
         </p:txBody>
       </p:sp>
@@ -7539,4 +9169,324 @@
   </a:objectDefaults>
   <a:extraClrSchemeLst/>
 </a:theme>
+</file>
+
+<file path=ppt/theme/theme2.xml><?xml version="1.0" encoding="utf-8"?>
+<a:theme xmlns:a="http://schemas.openxmlformats.org/drawingml/2006/main" name="Office Theme">
+  <a:themeElements>
+    <a:clrScheme name="Office">
+      <a:dk1>
+        <a:sysClr val="windowText" lastClr="000000"/>
+      </a:dk1>
+      <a:lt1>
+        <a:sysClr val="window" lastClr="FFFFFF"/>
+      </a:lt1>
+      <a:dk2>
+        <a:srgbClr val="1F497D"/>
+      </a:dk2>
+      <a:lt2>
+        <a:srgbClr val="EEECE1"/>
+      </a:lt2>
+      <a:accent1>
+        <a:srgbClr val="4F81BD"/>
+      </a:accent1>
+      <a:accent2>
+        <a:srgbClr val="C0504D"/>
+      </a:accent2>
+      <a:accent3>
+        <a:srgbClr val="9BBB59"/>
+      </a:accent3>
+      <a:accent4>
+        <a:srgbClr val="8064A2"/>
+      </a:accent4>
+      <a:accent5>
+        <a:srgbClr val="4BACC6"/>
+      </a:accent5>
+      <a:accent6>
+        <a:srgbClr val="F79646"/>
+      </a:accent6>
+      <a:hlink>
+        <a:srgbClr val="0000FF"/>
+      </a:hlink>
+      <a:folHlink>
+        <a:srgbClr val="800080"/>
+      </a:folHlink>
+    </a:clrScheme>
+    <a:fontScheme name="Office">
+      <a:majorFont>
+        <a:latin typeface="Calibri"/>
+        <a:ea typeface=""/>
+        <a:cs typeface=""/>
+        <a:font script="Jpan" typeface="ＭＳ Ｐゴシック"/>
+        <a:font script="Hang" typeface="맑은 고딕"/>
+        <a:font script="Hans" typeface="宋体"/>
+        <a:font script="Hant" typeface="新細明體"/>
+        <a:font script="Arab" typeface="Times New Roman"/>
+        <a:font script="Hebr" typeface="Times New Roman"/>
+        <a:font script="Thai" typeface="Angsana New"/>
+        <a:font script="Ethi" typeface="Nyala"/>
+        <a:font script="Beng" typeface="Vrinda"/>
+        <a:font script="Gujr" typeface="Shruti"/>
+        <a:font script="Khmr" typeface="MoolBoran"/>
+        <a:font script="Knda" typeface="Tunga"/>
+        <a:font script="Guru" typeface="Raavi"/>
+        <a:font script="Cans" typeface="Euphemia"/>
+        <a:font script="Cher" typeface="Plantagenet Cherokee"/>
+        <a:font script="Yiii" typeface="Microsoft Yi Baiti"/>
+        <a:font script="Tibt" typeface="Microsoft Himalaya"/>
+        <a:font script="Thaa" typeface="MV Boli"/>
+        <a:font script="Deva" typeface="Mangal"/>
+        <a:font script="Telu" typeface="Gautami"/>
+        <a:font script="Taml" typeface="Latha"/>
+        <a:font script="Syrc" typeface="Estrangelo Edessa"/>
+        <a:font script="Orya" typeface="Kalinga"/>
+        <a:font script="Mlym" typeface="Kartika"/>
+        <a:font script="Laoo" typeface="DokChampa"/>
+        <a:font script="Sinh" typeface="Iskoola Pota"/>
+        <a:font script="Mong" typeface="Mongolian Baiti"/>
+        <a:font script="Viet" typeface="Times New Roman"/>
+        <a:font script="Uigh" typeface="Microsoft Uighur"/>
+        <a:font script="Geor" typeface="Sylfaen"/>
+      </a:majorFont>
+      <a:minorFont>
+        <a:latin typeface="Calibri"/>
+        <a:ea typeface=""/>
+        <a:cs typeface=""/>
+        <a:font script="Jpan" typeface="ＭＳ Ｐゴシック"/>
+        <a:font script="Hang" typeface="맑은 고딕"/>
+        <a:font script="Hans" typeface="宋体"/>
+        <a:font script="Hant" typeface="新細明體"/>
+        <a:font script="Arab" typeface="Arial"/>
+        <a:font script="Hebr" typeface="Arial"/>
+        <a:font script="Thai" typeface="Cordia New"/>
+        <a:font script="Ethi" typeface="Nyala"/>
+        <a:font script="Beng" typeface="Vrinda"/>
+        <a:font script="Gujr" typeface="Shruti"/>
+        <a:font script="Khmr" typeface="DaunPenh"/>
+        <a:font script="Knda" typeface="Tunga"/>
+        <a:font script="Guru" typeface="Raavi"/>
+        <a:font script="Cans" typeface="Euphemia"/>
+        <a:font script="Cher" typeface="Plantagenet Cherokee"/>
+        <a:font script="Yiii" typeface="Microsoft Yi Baiti"/>
+        <a:font script="Tibt" typeface="Microsoft Himalaya"/>
+        <a:font script="Thaa" typeface="MV Boli"/>
+        <a:font script="Deva" typeface="Mangal"/>
+        <a:font script="Telu" typeface="Gautami"/>
+        <a:font script="Taml" typeface="Latha"/>
+        <a:font script="Syrc" typeface="Estrangelo Edessa"/>
+        <a:font script="Orya" typeface="Kalinga"/>
+        <a:font script="Mlym" typeface="Kartika"/>
+        <a:font script="Laoo" typeface="DokChampa"/>
+        <a:font script="Sinh" typeface="Iskoola Pota"/>
+        <a:font script="Mong" typeface="Mongolian Baiti"/>
+        <a:font script="Viet" typeface="Arial"/>
+        <a:font script="Uigh" typeface="Microsoft Uighur"/>
+        <a:font script="Geor" typeface="Sylfaen"/>
+      </a:minorFont>
+    </a:fontScheme>
+    <a:fmtScheme name="Office">
+      <a:fillStyleLst>
+        <a:solidFill>
+          <a:schemeClr val="phClr"/>
+        </a:solidFill>
+        <a:gradFill rotWithShape="1">
+          <a:gsLst>
+            <a:gs pos="0">
+              <a:schemeClr val="phClr">
+                <a:tint val="50000"/>
+                <a:satMod val="300000"/>
+              </a:schemeClr>
+            </a:gs>
+            <a:gs pos="35000">
+              <a:schemeClr val="phClr">
+                <a:tint val="37000"/>
+                <a:satMod val="300000"/>
+              </a:schemeClr>
+            </a:gs>
+            <a:gs pos="100000">
+              <a:schemeClr val="phClr">
+                <a:tint val="15000"/>
+                <a:satMod val="350000"/>
+              </a:schemeClr>
+            </a:gs>
+          </a:gsLst>
+          <a:lin ang="16200000" scaled="1"/>
+        </a:gradFill>
+        <a:gradFill rotWithShape="1">
+          <a:gsLst>
+            <a:gs pos="0">
+              <a:schemeClr val="phClr">
+                <a:tint val="100000"/>
+                <a:shade val="100000"/>
+                <a:satMod val="130000"/>
+              </a:schemeClr>
+            </a:gs>
+            <a:gs pos="100000">
+              <a:schemeClr val="phClr">
+                <a:tint val="50000"/>
+                <a:shade val="100000"/>
+                <a:satMod val="350000"/>
+              </a:schemeClr>
+            </a:gs>
+          </a:gsLst>
+          <a:lin ang="16200000" scaled="0"/>
+        </a:gradFill>
+      </a:fillStyleLst>
+      <a:lnStyleLst>
+        <a:ln w="9525" cap="flat" cmpd="sng" algn="ctr">
+          <a:solidFill>
+            <a:schemeClr val="phClr">
+              <a:shade val="95000"/>
+              <a:satMod val="105000"/>
+            </a:schemeClr>
+          </a:solidFill>
+          <a:prstDash val="solid"/>
+        </a:ln>
+        <a:ln w="25400" cap="flat" cmpd="sng" algn="ctr">
+          <a:solidFill>
+            <a:schemeClr val="phClr"/>
+          </a:solidFill>
+          <a:prstDash val="solid"/>
+        </a:ln>
+        <a:ln w="38100" cap="flat" cmpd="sng" algn="ctr">
+          <a:solidFill>
+            <a:schemeClr val="phClr"/>
+          </a:solidFill>
+          <a:prstDash val="solid"/>
+        </a:ln>
+      </a:lnStyleLst>
+      <a:effectStyleLst>
+        <a:effectStyle>
+          <a:effectLst>
+            <a:outerShdw blurRad="40000" dist="20000" dir="5400000" rotWithShape="0">
+              <a:srgbClr val="000000">
+                <a:alpha val="38000"/>
+              </a:srgbClr>
+            </a:outerShdw>
+          </a:effectLst>
+        </a:effectStyle>
+        <a:effectStyle>
+          <a:effectLst>
+            <a:outerShdw blurRad="40000" dist="23000" dir="5400000" rotWithShape="0">
+              <a:srgbClr val="000000">
+                <a:alpha val="35000"/>
+              </a:srgbClr>
+            </a:outerShdw>
+          </a:effectLst>
+        </a:effectStyle>
+        <a:effectStyle>
+          <a:effectLst>
+            <a:outerShdw blurRad="40000" dist="23000" dir="5400000" rotWithShape="0">
+              <a:srgbClr val="000000">
+                <a:alpha val="35000"/>
+              </a:srgbClr>
+            </a:outerShdw>
+          </a:effectLst>
+          <a:scene3d>
+            <a:camera prst="orthographicFront">
+              <a:rot lat="0" lon="0" rev="0"/>
+            </a:camera>
+            <a:lightRig rig="threePt" dir="t">
+              <a:rot lat="0" lon="0" rev="1200000"/>
+            </a:lightRig>
+          </a:scene3d>
+          <a:sp3d>
+            <a:bevelT w="63500" h="25400"/>
+          </a:sp3d>
+        </a:effectStyle>
+      </a:effectStyleLst>
+      <a:bgFillStyleLst>
+        <a:solidFill>
+          <a:schemeClr val="phClr"/>
+        </a:solidFill>
+        <a:gradFill rotWithShape="1">
+          <a:gsLst>
+            <a:gs pos="0">
+              <a:schemeClr val="phClr">
+                <a:tint val="40000"/>
+                <a:satMod val="350000"/>
+              </a:schemeClr>
+            </a:gs>
+            <a:gs pos="40000">
+              <a:schemeClr val="phClr">
+                <a:tint val="45000"/>
+                <a:shade val="99000"/>
+                <a:satMod val="350000"/>
+              </a:schemeClr>
+            </a:gs>
+            <a:gs pos="100000">
+              <a:schemeClr val="phClr">
+                <a:shade val="20000"/>
+                <a:satMod val="255000"/>
+              </a:schemeClr>
+            </a:gs>
+          </a:gsLst>
+          <a:path path="circle">
+            <a:fillToRect l="50000" t="-80000" r="50000" b="180000"/>
+          </a:path>
+        </a:gradFill>
+        <a:gradFill rotWithShape="1">
+          <a:gsLst>
+            <a:gs pos="0">
+              <a:schemeClr val="phClr">
+                <a:tint val="80000"/>
+                <a:satMod val="300000"/>
+              </a:schemeClr>
+            </a:gs>
+            <a:gs pos="100000">
+              <a:schemeClr val="phClr">
+                <a:shade val="30000"/>
+                <a:satMod val="200000"/>
+              </a:schemeClr>
+            </a:gs>
+          </a:gsLst>
+          <a:path path="circle">
+            <a:fillToRect l="50000" t="50000" r="50000" b="50000"/>
+          </a:path>
+        </a:gradFill>
+      </a:bgFillStyleLst>
+    </a:fmtScheme>
+  </a:themeElements>
+  <a:objectDefaults>
+    <a:spDef>
+      <a:spPr/>
+      <a:bodyPr/>
+      <a:lstStyle/>
+      <a:style>
+        <a:lnRef idx="1">
+          <a:schemeClr val="accent1"/>
+        </a:lnRef>
+        <a:fillRef idx="3">
+          <a:schemeClr val="accent1"/>
+        </a:fillRef>
+        <a:effectRef idx="2">
+          <a:schemeClr val="accent1"/>
+        </a:effectRef>
+        <a:fontRef idx="minor">
+          <a:schemeClr val="lt1"/>
+        </a:fontRef>
+      </a:style>
+    </a:spDef>
+    <a:lnDef>
+      <a:spPr/>
+      <a:bodyPr/>
+      <a:lstStyle/>
+      <a:style>
+        <a:lnRef idx="2">
+          <a:schemeClr val="accent1"/>
+        </a:lnRef>
+        <a:fillRef idx="0">
+          <a:schemeClr val="accent1"/>
+        </a:fillRef>
+        <a:effectRef idx="1">
+          <a:schemeClr val="accent1"/>
+        </a:effectRef>
+        <a:fontRef idx="minor">
+          <a:schemeClr val="tx1"/>
+        </a:fontRef>
+      </a:style>
+    </a:lnDef>
+  </a:objectDefaults>
+  <a:extraClrSchemeLst/>
+</a:theme>
 </file>